--- a/2022-03-10__Appium__Alejandro_Manzanero.pptx
+++ b/2022-03-10__Appium__Alejandro_Manzanero.pptx
@@ -5,10 +5,10 @@
     <p:sldMasterId id="2147483740" r:id="rId4"/>
   </p:sldMasterIdLst>
   <p:notesMasterIdLst>
-    <p:notesMasterId r:id="rId22"/>
+    <p:notesMasterId r:id="rId28"/>
   </p:notesMasterIdLst>
   <p:handoutMasterIdLst>
-    <p:handoutMasterId r:id="rId23"/>
+    <p:handoutMasterId r:id="rId29"/>
   </p:handoutMasterIdLst>
   <p:sldIdLst>
     <p:sldId id="626" r:id="rId5"/>
@@ -23,11 +23,17 @@
     <p:sldId id="2266" r:id="rId14"/>
     <p:sldId id="2267" r:id="rId15"/>
     <p:sldId id="2268" r:id="rId16"/>
-    <p:sldId id="670" r:id="rId17"/>
-    <p:sldId id="2271" r:id="rId18"/>
-    <p:sldId id="2272" r:id="rId19"/>
-    <p:sldId id="2273" r:id="rId20"/>
-    <p:sldId id="2274" r:id="rId21"/>
+    <p:sldId id="2275" r:id="rId17"/>
+    <p:sldId id="2276" r:id="rId18"/>
+    <p:sldId id="2277" r:id="rId19"/>
+    <p:sldId id="670" r:id="rId20"/>
+    <p:sldId id="2271" r:id="rId21"/>
+    <p:sldId id="2272" r:id="rId22"/>
+    <p:sldId id="2273" r:id="rId23"/>
+    <p:sldId id="2260" r:id="rId24"/>
+    <p:sldId id="613" r:id="rId25"/>
+    <p:sldId id="2278" r:id="rId26"/>
+    <p:sldId id="2274" r:id="rId27"/>
   </p:sldIdLst>
   <p:sldSz cx="12192000" cy="6858000"/>
   <p:notesSz cx="6858000" cy="9144000"/>
@@ -143,10 +149,16 @@
             <p14:sldId id="2266"/>
             <p14:sldId id="2267"/>
             <p14:sldId id="2268"/>
+            <p14:sldId id="2275"/>
+            <p14:sldId id="2276"/>
+            <p14:sldId id="2277"/>
             <p14:sldId id="670"/>
             <p14:sldId id="2271"/>
             <p14:sldId id="2272"/>
             <p14:sldId id="2273"/>
+            <p14:sldId id="2260"/>
+            <p14:sldId id="613"/>
+            <p14:sldId id="2278"/>
             <p14:sldId id="2274"/>
           </p14:sldIdLst>
         </p14:section>
@@ -40562,30 +40574,14 @@
             <a:pPr algn="l"/>
             <a:r>
               <a:rPr lang="es-ES" dirty="0"/>
-              <a:t>No da soporte directo para mensajes </a:t>
-            </a:r>
-            <a:r>
-              <a:rPr lang="es-ES" dirty="0" err="1"/>
-              <a:t>Toast</a:t>
-            </a:r>
-            <a:r>
-              <a:rPr lang="es-ES" dirty="0"/>
-              <a:t>.</a:t>
+              <a:t>No da soporte directo para mensajes Toast.</a:t>
             </a:r>
           </a:p>
           <a:p>
             <a:pPr algn="l"/>
             <a:r>
               <a:rPr lang="es-ES" dirty="0"/>
-              <a:t>Los scripts son lentos, comparados con </a:t>
-            </a:r>
-            <a:r>
-              <a:rPr lang="es-ES" dirty="0" err="1"/>
-              <a:t>Selenium</a:t>
-            </a:r>
-            <a:r>
-              <a:rPr lang="es-ES" dirty="0"/>
-              <a:t>.</a:t>
+              <a:t>Los scripts son lentos, comparados con Selenium.</a:t>
             </a:r>
           </a:p>
           <a:p>
@@ -40744,15 +40740,7 @@
             </a:pPr>
             <a:r>
               <a:rPr lang="es-ES" dirty="0"/>
-              <a:t>Descargar e instalar Java </a:t>
-            </a:r>
-            <a:r>
-              <a:rPr lang="es-ES" dirty="0" err="1"/>
-              <a:t>jdk</a:t>
-            </a:r>
-            <a:r>
-              <a:rPr lang="es-ES" dirty="0"/>
-              <a:t> +1.8</a:t>
+              <a:t>Descargar e instalar Java jdk +1.8</a:t>
             </a:r>
           </a:p>
           <a:p>
@@ -40762,23 +40750,7 @@
             </a:pPr>
             <a:r>
               <a:rPr lang="es-ES" dirty="0"/>
-              <a:t>Añadir la variable de entorno JAVA_HOME = "C:\Program Files\Java\</a:t>
-            </a:r>
-            <a:r>
-              <a:rPr lang="es-ES" dirty="0" err="1"/>
-              <a:t>jdk</a:t>
-            </a:r>
-            <a:r>
-              <a:rPr lang="es-ES" dirty="0"/>
-              <a:t> {</a:t>
-            </a:r>
-            <a:r>
-              <a:rPr lang="es-ES" dirty="0" err="1"/>
-              <a:t>version</a:t>
-            </a:r>
-            <a:r>
-              <a:rPr lang="es-ES" dirty="0"/>
-              <a:t>} "</a:t>
+              <a:t>Añadir la variable de entorno JAVA_HOME = "C:\Program Files\Java\jdk {version} "</a:t>
             </a:r>
           </a:p>
           <a:p>
@@ -40798,31 +40770,7 @@
             </a:pPr>
             <a:r>
               <a:rPr lang="es-ES" dirty="0"/>
-              <a:t>Añadir la variable de entorno ANDROID_HOME = "C:\Users\ {</a:t>
-            </a:r>
-            <a:r>
-              <a:rPr lang="es-ES" dirty="0" err="1"/>
-              <a:t>user</a:t>
-            </a:r>
-            <a:r>
-              <a:rPr lang="es-ES" dirty="0"/>
-              <a:t>} \</a:t>
-            </a:r>
-            <a:r>
-              <a:rPr lang="es-ES" dirty="0" err="1"/>
-              <a:t>AppData</a:t>
-            </a:r>
-            <a:r>
-              <a:rPr lang="es-ES" dirty="0"/>
-              <a:t>\Local\Android\</a:t>
-            </a:r>
-            <a:r>
-              <a:rPr lang="es-ES" dirty="0" err="1"/>
-              <a:t>Sdk</a:t>
-            </a:r>
-            <a:r>
-              <a:rPr lang="es-ES" dirty="0"/>
-              <a:t>\“</a:t>
+              <a:t>Añadir la variable de entorno ANDROID_HOME = "C:\Users\ {user} \AppData\Local\Android\Sdk\“</a:t>
             </a:r>
           </a:p>
           <a:p>
@@ -40866,15 +40814,7 @@
             </a:pPr>
             <a:r>
               <a:rPr lang="es-ES" dirty="0"/>
-              <a:t>Iniciar el servidor localmente introduciendo “Host” = 0.0.0.0 y “Port” = 4723 y pulsando en “</a:t>
-            </a:r>
-            <a:r>
-              <a:rPr lang="es-ES" dirty="0" err="1"/>
-              <a:t>Star</a:t>
-            </a:r>
-            <a:r>
-              <a:rPr lang="es-ES" dirty="0"/>
-              <a:t> Server”</a:t>
+              <a:t>Iniciar el server localmente introduciendo “Host” = 0.0.0.0 y “Port” = 4723 y pulsando en “Start Server”</a:t>
             </a:r>
           </a:p>
           <a:p>
@@ -40901,28 +40841,10 @@
               <a:t>	$ </a:t>
             </a:r>
             <a:r>
-              <a:rPr lang="es-ES" dirty="0" err="1">
-                <a:latin typeface="Consolas" panose="020B0609020204030204" pitchFamily="49" charset="0"/>
-              </a:rPr>
-              <a:t>pip</a:t>
-            </a:r>
-            <a:r>
               <a:rPr lang="es-ES" dirty="0">
                 <a:latin typeface="Consolas" panose="020B0609020204030204" pitchFamily="49" charset="0"/>
               </a:rPr>
-              <a:t> </a:t>
-            </a:r>
-            <a:r>
-              <a:rPr lang="es-ES" dirty="0" err="1">
-                <a:latin typeface="Consolas" panose="020B0609020204030204" pitchFamily="49" charset="0"/>
-              </a:rPr>
-              <a:t>install</a:t>
-            </a:r>
-            <a:r>
-              <a:rPr lang="es-ES" dirty="0">
-                <a:latin typeface="Consolas" panose="020B0609020204030204" pitchFamily="49" charset="0"/>
-              </a:rPr>
-              <a:t> Appium-Python-Client</a:t>
+              <a:t>pip install Appium-Python-Client</a:t>
             </a:r>
           </a:p>
         </p:txBody>
@@ -40985,21 +40907,16 @@
           <a:p>
             <a:r>
               <a:rPr lang="es-ES" dirty="0"/>
-              <a:t>Conectar un dispositivo </a:t>
+              <a:t>Conectar un </a:t>
             </a:r>
             <a:r>
-              <a:rPr lang="es-ES" dirty="0" err="1">
+              <a:rPr lang="es-ES" dirty="0">
                 <a:solidFill>
                   <a:schemeClr val="accent1"/>
                 </a:solidFill>
               </a:rPr>
               <a:t>dispositivo</a:t>
             </a:r>
-            <a:endParaRPr lang="es-ES" dirty="0">
-              <a:solidFill>
-                <a:schemeClr val="accent1"/>
-              </a:solidFill>
-            </a:endParaRPr>
           </a:p>
         </p:txBody>
       </p:sp>
@@ -41087,28 +41004,8 @@
               <a:buAutoNum type="arabicPeriod"/>
             </a:pPr>
             <a:r>
-              <a:rPr lang="es-ES" dirty="0" err="1"/>
-              <a:t>Click</a:t>
-            </a:r>
-            <a:r>
               <a:rPr lang="es-ES" dirty="0"/>
-              <a:t> en "</a:t>
-            </a:r>
-            <a:r>
-              <a:rPr lang="es-ES" dirty="0" err="1"/>
-              <a:t>Create</a:t>
-            </a:r>
-            <a:r>
-              <a:rPr lang="es-ES" dirty="0"/>
-              <a:t> Virtual </a:t>
-            </a:r>
-            <a:r>
-              <a:rPr lang="es-ES" dirty="0" err="1"/>
-              <a:t>Device</a:t>
-            </a:r>
-            <a:r>
-              <a:rPr lang="es-ES" dirty="0"/>
-              <a:t>".</a:t>
+              <a:t>Click en "Create Virtual Device".</a:t>
             </a:r>
           </a:p>
           <a:p>
@@ -41118,15 +41015,7 @@
             </a:pPr>
             <a:r>
               <a:rPr lang="es-ES" dirty="0"/>
-              <a:t>Seleccionar "</a:t>
-            </a:r>
-            <a:r>
-              <a:rPr lang="es-ES" dirty="0" err="1"/>
-              <a:t>Phone</a:t>
-            </a:r>
-            <a:r>
-              <a:rPr lang="es-ES" dirty="0"/>
-              <a:t>" &gt; "Nexus 5X", "Next"</a:t>
+              <a:t>Seleccionar "Phone" &gt; "Nexus 5X“ &gt; "Next"</a:t>
             </a:r>
           </a:p>
           <a:p>
@@ -41136,23 +41025,7 @@
             </a:pPr>
             <a:r>
               <a:rPr lang="es-ES" dirty="0"/>
-              <a:t>Seleccionar "Oreo" (API </a:t>
-            </a:r>
-            <a:r>
-              <a:rPr lang="es-ES" dirty="0" err="1"/>
-              <a:t>Level</a:t>
-            </a:r>
-            <a:r>
-              <a:rPr lang="es-ES" dirty="0"/>
-              <a:t> 27, Android 8.1), si no está disponible </a:t>
-            </a:r>
-            <a:r>
-              <a:rPr lang="es-ES" dirty="0" err="1"/>
-              <a:t>click</a:t>
-            </a:r>
-            <a:r>
-              <a:rPr lang="es-ES" dirty="0"/>
-              <a:t> en descargar, "Next"</a:t>
+              <a:t>Seleccionar "Oreo" (API Level 27, Android 8.1), si no está disponible: click en descargar &gt; "Next"</a:t>
             </a:r>
           </a:p>
           <a:p>
@@ -41162,15 +41035,7 @@
             </a:pPr>
             <a:r>
               <a:rPr lang="es-ES" dirty="0"/>
-              <a:t>Nombrar y "</a:t>
-            </a:r>
-            <a:r>
-              <a:rPr lang="es-ES" dirty="0" err="1"/>
-              <a:t>Finish</a:t>
-            </a:r>
-            <a:r>
-              <a:rPr lang="es-ES" dirty="0"/>
-              <a:t>"</a:t>
+              <a:t>Nombrar y "Finish"</a:t>
             </a:r>
           </a:p>
           <a:p>
@@ -41203,55 +41068,7 @@
             </a:pPr>
             <a:r>
               <a:rPr lang="es-ES" dirty="0"/>
-              <a:t>En el dispositivo: Ir a "</a:t>
-            </a:r>
-            <a:r>
-              <a:rPr lang="es-ES" dirty="0" err="1"/>
-              <a:t>Settings</a:t>
-            </a:r>
-            <a:r>
-              <a:rPr lang="es-ES" dirty="0"/>
-              <a:t>" &gt; "</a:t>
-            </a:r>
-            <a:r>
-              <a:rPr lang="es-ES" dirty="0" err="1"/>
-              <a:t>Developer</a:t>
-            </a:r>
-            <a:r>
-              <a:rPr lang="es-ES" dirty="0"/>
-              <a:t> </a:t>
-            </a:r>
-            <a:r>
-              <a:rPr lang="es-ES" dirty="0" err="1"/>
-              <a:t>options</a:t>
-            </a:r>
-            <a:r>
-              <a:rPr lang="es-ES" dirty="0"/>
-              <a:t>" y activar "</a:t>
-            </a:r>
-            <a:r>
-              <a:rPr lang="es-ES" dirty="0" err="1"/>
-              <a:t>Stay</a:t>
-            </a:r>
-            <a:r>
-              <a:rPr lang="es-ES" dirty="0"/>
-              <a:t> </a:t>
-            </a:r>
-            <a:r>
-              <a:rPr lang="es-ES" dirty="0" err="1"/>
-              <a:t>awake</a:t>
-            </a:r>
-            <a:r>
-              <a:rPr lang="es-ES" dirty="0"/>
-              <a:t>" y "USB </a:t>
-            </a:r>
-            <a:r>
-              <a:rPr lang="es-ES" dirty="0" err="1"/>
-              <a:t>debugging</a:t>
-            </a:r>
-            <a:r>
-              <a:rPr lang="es-ES" dirty="0"/>
-              <a:t>“</a:t>
+              <a:t>En el dispositivo: Ir a "Settings" &gt; "Developer options" y activar "Stay awake" y "USB debugging“</a:t>
             </a:r>
           </a:p>
           <a:p>
@@ -41280,6 +41097,459 @@
 </file>
 
 <file path=ppt/slides/slide13.xml><?xml version="1.0" encoding="utf-8"?>
+<p:sld xmlns:a="http://schemas.openxmlformats.org/drawingml/2006/main" xmlns:r="http://schemas.openxmlformats.org/officeDocument/2006/relationships" xmlns:p="http://schemas.openxmlformats.org/presentationml/2006/main">
+  <p:cSld>
+    <p:spTree>
+      <p:nvGrpSpPr>
+        <p:cNvPr id="1" name=""/>
+        <p:cNvGrpSpPr/>
+        <p:nvPr/>
+      </p:nvGrpSpPr>
+      <p:grpSpPr>
+        <a:xfrm>
+          <a:off x="0" y="0"/>
+          <a:ext cx="0" cy="0"/>
+          <a:chOff x="0" y="0"/>
+          <a:chExt cx="0" cy="0"/>
+        </a:xfrm>
+      </p:grpSpPr>
+      <p:sp>
+        <p:nvSpPr>
+          <p:cNvPr id="2" name="Título 1">
+            <a:extLst>
+              <a:ext uri="{FF2B5EF4-FFF2-40B4-BE49-F238E27FC236}">
+                <a16:creationId xmlns:a16="http://schemas.microsoft.com/office/drawing/2014/main" id="{F4CAEC2A-A017-1241-8EC4-1FA5C76337B4}"/>
+              </a:ext>
+            </a:extLst>
+          </p:cNvPr>
+          <p:cNvSpPr>
+            <a:spLocks noGrp="1"/>
+          </p:cNvSpPr>
+          <p:nvPr>
+            <p:ph type="title"/>
+          </p:nvPr>
+        </p:nvSpPr>
+        <p:spPr>
+          <a:xfrm>
+            <a:off x="482603" y="906133"/>
+            <a:ext cx="7494448" cy="887157"/>
+          </a:xfrm>
+        </p:spPr>
+        <p:txBody>
+          <a:bodyPr/>
+          <a:lstStyle/>
+          <a:p>
+            <a:r>
+              <a:rPr lang="es-ES" dirty="0"/>
+              <a:t>Abrir el </a:t>
+            </a:r>
+            <a:r>
+              <a:rPr lang="es-ES" dirty="0">
+                <a:solidFill>
+                  <a:schemeClr val="accent1"/>
+                </a:solidFill>
+              </a:rPr>
+              <a:t>inspector</a:t>
+            </a:r>
+            <a:r>
+              <a:rPr lang="es-ES" dirty="0"/>
+              <a:t> de Appium</a:t>
+            </a:r>
+            <a:endParaRPr lang="es-ES" dirty="0">
+              <a:solidFill>
+                <a:schemeClr val="accent1"/>
+              </a:solidFill>
+            </a:endParaRPr>
+          </a:p>
+        </p:txBody>
+      </p:sp>
+      <p:sp>
+        <p:nvSpPr>
+          <p:cNvPr id="4" name="Marcador de número de diapositiva 3">
+            <a:extLst>
+              <a:ext uri="{FF2B5EF4-FFF2-40B4-BE49-F238E27FC236}">
+                <a16:creationId xmlns:a16="http://schemas.microsoft.com/office/drawing/2014/main" id="{4AB22AD1-E132-0845-9B31-BF6389225FBE}"/>
+              </a:ext>
+            </a:extLst>
+          </p:cNvPr>
+          <p:cNvSpPr>
+            <a:spLocks noGrp="1"/>
+          </p:cNvSpPr>
+          <p:nvPr>
+            <p:ph type="sldNum" sz="quarter" idx="11"/>
+          </p:nvPr>
+        </p:nvSpPr>
+        <p:spPr/>
+        <p:txBody>
+          <a:bodyPr/>
+          <a:lstStyle/>
+          <a:p>
+            <a:fld id="{2A81D39E-E002-FB44-933E-5C1B1F979D05}" type="slidenum">
+              <a:rPr lang="es-ES_tradnl" smtClean="0"/>
+              <a:pPr/>
+              <a:t>13</a:t>
+            </a:fld>
+            <a:endParaRPr lang="es-ES_tradnl"/>
+          </a:p>
+        </p:txBody>
+      </p:sp>
+      <p:sp>
+        <p:nvSpPr>
+          <p:cNvPr id="6" name="Marcador de contenido 5">
+            <a:extLst>
+              <a:ext uri="{FF2B5EF4-FFF2-40B4-BE49-F238E27FC236}">
+                <a16:creationId xmlns:a16="http://schemas.microsoft.com/office/drawing/2014/main" id="{2EC41670-E83F-874D-A86B-4365852516E2}"/>
+              </a:ext>
+            </a:extLst>
+          </p:cNvPr>
+          <p:cNvSpPr>
+            <a:spLocks noGrp="1"/>
+          </p:cNvSpPr>
+          <p:nvPr>
+            <p:ph idx="12"/>
+          </p:nvPr>
+        </p:nvSpPr>
+        <p:spPr>
+          <a:xfrm>
+            <a:off x="996177" y="2420938"/>
+            <a:ext cx="9960675" cy="1394318"/>
+          </a:xfrm>
+        </p:spPr>
+        <p:txBody>
+          <a:bodyPr/>
+          <a:lstStyle/>
+          <a:p>
+            <a:pPr marL="0" indent="0" algn="l">
+              <a:buNone/>
+            </a:pPr>
+            <a:r>
+              <a:rPr lang="es-ES" dirty="0"/>
+              <a:t>En primer lugar debemos saber la “Activity” principal de la aplicación. Esto se puede averiguar iniciando la app manualmente en un dispositivo conectado y ejecutando en el terminal:</a:t>
+            </a:r>
+          </a:p>
+          <a:p>
+            <a:pPr marL="0" indent="0" algn="l">
+              <a:buNone/>
+            </a:pPr>
+            <a:r>
+              <a:rPr lang="es-ES" dirty="0"/>
+              <a:t>	</a:t>
+            </a:r>
+            <a:r>
+              <a:rPr lang="es-ES" dirty="0">
+                <a:latin typeface="Consolas" panose="020B0609020204030204" pitchFamily="49" charset="0"/>
+              </a:rPr>
+              <a:t>$ adb shell dumpsys window</a:t>
+            </a:r>
+          </a:p>
+          <a:p>
+            <a:pPr marL="0" indent="0" algn="l">
+              <a:buNone/>
+            </a:pPr>
+            <a:r>
+              <a:rPr lang="es-ES" dirty="0"/>
+              <a:t>En salida buscamos por “mCurrentFocus”. Y con este dato ya se puede iniciar la sesión en Appium Inspector:</a:t>
+            </a:r>
+            <a:endParaRPr lang="es-ES" dirty="0">
+              <a:latin typeface="Consolas" panose="020B0609020204030204" pitchFamily="49" charset="0"/>
+            </a:endParaRPr>
+          </a:p>
+        </p:txBody>
+      </p:sp>
+    </p:spTree>
+    <p:extLst>
+      <p:ext uri="{BB962C8B-B14F-4D97-AF65-F5344CB8AC3E}">
+        <p14:creationId xmlns:p14="http://schemas.microsoft.com/office/powerpoint/2010/main" val="413505464"/>
+      </p:ext>
+    </p:extLst>
+  </p:cSld>
+  <p:clrMapOvr>
+    <a:masterClrMapping/>
+  </p:clrMapOvr>
+</p:sld>
+</file>
+
+<file path=ppt/slides/slide14.xml><?xml version="1.0" encoding="utf-8"?>
+<p:sld xmlns:a="http://schemas.openxmlformats.org/drawingml/2006/main" xmlns:r="http://schemas.openxmlformats.org/officeDocument/2006/relationships" xmlns:p="http://schemas.openxmlformats.org/presentationml/2006/main">
+  <p:cSld>
+    <p:spTree>
+      <p:nvGrpSpPr>
+        <p:cNvPr id="1" name=""/>
+        <p:cNvGrpSpPr/>
+        <p:nvPr/>
+      </p:nvGrpSpPr>
+      <p:grpSpPr>
+        <a:xfrm>
+          <a:off x="0" y="0"/>
+          <a:ext cx="0" cy="0"/>
+          <a:chOff x="0" y="0"/>
+          <a:chExt cx="0" cy="0"/>
+        </a:xfrm>
+      </p:grpSpPr>
+      <p:sp>
+        <p:nvSpPr>
+          <p:cNvPr id="2" name="Título 1">
+            <a:extLst>
+              <a:ext uri="{FF2B5EF4-FFF2-40B4-BE49-F238E27FC236}">
+                <a16:creationId xmlns:a16="http://schemas.microsoft.com/office/drawing/2014/main" id="{F4CAEC2A-A017-1241-8EC4-1FA5C76337B4}"/>
+              </a:ext>
+            </a:extLst>
+          </p:cNvPr>
+          <p:cNvSpPr>
+            <a:spLocks noGrp="1"/>
+          </p:cNvSpPr>
+          <p:nvPr>
+            <p:ph type="title"/>
+          </p:nvPr>
+        </p:nvSpPr>
+        <p:spPr>
+          <a:xfrm>
+            <a:off x="482603" y="906133"/>
+            <a:ext cx="7494448" cy="887157"/>
+          </a:xfrm>
+        </p:spPr>
+        <p:txBody>
+          <a:bodyPr/>
+          <a:lstStyle/>
+          <a:p>
+            <a:r>
+              <a:rPr lang="es-ES" dirty="0"/>
+              <a:t>Abrir el </a:t>
+            </a:r>
+            <a:r>
+              <a:rPr lang="es-ES" dirty="0">
+                <a:solidFill>
+                  <a:schemeClr val="accent1"/>
+                </a:solidFill>
+              </a:rPr>
+              <a:t>inspector</a:t>
+            </a:r>
+            <a:r>
+              <a:rPr lang="es-ES" dirty="0"/>
+              <a:t> de Appium</a:t>
+            </a:r>
+            <a:endParaRPr lang="es-ES" dirty="0">
+              <a:solidFill>
+                <a:schemeClr val="accent1"/>
+              </a:solidFill>
+            </a:endParaRPr>
+          </a:p>
+        </p:txBody>
+      </p:sp>
+      <p:sp>
+        <p:nvSpPr>
+          <p:cNvPr id="4" name="Marcador de número de diapositiva 3">
+            <a:extLst>
+              <a:ext uri="{FF2B5EF4-FFF2-40B4-BE49-F238E27FC236}">
+                <a16:creationId xmlns:a16="http://schemas.microsoft.com/office/drawing/2014/main" id="{4AB22AD1-E132-0845-9B31-BF6389225FBE}"/>
+              </a:ext>
+            </a:extLst>
+          </p:cNvPr>
+          <p:cNvSpPr>
+            <a:spLocks noGrp="1"/>
+          </p:cNvSpPr>
+          <p:nvPr>
+            <p:ph type="sldNum" sz="quarter" idx="11"/>
+          </p:nvPr>
+        </p:nvSpPr>
+        <p:spPr/>
+        <p:txBody>
+          <a:bodyPr/>
+          <a:lstStyle/>
+          <a:p>
+            <a:fld id="{2A81D39E-E002-FB44-933E-5C1B1F979D05}" type="slidenum">
+              <a:rPr lang="es-ES_tradnl" smtClean="0"/>
+              <a:pPr/>
+              <a:t>14</a:t>
+            </a:fld>
+            <a:endParaRPr lang="es-ES_tradnl"/>
+          </a:p>
+        </p:txBody>
+      </p:sp>
+      <p:pic>
+        <p:nvPicPr>
+          <p:cNvPr id="5" name="Picture 4">
+            <a:extLst>
+              <a:ext uri="{FF2B5EF4-FFF2-40B4-BE49-F238E27FC236}">
+                <a16:creationId xmlns:a16="http://schemas.microsoft.com/office/drawing/2014/main" id="{9199CA42-E797-43E9-A0F0-43B3D37D84AE}"/>
+              </a:ext>
+            </a:extLst>
+          </p:cNvPr>
+          <p:cNvPicPr>
+            <a:picLocks noChangeAspect="1"/>
+          </p:cNvPicPr>
+          <p:nvPr/>
+        </p:nvPicPr>
+        <p:blipFill>
+          <a:blip r:embed="rId2"/>
+          <a:stretch>
+            <a:fillRect/>
+          </a:stretch>
+        </p:blipFill>
+        <p:spPr>
+          <a:xfrm>
+            <a:off x="996177" y="2284278"/>
+            <a:ext cx="10199646" cy="3667589"/>
+          </a:xfrm>
+          <a:prstGeom prst="rect">
+            <a:avLst/>
+          </a:prstGeom>
+        </p:spPr>
+      </p:pic>
+    </p:spTree>
+    <p:extLst>
+      <p:ext uri="{BB962C8B-B14F-4D97-AF65-F5344CB8AC3E}">
+        <p14:creationId xmlns:p14="http://schemas.microsoft.com/office/powerpoint/2010/main" val="3791169837"/>
+      </p:ext>
+    </p:extLst>
+  </p:cSld>
+  <p:clrMapOvr>
+    <a:masterClrMapping/>
+  </p:clrMapOvr>
+</p:sld>
+</file>
+
+<file path=ppt/slides/slide15.xml><?xml version="1.0" encoding="utf-8"?>
+<p:sld xmlns:a="http://schemas.openxmlformats.org/drawingml/2006/main" xmlns:r="http://schemas.openxmlformats.org/officeDocument/2006/relationships" xmlns:p="http://schemas.openxmlformats.org/presentationml/2006/main">
+  <p:cSld>
+    <p:spTree>
+      <p:nvGrpSpPr>
+        <p:cNvPr id="1" name=""/>
+        <p:cNvGrpSpPr/>
+        <p:nvPr/>
+      </p:nvGrpSpPr>
+      <p:grpSpPr>
+        <a:xfrm>
+          <a:off x="0" y="0"/>
+          <a:ext cx="0" cy="0"/>
+          <a:chOff x="0" y="0"/>
+          <a:chExt cx="0" cy="0"/>
+        </a:xfrm>
+      </p:grpSpPr>
+      <p:sp>
+        <p:nvSpPr>
+          <p:cNvPr id="2" name="Título 1">
+            <a:extLst>
+              <a:ext uri="{FF2B5EF4-FFF2-40B4-BE49-F238E27FC236}">
+                <a16:creationId xmlns:a16="http://schemas.microsoft.com/office/drawing/2014/main" id="{F4CAEC2A-A017-1241-8EC4-1FA5C76337B4}"/>
+              </a:ext>
+            </a:extLst>
+          </p:cNvPr>
+          <p:cNvSpPr>
+            <a:spLocks noGrp="1"/>
+          </p:cNvSpPr>
+          <p:nvPr>
+            <p:ph type="title"/>
+          </p:nvPr>
+        </p:nvSpPr>
+        <p:spPr>
+          <a:xfrm>
+            <a:off x="482603" y="906133"/>
+            <a:ext cx="7494448" cy="887157"/>
+          </a:xfrm>
+        </p:spPr>
+        <p:txBody>
+          <a:bodyPr/>
+          <a:lstStyle/>
+          <a:p>
+            <a:r>
+              <a:rPr lang="es-ES" dirty="0"/>
+              <a:t>Abrir el </a:t>
+            </a:r>
+            <a:r>
+              <a:rPr lang="es-ES" dirty="0">
+                <a:solidFill>
+                  <a:schemeClr val="accent1"/>
+                </a:solidFill>
+              </a:rPr>
+              <a:t>inspector</a:t>
+            </a:r>
+            <a:r>
+              <a:rPr lang="es-ES" dirty="0"/>
+              <a:t> de Appium</a:t>
+            </a:r>
+            <a:endParaRPr lang="es-ES" dirty="0">
+              <a:solidFill>
+                <a:schemeClr val="accent1"/>
+              </a:solidFill>
+            </a:endParaRPr>
+          </a:p>
+        </p:txBody>
+      </p:sp>
+      <p:sp>
+        <p:nvSpPr>
+          <p:cNvPr id="4" name="Marcador de número de diapositiva 3">
+            <a:extLst>
+              <a:ext uri="{FF2B5EF4-FFF2-40B4-BE49-F238E27FC236}">
+                <a16:creationId xmlns:a16="http://schemas.microsoft.com/office/drawing/2014/main" id="{4AB22AD1-E132-0845-9B31-BF6389225FBE}"/>
+              </a:ext>
+            </a:extLst>
+          </p:cNvPr>
+          <p:cNvSpPr>
+            <a:spLocks noGrp="1"/>
+          </p:cNvSpPr>
+          <p:nvPr>
+            <p:ph type="sldNum" sz="quarter" idx="11"/>
+          </p:nvPr>
+        </p:nvSpPr>
+        <p:spPr/>
+        <p:txBody>
+          <a:bodyPr/>
+          <a:lstStyle/>
+          <a:p>
+            <a:fld id="{2A81D39E-E002-FB44-933E-5C1B1F979D05}" type="slidenum">
+              <a:rPr lang="es-ES_tradnl" smtClean="0"/>
+              <a:pPr/>
+              <a:t>15</a:t>
+            </a:fld>
+            <a:endParaRPr lang="es-ES_tradnl"/>
+          </a:p>
+        </p:txBody>
+      </p:sp>
+      <p:pic>
+        <p:nvPicPr>
+          <p:cNvPr id="6" name="Picture 5">
+            <a:extLst>
+              <a:ext uri="{FF2B5EF4-FFF2-40B4-BE49-F238E27FC236}">
+                <a16:creationId xmlns:a16="http://schemas.microsoft.com/office/drawing/2014/main" id="{233D83D0-17B3-46D5-9E1D-A909A1E90D06}"/>
+              </a:ext>
+            </a:extLst>
+          </p:cNvPr>
+          <p:cNvPicPr>
+            <a:picLocks noChangeAspect="1"/>
+          </p:cNvPicPr>
+          <p:nvPr/>
+        </p:nvPicPr>
+        <p:blipFill>
+          <a:blip r:embed="rId2"/>
+          <a:stretch>
+            <a:fillRect/>
+          </a:stretch>
+        </p:blipFill>
+        <p:spPr>
+          <a:xfrm>
+            <a:off x="1746963" y="2123089"/>
+            <a:ext cx="8698074" cy="4084260"/>
+          </a:xfrm>
+          <a:prstGeom prst="rect">
+            <a:avLst/>
+          </a:prstGeom>
+        </p:spPr>
+      </p:pic>
+    </p:spTree>
+    <p:extLst>
+      <p:ext uri="{BB962C8B-B14F-4D97-AF65-F5344CB8AC3E}">
+        <p14:creationId xmlns:p14="http://schemas.microsoft.com/office/powerpoint/2010/main" val="3430821521"/>
+      </p:ext>
+    </p:extLst>
+  </p:cSld>
+  <p:clrMapOvr>
+    <a:masterClrMapping/>
+  </p:clrMapOvr>
+</p:sld>
+</file>
+
+<file path=ppt/slides/slide16.xml><?xml version="1.0" encoding="utf-8"?>
 <p:sld xmlns:a="http://schemas.openxmlformats.org/drawingml/2006/main" xmlns:r="http://schemas.openxmlformats.org/officeDocument/2006/relationships" xmlns:p="http://schemas.openxmlformats.org/presentationml/2006/main">
   <p:cSld>
     <p:spTree>
@@ -41356,7 +41626,7 @@
             <a:fld id="{2A81D39E-E002-FB44-933E-5C1B1F979D05}" type="slidenum">
               <a:rPr lang="es-ES_tradnl" smtClean="0"/>
               <a:pPr/>
-              <a:t>13</a:t>
+              <a:t>16</a:t>
             </a:fld>
             <a:endParaRPr lang="es-ES_tradnl"/>
           </a:p>
@@ -41375,7 +41645,7 @@
 </p:sld>
 </file>
 
-<file path=ppt/slides/slide14.xml><?xml version="1.0" encoding="utf-8"?>
+<file path=ppt/slides/slide17.xml><?xml version="1.0" encoding="utf-8"?>
 <p:sld xmlns:a="http://schemas.openxmlformats.org/drawingml/2006/main" xmlns:r="http://schemas.openxmlformats.org/officeDocument/2006/relationships" xmlns:p="http://schemas.openxmlformats.org/presentationml/2006/main">
   <p:cSld>
     <p:spTree>
@@ -41428,39 +41698,7 @@
                   <a:schemeClr val="accent1"/>
                 </a:solidFill>
               </a:rPr>
-              <a:t>Behaviour </a:t>
-            </a:r>
-            <a:r>
-              <a:rPr lang="es-ES" dirty="0" err="1">
-                <a:solidFill>
-                  <a:schemeClr val="accent1"/>
-                </a:solidFill>
-              </a:rPr>
-              <a:t>Driven</a:t>
-            </a:r>
-            <a:r>
-              <a:rPr lang="es-ES" dirty="0">
-                <a:solidFill>
-                  <a:schemeClr val="accent1"/>
-                </a:solidFill>
-              </a:rPr>
-              <a:t> </a:t>
-            </a:r>
-            <a:r>
-              <a:rPr lang="es-ES" dirty="0" err="1">
-                <a:solidFill>
-                  <a:schemeClr val="accent1"/>
-                </a:solidFill>
-              </a:rPr>
-              <a:t>Development</a:t>
-            </a:r>
-            <a:r>
-              <a:rPr lang="es-ES" dirty="0">
-                <a:solidFill>
-                  <a:schemeClr val="accent1"/>
-                </a:solidFill>
-              </a:rPr>
-              <a:t> </a:t>
+              <a:t>Behaviour Driven Development </a:t>
             </a:r>
             <a:r>
               <a:rPr lang="es-ES" dirty="0"/>
@@ -41493,7 +41731,7 @@
             <a:fld id="{2A81D39E-E002-FB44-933E-5C1B1F979D05}" type="slidenum">
               <a:rPr lang="es-ES_tradnl" smtClean="0"/>
               <a:pPr/>
-              <a:t>14</a:t>
+              <a:t>17</a:t>
             </a:fld>
             <a:endParaRPr lang="es-ES_tradnl"/>
           </a:p>
@@ -41635,49 +41873,32 @@
       </p:sp>
       <p:pic>
         <p:nvPicPr>
-          <p:cNvPr id="2050" name="Picture 2" descr="behave_logo">
+          <p:cNvPr id="6" name="Picture 5">
             <a:extLst>
               <a:ext uri="{FF2B5EF4-FFF2-40B4-BE49-F238E27FC236}">
-                <a16:creationId xmlns:a16="http://schemas.microsoft.com/office/drawing/2014/main" id="{5A076AAD-E8B7-435B-98ED-D17707DC47E9}"/>
+                <a16:creationId xmlns:a16="http://schemas.microsoft.com/office/drawing/2014/main" id="{476E079E-3960-4F47-BAD2-10641AD0F26A}"/>
               </a:ext>
             </a:extLst>
           </p:cNvPr>
           <p:cNvPicPr>
-            <a:picLocks noChangeAspect="1" noChangeArrowheads="1"/>
+            <a:picLocks noChangeAspect="1"/>
           </p:cNvPicPr>
           <p:nvPr/>
         </p:nvPicPr>
         <p:blipFill>
-          <a:blip r:embed="rId2">
-            <a:extLst>
-              <a:ext uri="{28A0092B-C50C-407E-A947-70E740481C1C}">
-                <a14:useLocalDpi xmlns:a14="http://schemas.microsoft.com/office/drawing/2010/main" val="0"/>
-              </a:ext>
-            </a:extLst>
-          </a:blip>
-          <a:srcRect/>
+          <a:blip r:embed="rId2"/>
           <a:stretch>
             <a:fillRect/>
           </a:stretch>
         </p:blipFill>
-        <p:spPr bwMode="auto">
+        <p:spPr>
           <a:xfrm>
-            <a:off x="5595257" y="2452144"/>
-            <a:ext cx="3400292" cy="3251529"/>
+            <a:off x="6433491" y="2558536"/>
+            <a:ext cx="3468415" cy="3468415"/>
           </a:xfrm>
           <a:prstGeom prst="rect">
             <a:avLst/>
           </a:prstGeom>
-          <a:noFill/>
-          <a:extLst>
-            <a:ext uri="{909E8E84-426E-40DD-AFC4-6F175D3DCCD1}">
-              <a14:hiddenFill xmlns:a14="http://schemas.microsoft.com/office/drawing/2010/main">
-                <a:solidFill>
-                  <a:srgbClr val="FFFFFF"/>
-                </a:solidFill>
-              </a14:hiddenFill>
-            </a:ext>
-          </a:extLst>
         </p:spPr>
       </p:pic>
     </p:spTree>
@@ -41693,7 +41914,7 @@
 </p:sld>
 </file>
 
-<file path=ppt/slides/slide15.xml><?xml version="1.0" encoding="utf-8"?>
+<file path=ppt/slides/slide18.xml><?xml version="1.0" encoding="utf-8"?>
 <p:sld xmlns:a="http://schemas.openxmlformats.org/drawingml/2006/main" xmlns:r="http://schemas.openxmlformats.org/officeDocument/2006/relationships" xmlns:p="http://schemas.openxmlformats.org/presentationml/2006/main">
   <p:cSld>
     <p:spTree>
@@ -41746,39 +41967,7 @@
                   <a:schemeClr val="accent1"/>
                 </a:solidFill>
               </a:rPr>
-              <a:t>Behaviour </a:t>
-            </a:r>
-            <a:r>
-              <a:rPr lang="es-ES" dirty="0" err="1">
-                <a:solidFill>
-                  <a:schemeClr val="accent1"/>
-                </a:solidFill>
-              </a:rPr>
-              <a:t>Driven</a:t>
-            </a:r>
-            <a:r>
-              <a:rPr lang="es-ES" dirty="0">
-                <a:solidFill>
-                  <a:schemeClr val="accent1"/>
-                </a:solidFill>
-              </a:rPr>
-              <a:t> </a:t>
-            </a:r>
-            <a:r>
-              <a:rPr lang="es-ES" dirty="0" err="1">
-                <a:solidFill>
-                  <a:schemeClr val="accent1"/>
-                </a:solidFill>
-              </a:rPr>
-              <a:t>Development</a:t>
-            </a:r>
-            <a:r>
-              <a:rPr lang="es-ES" dirty="0">
-                <a:solidFill>
-                  <a:schemeClr val="accent1"/>
-                </a:solidFill>
-              </a:rPr>
-              <a:t> (BDD)</a:t>
+              <a:t>Behaviour Driven Development (BDD)</a:t>
             </a:r>
             <a:r>
               <a:rPr lang="es-ES" dirty="0"/>
@@ -41816,7 +42005,7 @@
             <a:fld id="{2A81D39E-E002-FB44-933E-5C1B1F979D05}" type="slidenum">
               <a:rPr lang="es-ES_tradnl" smtClean="0"/>
               <a:pPr/>
-              <a:t>15</a:t>
+              <a:t>18</a:t>
             </a:fld>
             <a:endParaRPr lang="es-ES_tradnl"/>
           </a:p>
@@ -41888,7 +42077,7 @@
 </p:sld>
 </file>
 
-<file path=ppt/slides/slide16.xml><?xml version="1.0" encoding="utf-8"?>
+<file path=ppt/slides/slide19.xml><?xml version="1.0" encoding="utf-8"?>
 <p:sld xmlns:a="http://schemas.openxmlformats.org/drawingml/2006/main" xmlns:r="http://schemas.openxmlformats.org/officeDocument/2006/relationships" xmlns:p="http://schemas.openxmlformats.org/presentationml/2006/main">
   <p:cSld>
     <p:spTree>
@@ -41936,20 +42125,12 @@
               <a:t>El lenguaje </a:t>
             </a:r>
             <a:r>
-              <a:rPr lang="es-ES" dirty="0" err="1">
-                <a:solidFill>
-                  <a:schemeClr val="accent1"/>
-                </a:solidFill>
-              </a:rPr>
-              <a:t>Gherkin</a:t>
-            </a:r>
-            <a:r>
               <a:rPr lang="es-ES" dirty="0">
                 <a:solidFill>
                   <a:schemeClr val="accent1"/>
                 </a:solidFill>
               </a:rPr>
-              <a:t> </a:t>
+              <a:t>Gherkin </a:t>
             </a:r>
           </a:p>
         </p:txBody>
@@ -41978,7 +42159,7 @@
             <a:fld id="{2A81D39E-E002-FB44-933E-5C1B1F979D05}" type="slidenum">
               <a:rPr lang="es-ES_tradnl" smtClean="0"/>
               <a:pPr/>
-              <a:t>16</a:t>
+              <a:t>19</a:t>
             </a:fld>
             <a:endParaRPr lang="es-ES_tradnl"/>
           </a:p>
@@ -42003,7 +42184,7 @@
         <p:spPr>
           <a:xfrm>
             <a:off x="996178" y="2420937"/>
-            <a:ext cx="3810953" cy="3887787"/>
+            <a:ext cx="9924070" cy="1008063"/>
           </a:xfrm>
         </p:spPr>
         <p:txBody>
@@ -42014,12 +42195,8 @@
               <a:buNone/>
             </a:pPr>
             <a:r>
-              <a:rPr lang="es-ES" dirty="0" err="1"/>
-              <a:t>Gherkin</a:t>
-            </a:r>
-            <a:r>
               <a:rPr lang="es-ES" dirty="0"/>
-              <a:t> es un lenguaje que nos otorga unas palabras clave para estructurar las especificaciones de negocio, y se parece mucho al lenguaje natural.</a:t>
+              <a:t>Gherkin es un lenguaje que nos otorga unas palabras clave para estructurar las especificaciones de negocio, y se parece mucho al lenguaje natural.</a:t>
             </a:r>
           </a:p>
           <a:p>
@@ -42031,138 +42208,110 @@
               <a:t>Veamos un ejemplo:</a:t>
             </a:r>
           </a:p>
+          <a:p>
+            <a:pPr marL="0" indent="0" algn="l">
+              <a:buNone/>
+            </a:pPr>
+            <a:endParaRPr lang="es-ES" dirty="0"/>
+          </a:p>
+          <a:p>
+            <a:pPr marL="0" indent="0" algn="l">
+              <a:buNone/>
+            </a:pPr>
+            <a:endParaRPr lang="es-ES" dirty="0"/>
+          </a:p>
+          <a:p>
+            <a:pPr marL="0" indent="0" algn="l">
+              <a:buNone/>
+            </a:pPr>
+            <a:endParaRPr lang="es-ES" dirty="0"/>
+          </a:p>
+          <a:p>
+            <a:pPr marL="0" indent="0">
+              <a:buNone/>
+            </a:pPr>
+            <a:endParaRPr lang="es-ES" dirty="0"/>
+          </a:p>
+          <a:p>
+            <a:pPr marL="0" indent="0">
+              <a:buNone/>
+            </a:pPr>
+            <a:endParaRPr lang="es-ES" dirty="0"/>
+          </a:p>
+          <a:p>
+            <a:pPr marL="0" indent="0">
+              <a:buNone/>
+            </a:pPr>
+            <a:endParaRPr lang="es-ES" dirty="0"/>
+          </a:p>
+          <a:p>
+            <a:pPr marL="0" indent="0">
+              <a:buNone/>
+            </a:pPr>
+            <a:r>
+              <a:rPr lang="es-ES" dirty="0"/>
+              <a:t>Los documentos Gherkin se almacenan en archivos de texto .feature y, por lo general, se versionan en el control de código fuente junto con el software.</a:t>
+            </a:r>
+          </a:p>
+          <a:p>
+            <a:pPr marL="0" indent="0" algn="l">
+              <a:buNone/>
+            </a:pPr>
+            <a:endParaRPr lang="es-ES" dirty="0"/>
+          </a:p>
         </p:txBody>
       </p:sp>
       <p:pic>
         <p:nvPicPr>
-          <p:cNvPr id="5" name="Picture 4">
+          <p:cNvPr id="1028" name="Picture 4">
             <a:extLst>
               <a:ext uri="{FF2B5EF4-FFF2-40B4-BE49-F238E27FC236}">
-                <a16:creationId xmlns:a16="http://schemas.microsoft.com/office/drawing/2014/main" id="{3AD91449-5C30-451C-8ED3-56DFE7771A61}"/>
+                <a16:creationId xmlns:a16="http://schemas.microsoft.com/office/drawing/2014/main" id="{BFAADAEA-4A79-4CFE-994B-E85B9225A6F8}"/>
               </a:ext>
             </a:extLst>
           </p:cNvPr>
           <p:cNvPicPr>
-            <a:picLocks noChangeAspect="1"/>
+            <a:picLocks noChangeAspect="1" noChangeArrowheads="1"/>
           </p:cNvPicPr>
           <p:nvPr/>
         </p:nvPicPr>
         <p:blipFill>
-          <a:blip r:embed="rId2"/>
+          <a:blip r:embed="rId2">
+            <a:extLst>
+              <a:ext uri="{28A0092B-C50C-407E-A947-70E740481C1C}">
+                <a14:useLocalDpi xmlns:a14="http://schemas.microsoft.com/office/drawing/2010/main" val="0"/>
+              </a:ext>
+            </a:extLst>
+          </a:blip>
+          <a:srcRect/>
           <a:stretch>
             <a:fillRect/>
           </a:stretch>
         </p:blipFill>
-        <p:spPr>
+        <p:spPr bwMode="auto">
           <a:xfrm>
-            <a:off x="5111304" y="2420937"/>
-            <a:ext cx="6084520" cy="3261406"/>
+            <a:off x="2963916" y="2998076"/>
+            <a:ext cx="7567449" cy="2397344"/>
           </a:xfrm>
           <a:prstGeom prst="rect">
             <a:avLst/>
           </a:prstGeom>
+          <a:noFill/>
+          <a:extLst>
+            <a:ext uri="{909E8E84-426E-40DD-AFC4-6F175D3DCCD1}">
+              <a14:hiddenFill xmlns:a14="http://schemas.microsoft.com/office/drawing/2010/main">
+                <a:solidFill>
+                  <a:srgbClr val="FFFFFF"/>
+                </a:solidFill>
+              </a14:hiddenFill>
+            </a:ext>
+          </a:extLst>
         </p:spPr>
       </p:pic>
     </p:spTree>
     <p:extLst>
       <p:ext uri="{BB962C8B-B14F-4D97-AF65-F5344CB8AC3E}">
         <p14:creationId xmlns:p14="http://schemas.microsoft.com/office/powerpoint/2010/main" val="1939858949"/>
-      </p:ext>
-    </p:extLst>
-  </p:cSld>
-  <p:clrMapOvr>
-    <a:masterClrMapping/>
-  </p:clrMapOvr>
-</p:sld>
-</file>
-
-<file path=ppt/slides/slide17.xml><?xml version="1.0" encoding="utf-8"?>
-<p:sld xmlns:a="http://schemas.openxmlformats.org/drawingml/2006/main" xmlns:r="http://schemas.openxmlformats.org/officeDocument/2006/relationships" xmlns:p="http://schemas.openxmlformats.org/presentationml/2006/main">
-  <p:cSld>
-    <p:spTree>
-      <p:nvGrpSpPr>
-        <p:cNvPr id="1" name=""/>
-        <p:cNvGrpSpPr/>
-        <p:nvPr/>
-      </p:nvGrpSpPr>
-      <p:grpSpPr>
-        <a:xfrm>
-          <a:off x="0" y="0"/>
-          <a:ext cx="0" cy="0"/>
-          <a:chOff x="0" y="0"/>
-          <a:chExt cx="0" cy="0"/>
-        </a:xfrm>
-      </p:grpSpPr>
-      <p:sp>
-        <p:nvSpPr>
-          <p:cNvPr id="2" name="Título 1">
-            <a:extLst>
-              <a:ext uri="{FF2B5EF4-FFF2-40B4-BE49-F238E27FC236}">
-                <a16:creationId xmlns:a16="http://schemas.microsoft.com/office/drawing/2014/main" id="{67980FB9-6B62-5940-8013-1C6E9668BC41}"/>
-              </a:ext>
-            </a:extLst>
-          </p:cNvPr>
-          <p:cNvSpPr>
-            <a:spLocks noGrp="1"/>
-          </p:cNvSpPr>
-          <p:nvPr>
-            <p:ph type="title"/>
-          </p:nvPr>
-        </p:nvSpPr>
-        <p:spPr/>
-        <p:txBody>
-          <a:bodyPr/>
-          <a:lstStyle/>
-          <a:p>
-            <a:r>
-              <a:rPr lang="es-ES" dirty="0"/>
-              <a:t>Demo </a:t>
-            </a:r>
-            <a:r>
-              <a:rPr lang="es-ES" dirty="0">
-                <a:solidFill>
-                  <a:schemeClr val="tx2"/>
-                </a:solidFill>
-              </a:rPr>
-              <a:t>primer proyecto BDD</a:t>
-            </a:r>
-          </a:p>
-        </p:txBody>
-      </p:sp>
-      <p:sp>
-        <p:nvSpPr>
-          <p:cNvPr id="4" name="Marcador de número de diapositiva 3">
-            <a:extLst>
-              <a:ext uri="{FF2B5EF4-FFF2-40B4-BE49-F238E27FC236}">
-                <a16:creationId xmlns:a16="http://schemas.microsoft.com/office/drawing/2014/main" id="{BEF2866A-5B48-CC44-B0D7-818F18B66F92}"/>
-              </a:ext>
-            </a:extLst>
-          </p:cNvPr>
-          <p:cNvSpPr>
-            <a:spLocks noGrp="1"/>
-          </p:cNvSpPr>
-          <p:nvPr>
-            <p:ph type="sldNum" sz="quarter" idx="11"/>
-          </p:nvPr>
-        </p:nvSpPr>
-        <p:spPr/>
-        <p:txBody>
-          <a:bodyPr/>
-          <a:lstStyle/>
-          <a:p>
-            <a:fld id="{2A81D39E-E002-FB44-933E-5C1B1F979D05}" type="slidenum">
-              <a:rPr lang="es-ES_tradnl" smtClean="0"/>
-              <a:pPr/>
-              <a:t>17</a:t>
-            </a:fld>
-            <a:endParaRPr lang="es-ES_tradnl"/>
-          </a:p>
-        </p:txBody>
-      </p:sp>
-    </p:spTree>
-    <p:extLst>
-      <p:ext uri="{BB962C8B-B14F-4D97-AF65-F5344CB8AC3E}">
-        <p14:creationId xmlns:p14="http://schemas.microsoft.com/office/powerpoint/2010/main" val="1708191423"/>
       </p:ext>
     </p:extLst>
   </p:cSld>
@@ -42337,6 +42486,5687 @@
     <p:extLst>
       <p:ext uri="{BB962C8B-B14F-4D97-AF65-F5344CB8AC3E}">
         <p14:creationId xmlns:p14="http://schemas.microsoft.com/office/powerpoint/2010/main" val="2960293755"/>
+      </p:ext>
+    </p:extLst>
+  </p:cSld>
+  <p:clrMapOvr>
+    <a:masterClrMapping/>
+  </p:clrMapOvr>
+</p:sld>
+</file>
+
+<file path=ppt/slides/slide20.xml><?xml version="1.0" encoding="utf-8"?>
+<p:sld xmlns:a="http://schemas.openxmlformats.org/drawingml/2006/main" xmlns:r="http://schemas.openxmlformats.org/officeDocument/2006/relationships" xmlns:p="http://schemas.openxmlformats.org/presentationml/2006/main">
+  <p:cSld>
+    <p:spTree>
+      <p:nvGrpSpPr>
+        <p:cNvPr id="1" name=""/>
+        <p:cNvGrpSpPr/>
+        <p:nvPr/>
+      </p:nvGrpSpPr>
+      <p:grpSpPr>
+        <a:xfrm>
+          <a:off x="0" y="0"/>
+          <a:ext cx="0" cy="0"/>
+          <a:chOff x="0" y="0"/>
+          <a:chExt cx="0" cy="0"/>
+        </a:xfrm>
+      </p:grpSpPr>
+      <p:sp>
+        <p:nvSpPr>
+          <p:cNvPr id="2" name="Título 1">
+            <a:extLst>
+              <a:ext uri="{FF2B5EF4-FFF2-40B4-BE49-F238E27FC236}">
+                <a16:creationId xmlns:a16="http://schemas.microsoft.com/office/drawing/2014/main" id="{BE6B6A74-62E4-7649-8B5D-D7D10D63F524}"/>
+              </a:ext>
+            </a:extLst>
+          </p:cNvPr>
+          <p:cNvSpPr>
+            <a:spLocks noGrp="1"/>
+          </p:cNvSpPr>
+          <p:nvPr>
+            <p:ph type="title"/>
+          </p:nvPr>
+        </p:nvSpPr>
+        <p:spPr/>
+        <p:txBody>
+          <a:bodyPr/>
+          <a:lstStyle/>
+          <a:p>
+            <a:r>
+              <a:rPr lang="es-ES" dirty="0"/>
+              <a:t>Palabras </a:t>
+            </a:r>
+            <a:r>
+              <a:rPr lang="es-ES" dirty="0">
+                <a:solidFill>
+                  <a:schemeClr val="accent1"/>
+                </a:solidFill>
+              </a:rPr>
+              <a:t>clave </a:t>
+            </a:r>
+            <a:r>
+              <a:rPr lang="es-ES" dirty="0"/>
+              <a:t>de Gherkin</a:t>
+            </a:r>
+          </a:p>
+        </p:txBody>
+      </p:sp>
+      <p:sp>
+        <p:nvSpPr>
+          <p:cNvPr id="4" name="Marcador de número de diapositiva 3">
+            <a:extLst>
+              <a:ext uri="{FF2B5EF4-FFF2-40B4-BE49-F238E27FC236}">
+                <a16:creationId xmlns:a16="http://schemas.microsoft.com/office/drawing/2014/main" id="{08810CAF-2CB5-CB44-9DED-DB8957DF6D5A}"/>
+              </a:ext>
+            </a:extLst>
+          </p:cNvPr>
+          <p:cNvSpPr>
+            <a:spLocks noGrp="1"/>
+          </p:cNvSpPr>
+          <p:nvPr>
+            <p:ph type="sldNum" sz="quarter" idx="11"/>
+          </p:nvPr>
+        </p:nvSpPr>
+        <p:spPr/>
+        <p:txBody>
+          <a:bodyPr/>
+          <a:lstStyle/>
+          <a:p>
+            <a:fld id="{2A81D39E-E002-FB44-933E-5C1B1F979D05}" type="slidenum">
+              <a:rPr lang="es-ES_tradnl" smtClean="0"/>
+              <a:pPr/>
+              <a:t>20</a:t>
+            </a:fld>
+            <a:endParaRPr lang="es-ES_tradnl"/>
+          </a:p>
+        </p:txBody>
+      </p:sp>
+      <p:graphicFrame>
+        <p:nvGraphicFramePr>
+          <p:cNvPr id="5" name="Tabla 5">
+            <a:extLst>
+              <a:ext uri="{FF2B5EF4-FFF2-40B4-BE49-F238E27FC236}">
+                <a16:creationId xmlns:a16="http://schemas.microsoft.com/office/drawing/2014/main" id="{11C64E24-BF4B-2443-9E75-88789B494077}"/>
+              </a:ext>
+            </a:extLst>
+          </p:cNvPr>
+          <p:cNvGraphicFramePr>
+            <a:graphicFrameLocks noGrp="1"/>
+          </p:cNvGraphicFramePr>
+          <p:nvPr>
+            <p:extLst>
+              <p:ext uri="{D42A27DB-BD31-4B8C-83A1-F6EECF244321}">
+                <p14:modId xmlns:p14="http://schemas.microsoft.com/office/powerpoint/2010/main" val="670412359"/>
+              </p:ext>
+            </p:extLst>
+          </p:nvPr>
+        </p:nvGraphicFramePr>
+        <p:xfrm>
+          <a:off x="1241069" y="2431416"/>
+          <a:ext cx="9715783" cy="3729396"/>
+        </p:xfrm>
+        <a:graphic>
+          <a:graphicData uri="http://schemas.openxmlformats.org/drawingml/2006/table">
+            <a:tbl>
+              <a:tblPr firstRow="1" bandRow="1">
+                <a:tableStyleId>{69012ECD-51FC-41F1-AA8D-1B2483CD663E}</a:tableStyleId>
+              </a:tblPr>
+              <a:tblGrid>
+                <a:gridCol w="1306188">
+                  <a:extLst>
+                    <a:ext uri="{9D8B030D-6E8A-4147-A177-3AD203B41FA5}">
+                      <a16:colId xmlns:a16="http://schemas.microsoft.com/office/drawing/2014/main" val="633270315"/>
+                    </a:ext>
+                  </a:extLst>
+                </a:gridCol>
+                <a:gridCol w="8409595">
+                  <a:extLst>
+                    <a:ext uri="{9D8B030D-6E8A-4147-A177-3AD203B41FA5}">
+                      <a16:colId xmlns:a16="http://schemas.microsoft.com/office/drawing/2014/main" val="1616429327"/>
+                    </a:ext>
+                  </a:extLst>
+                </a:gridCol>
+              </a:tblGrid>
+              <a:tr h="467598">
+                <a:tc>
+                  <a:txBody>
+                    <a:bodyPr/>
+                    <a:lstStyle/>
+                    <a:p>
+                      <a:pPr algn="ctr"/>
+                      <a:r>
+                        <a:rPr lang="es-ES" sz="1400" dirty="0">
+                          <a:solidFill>
+                            <a:schemeClr val="bg1"/>
+                          </a:solidFill>
+                        </a:rPr>
+                        <a:t>Sintaxis</a:t>
+                      </a:r>
+                    </a:p>
+                  </a:txBody>
+                  <a:tcPr marL="72000" marR="72000" marT="72000" marB="72000" anchor="ctr">
+                    <a:lnL w="12700" cap="flat" cmpd="sng" algn="ctr">
+                      <a:noFill/>
+                      <a:prstDash val="solid"/>
+                      <a:round/>
+                      <a:headEnd type="none" w="med" len="med"/>
+                      <a:tailEnd type="none" w="med" len="med"/>
+                    </a:lnL>
+                    <a:lnR w="3175" cap="flat" cmpd="sng" algn="ctr">
+                      <a:solidFill>
+                        <a:schemeClr val="bg2">
+                          <a:lumMod val="90000"/>
+                        </a:schemeClr>
+                      </a:solidFill>
+                      <a:prstDash val="solid"/>
+                      <a:round/>
+                      <a:headEnd type="none" w="med" len="med"/>
+                      <a:tailEnd type="none" w="med" len="med"/>
+                    </a:lnR>
+                    <a:lnT w="12700" cap="flat" cmpd="sng" algn="ctr">
+                      <a:noFill/>
+                      <a:prstDash val="solid"/>
+                      <a:round/>
+                      <a:headEnd type="none" w="med" len="med"/>
+                      <a:tailEnd type="none" w="med" len="med"/>
+                    </a:lnT>
+                    <a:lnB w="3175" cap="flat" cmpd="sng" algn="ctr">
+                      <a:solidFill>
+                        <a:schemeClr val="bg2">
+                          <a:lumMod val="90000"/>
+                        </a:schemeClr>
+                      </a:solidFill>
+                      <a:prstDash val="solid"/>
+                      <a:round/>
+                      <a:headEnd type="none" w="med" len="med"/>
+                      <a:tailEnd type="none" w="med" len="med"/>
+                    </a:lnB>
+                    <a:lnTlToBr w="12700" cmpd="sng">
+                      <a:noFill/>
+                      <a:prstDash val="solid"/>
+                    </a:lnTlToBr>
+                    <a:lnBlToTr w="12700" cmpd="sng">
+                      <a:noFill/>
+                      <a:prstDash val="solid"/>
+                    </a:lnBlToTr>
+                    <a:solidFill>
+                      <a:schemeClr val="accent1"/>
+                    </a:solidFill>
+                  </a:tcPr>
+                </a:tc>
+                <a:tc>
+                  <a:txBody>
+                    <a:bodyPr/>
+                    <a:lstStyle/>
+                    <a:p>
+                      <a:pPr algn="ctr"/>
+                      <a:r>
+                        <a:rPr lang="es-ES" sz="1400" dirty="0">
+                          <a:solidFill>
+                            <a:schemeClr val="bg1"/>
+                          </a:solidFill>
+                        </a:rPr>
+                        <a:t>Propósito</a:t>
+                      </a:r>
+                    </a:p>
+                  </a:txBody>
+                  <a:tcPr marL="72000" marR="72000" marT="72000" marB="72000" anchor="ctr">
+                    <a:lnL w="3175" cap="flat" cmpd="sng" algn="ctr">
+                      <a:solidFill>
+                        <a:schemeClr val="bg2">
+                          <a:lumMod val="90000"/>
+                        </a:schemeClr>
+                      </a:solidFill>
+                      <a:prstDash val="solid"/>
+                      <a:round/>
+                      <a:headEnd type="none" w="med" len="med"/>
+                      <a:tailEnd type="none" w="med" len="med"/>
+                    </a:lnL>
+                    <a:lnR w="3175" cap="flat" cmpd="sng" algn="ctr">
+                      <a:solidFill>
+                        <a:schemeClr val="bg2">
+                          <a:lumMod val="90000"/>
+                        </a:schemeClr>
+                      </a:solidFill>
+                      <a:prstDash val="solid"/>
+                      <a:round/>
+                      <a:headEnd type="none" w="med" len="med"/>
+                      <a:tailEnd type="none" w="med" len="med"/>
+                    </a:lnR>
+                    <a:lnT w="12700" cap="flat" cmpd="sng" algn="ctr">
+                      <a:noFill/>
+                      <a:prstDash val="solid"/>
+                      <a:round/>
+                      <a:headEnd type="none" w="med" len="med"/>
+                      <a:tailEnd type="none" w="med" len="med"/>
+                    </a:lnT>
+                    <a:lnB w="3175" cap="flat" cmpd="sng" algn="ctr">
+                      <a:solidFill>
+                        <a:schemeClr val="bg2">
+                          <a:lumMod val="90000"/>
+                        </a:schemeClr>
+                      </a:solidFill>
+                      <a:prstDash val="solid"/>
+                      <a:round/>
+                      <a:headEnd type="none" w="med" len="med"/>
+                      <a:tailEnd type="none" w="med" len="med"/>
+                    </a:lnB>
+                    <a:lnTlToBr w="12700" cmpd="sng">
+                      <a:noFill/>
+                      <a:prstDash val="solid"/>
+                    </a:lnTlToBr>
+                    <a:lnBlToTr w="12700" cmpd="sng">
+                      <a:noFill/>
+                      <a:prstDash val="solid"/>
+                    </a:lnBlToTr>
+                    <a:solidFill>
+                      <a:schemeClr val="accent1"/>
+                    </a:solidFill>
+                  </a:tcPr>
+                </a:tc>
+                <a:extLst>
+                  <a:ext uri="{0D108BD9-81ED-4DB2-BD59-A6C34878D82A}">
+                    <a16:rowId xmlns:a16="http://schemas.microsoft.com/office/drawing/2014/main" val="3993027350"/>
+                  </a:ext>
+                </a:extLst>
+              </a:tr>
+              <a:tr h="467598">
+                <a:tc>
+                  <a:txBody>
+                    <a:bodyPr/>
+                    <a:lstStyle/>
+                    <a:p>
+                      <a:r>
+                        <a:rPr lang="es-ES" sz="1400" dirty="0">
+                          <a:solidFill>
+                            <a:schemeClr val="tx1">
+                              <a:lumMod val="75000"/>
+                              <a:lumOff val="25000"/>
+                            </a:schemeClr>
+                          </a:solidFill>
+                        </a:rPr>
+                        <a:t>Feature</a:t>
+                      </a:r>
+                    </a:p>
+                  </a:txBody>
+                  <a:tcPr marL="72000" marR="72000" marT="72000" marB="72000" anchor="ctr">
+                    <a:lnL w="12700" cap="flat" cmpd="sng" algn="ctr">
+                      <a:noFill/>
+                      <a:prstDash val="solid"/>
+                      <a:round/>
+                      <a:headEnd type="none" w="med" len="med"/>
+                      <a:tailEnd type="none" w="med" len="med"/>
+                    </a:lnL>
+                    <a:lnR w="3175" cap="flat" cmpd="sng" algn="ctr">
+                      <a:solidFill>
+                        <a:schemeClr val="bg2">
+                          <a:lumMod val="90000"/>
+                        </a:schemeClr>
+                      </a:solidFill>
+                      <a:prstDash val="solid"/>
+                      <a:round/>
+                      <a:headEnd type="none" w="med" len="med"/>
+                      <a:tailEnd type="none" w="med" len="med"/>
+                    </a:lnR>
+                    <a:lnT w="3175" cap="flat" cmpd="sng" algn="ctr">
+                      <a:solidFill>
+                        <a:schemeClr val="bg2">
+                          <a:lumMod val="90000"/>
+                        </a:schemeClr>
+                      </a:solidFill>
+                      <a:prstDash val="solid"/>
+                      <a:round/>
+                      <a:headEnd type="none" w="med" len="med"/>
+                      <a:tailEnd type="none" w="med" len="med"/>
+                    </a:lnT>
+                    <a:lnB w="3175" cap="flat" cmpd="sng" algn="ctr">
+                      <a:solidFill>
+                        <a:schemeClr val="bg2">
+                          <a:lumMod val="90000"/>
+                        </a:schemeClr>
+                      </a:solidFill>
+                      <a:prstDash val="solid"/>
+                      <a:round/>
+                      <a:headEnd type="none" w="med" len="med"/>
+                      <a:tailEnd type="none" w="med" len="med"/>
+                    </a:lnB>
+                    <a:solidFill>
+                      <a:schemeClr val="bg2"/>
+                    </a:solidFill>
+                  </a:tcPr>
+                </a:tc>
+                <a:tc>
+                  <a:txBody>
+                    <a:bodyPr/>
+                    <a:lstStyle/>
+                    <a:p>
+                      <a:pPr marL="0" algn="l" defTabSz="914400" rtl="0" eaLnBrk="1" fontAlgn="base" latinLnBrk="0" hangingPunct="1"/>
+                      <a:r>
+                        <a:rPr lang="es-ES" sz="1400" kern="1200" dirty="0">
+                          <a:solidFill>
+                            <a:schemeClr val="tx1">
+                              <a:lumMod val="75000"/>
+                              <a:lumOff val="25000"/>
+                            </a:schemeClr>
+                          </a:solidFill>
+                          <a:latin typeface="+mn-lt"/>
+                          <a:ea typeface="+mn-ea"/>
+                          <a:cs typeface="+mn-cs"/>
+                        </a:rPr>
+                        <a:t>El propósito del FEATURE es proporcionar una descripción de alto nivel de una de las funciones de software y agrupar SCENARIOs relacionados.</a:t>
+                      </a:r>
+                    </a:p>
+                  </a:txBody>
+                  <a:tcPr marL="114300" marR="114300" marT="57150" marB="57150">
+                    <a:lnL w="3175" cap="flat" cmpd="sng" algn="ctr">
+                      <a:solidFill>
+                        <a:schemeClr val="bg2">
+                          <a:lumMod val="90000"/>
+                        </a:schemeClr>
+                      </a:solidFill>
+                      <a:prstDash val="solid"/>
+                      <a:round/>
+                      <a:headEnd type="none" w="med" len="med"/>
+                      <a:tailEnd type="none" w="med" len="med"/>
+                    </a:lnL>
+                    <a:lnR w="3175" cap="flat" cmpd="sng" algn="ctr">
+                      <a:solidFill>
+                        <a:schemeClr val="bg2">
+                          <a:lumMod val="90000"/>
+                        </a:schemeClr>
+                      </a:solidFill>
+                      <a:prstDash val="solid"/>
+                      <a:round/>
+                      <a:headEnd type="none" w="med" len="med"/>
+                      <a:tailEnd type="none" w="med" len="med"/>
+                    </a:lnR>
+                    <a:lnT w="3175" cap="flat" cmpd="sng" algn="ctr">
+                      <a:solidFill>
+                        <a:schemeClr val="bg2">
+                          <a:lumMod val="90000"/>
+                        </a:schemeClr>
+                      </a:solidFill>
+                      <a:prstDash val="solid"/>
+                      <a:round/>
+                      <a:headEnd type="none" w="med" len="med"/>
+                      <a:tailEnd type="none" w="med" len="med"/>
+                    </a:lnT>
+                    <a:lnB w="3175" cap="flat" cmpd="sng" algn="ctr">
+                      <a:solidFill>
+                        <a:schemeClr val="bg2">
+                          <a:lumMod val="90000"/>
+                        </a:schemeClr>
+                      </a:solidFill>
+                      <a:prstDash val="solid"/>
+                      <a:round/>
+                      <a:headEnd type="none" w="med" len="med"/>
+                      <a:tailEnd type="none" w="med" len="med"/>
+                    </a:lnB>
+                    <a:solidFill>
+                      <a:schemeClr val="bg2"/>
+                    </a:solidFill>
+                  </a:tcPr>
+                </a:tc>
+                <a:extLst>
+                  <a:ext uri="{0D108BD9-81ED-4DB2-BD59-A6C34878D82A}">
+                    <a16:rowId xmlns:a16="http://schemas.microsoft.com/office/drawing/2014/main" val="1364361143"/>
+                  </a:ext>
+                </a:extLst>
+              </a:tr>
+              <a:tr h="467598">
+                <a:tc>
+                  <a:txBody>
+                    <a:bodyPr/>
+                    <a:lstStyle/>
+                    <a:p>
+                      <a:r>
+                        <a:rPr lang="es-ES" sz="1400" dirty="0">
+                          <a:solidFill>
+                            <a:schemeClr val="tx1">
+                              <a:lumMod val="75000"/>
+                              <a:lumOff val="25000"/>
+                            </a:schemeClr>
+                          </a:solidFill>
+                        </a:rPr>
+                        <a:t>Scenario</a:t>
+                      </a:r>
+                    </a:p>
+                  </a:txBody>
+                  <a:tcPr marL="72000" marR="72000" marT="72000" marB="72000" anchor="ctr">
+                    <a:lnL w="12700" cap="flat" cmpd="sng" algn="ctr">
+                      <a:noFill/>
+                      <a:prstDash val="solid"/>
+                      <a:round/>
+                      <a:headEnd type="none" w="med" len="med"/>
+                      <a:tailEnd type="none" w="med" len="med"/>
+                    </a:lnL>
+                    <a:lnR w="3175" cap="flat" cmpd="sng" algn="ctr">
+                      <a:solidFill>
+                        <a:schemeClr val="bg2">
+                          <a:lumMod val="90000"/>
+                        </a:schemeClr>
+                      </a:solidFill>
+                      <a:prstDash val="solid"/>
+                      <a:round/>
+                      <a:headEnd type="none" w="med" len="med"/>
+                      <a:tailEnd type="none" w="med" len="med"/>
+                    </a:lnR>
+                    <a:lnT w="3175" cap="flat" cmpd="sng" algn="ctr">
+                      <a:solidFill>
+                        <a:schemeClr val="bg2">
+                          <a:lumMod val="90000"/>
+                        </a:schemeClr>
+                      </a:solidFill>
+                      <a:prstDash val="solid"/>
+                      <a:round/>
+                      <a:headEnd type="none" w="med" len="med"/>
+                      <a:tailEnd type="none" w="med" len="med"/>
+                    </a:lnT>
+                    <a:lnB w="3175" cap="flat" cmpd="sng" algn="ctr">
+                      <a:solidFill>
+                        <a:schemeClr val="bg2">
+                          <a:lumMod val="90000"/>
+                        </a:schemeClr>
+                      </a:solidFill>
+                      <a:prstDash val="solid"/>
+                      <a:round/>
+                      <a:headEnd type="none" w="med" len="med"/>
+                      <a:tailEnd type="none" w="med" len="med"/>
+                    </a:lnB>
+                    <a:solidFill>
+                      <a:schemeClr val="bg2"/>
+                    </a:solidFill>
+                  </a:tcPr>
+                </a:tc>
+                <a:tc>
+                  <a:txBody>
+                    <a:bodyPr/>
+                    <a:lstStyle/>
+                    <a:p>
+                      <a:pPr marL="0" algn="l" defTabSz="914400" rtl="0" eaLnBrk="1" fontAlgn="base" latinLnBrk="0" hangingPunct="1"/>
+                      <a:r>
+                        <a:rPr lang="es-ES" sz="1400" kern="1200" dirty="0">
+                          <a:solidFill>
+                            <a:schemeClr val="tx1">
+                              <a:lumMod val="75000"/>
+                              <a:lumOff val="25000"/>
+                            </a:schemeClr>
+                          </a:solidFill>
+                          <a:latin typeface="+mn-lt"/>
+                          <a:ea typeface="+mn-ea"/>
+                          <a:cs typeface="+mn-cs"/>
+                        </a:rPr>
+                        <a:t>Un SCENARIO es un ejemplo concreto que contiene una regla de negocio. Consiste básicamente en una definición en el patrón ‘Given-When-Then’.</a:t>
+                      </a:r>
+                    </a:p>
+                  </a:txBody>
+                  <a:tcPr marL="114300" marR="114300" marT="57150" marB="57150">
+                    <a:lnL w="3175" cap="flat" cmpd="sng" algn="ctr">
+                      <a:solidFill>
+                        <a:schemeClr val="bg2">
+                          <a:lumMod val="90000"/>
+                        </a:schemeClr>
+                      </a:solidFill>
+                      <a:prstDash val="solid"/>
+                      <a:round/>
+                      <a:headEnd type="none" w="med" len="med"/>
+                      <a:tailEnd type="none" w="med" len="med"/>
+                    </a:lnL>
+                    <a:lnR w="3175" cap="flat" cmpd="sng" algn="ctr">
+                      <a:solidFill>
+                        <a:schemeClr val="bg2">
+                          <a:lumMod val="90000"/>
+                        </a:schemeClr>
+                      </a:solidFill>
+                      <a:prstDash val="solid"/>
+                      <a:round/>
+                      <a:headEnd type="none" w="med" len="med"/>
+                      <a:tailEnd type="none" w="med" len="med"/>
+                    </a:lnR>
+                    <a:lnT w="3175" cap="flat" cmpd="sng" algn="ctr">
+                      <a:solidFill>
+                        <a:schemeClr val="bg2">
+                          <a:lumMod val="90000"/>
+                        </a:schemeClr>
+                      </a:solidFill>
+                      <a:prstDash val="solid"/>
+                      <a:round/>
+                      <a:headEnd type="none" w="med" len="med"/>
+                      <a:tailEnd type="none" w="med" len="med"/>
+                    </a:lnT>
+                    <a:lnB w="3175" cap="flat" cmpd="sng" algn="ctr">
+                      <a:solidFill>
+                        <a:schemeClr val="bg2">
+                          <a:lumMod val="90000"/>
+                        </a:schemeClr>
+                      </a:solidFill>
+                      <a:prstDash val="solid"/>
+                      <a:round/>
+                      <a:headEnd type="none" w="med" len="med"/>
+                      <a:tailEnd type="none" w="med" len="med"/>
+                    </a:lnB>
+                    <a:solidFill>
+                      <a:schemeClr val="bg2"/>
+                    </a:solidFill>
+                  </a:tcPr>
+                </a:tc>
+                <a:extLst>
+                  <a:ext uri="{0D108BD9-81ED-4DB2-BD59-A6C34878D82A}">
+                    <a16:rowId xmlns:a16="http://schemas.microsoft.com/office/drawing/2014/main" val="484816576"/>
+                  </a:ext>
+                </a:extLst>
+              </a:tr>
+              <a:tr h="467598">
+                <a:tc>
+                  <a:txBody>
+                    <a:bodyPr/>
+                    <a:lstStyle/>
+                    <a:p>
+                      <a:r>
+                        <a:rPr lang="es-ES" sz="1400" dirty="0">
+                          <a:solidFill>
+                            <a:schemeClr val="tx1">
+                              <a:lumMod val="75000"/>
+                              <a:lumOff val="25000"/>
+                            </a:schemeClr>
+                          </a:solidFill>
+                        </a:rPr>
+                        <a:t>Given</a:t>
+                      </a:r>
+                    </a:p>
+                  </a:txBody>
+                  <a:tcPr marL="72000" marR="72000" marT="72000" marB="72000" anchor="ctr">
+                    <a:lnL w="12700" cap="flat" cmpd="sng" algn="ctr">
+                      <a:noFill/>
+                      <a:prstDash val="solid"/>
+                      <a:round/>
+                      <a:headEnd type="none" w="med" len="med"/>
+                      <a:tailEnd type="none" w="med" len="med"/>
+                    </a:lnL>
+                    <a:lnR w="3175" cap="flat" cmpd="sng" algn="ctr">
+                      <a:solidFill>
+                        <a:schemeClr val="bg2">
+                          <a:lumMod val="90000"/>
+                        </a:schemeClr>
+                      </a:solidFill>
+                      <a:prstDash val="solid"/>
+                      <a:round/>
+                      <a:headEnd type="none" w="med" len="med"/>
+                      <a:tailEnd type="none" w="med" len="med"/>
+                    </a:lnR>
+                    <a:lnT w="3175" cap="flat" cmpd="sng" algn="ctr">
+                      <a:solidFill>
+                        <a:schemeClr val="bg2">
+                          <a:lumMod val="90000"/>
+                        </a:schemeClr>
+                      </a:solidFill>
+                      <a:prstDash val="solid"/>
+                      <a:round/>
+                      <a:headEnd type="none" w="med" len="med"/>
+                      <a:tailEnd type="none" w="med" len="med"/>
+                    </a:lnT>
+                    <a:lnB w="3175" cap="flat" cmpd="sng" algn="ctr">
+                      <a:solidFill>
+                        <a:schemeClr val="bg2">
+                          <a:lumMod val="90000"/>
+                        </a:schemeClr>
+                      </a:solidFill>
+                      <a:prstDash val="solid"/>
+                      <a:round/>
+                      <a:headEnd type="none" w="med" len="med"/>
+                      <a:tailEnd type="none" w="med" len="med"/>
+                    </a:lnB>
+                    <a:solidFill>
+                      <a:schemeClr val="bg2"/>
+                    </a:solidFill>
+                  </a:tcPr>
+                </a:tc>
+                <a:tc>
+                  <a:txBody>
+                    <a:bodyPr/>
+                    <a:lstStyle/>
+                    <a:p>
+                      <a:pPr algn="l"/>
+                      <a:r>
+                        <a:rPr lang="es-ES" sz="1400" dirty="0">
+                          <a:solidFill>
+                            <a:schemeClr val="tx1">
+                              <a:lumMod val="75000"/>
+                              <a:lumOff val="25000"/>
+                            </a:schemeClr>
+                          </a:solidFill>
+                        </a:rPr>
+                        <a:t>El propósito de los Given es poner el sistema en un estado concreto antes de que el usuario (o sistema externo) comience a interactuar con el sistema (en los WHEN).</a:t>
+                      </a:r>
+                    </a:p>
+                  </a:txBody>
+                  <a:tcPr marL="72000" marR="72000" marT="72000" marB="72000" anchor="ctr">
+                    <a:lnL w="3175" cap="flat" cmpd="sng" algn="ctr">
+                      <a:solidFill>
+                        <a:schemeClr val="bg2">
+                          <a:lumMod val="90000"/>
+                        </a:schemeClr>
+                      </a:solidFill>
+                      <a:prstDash val="solid"/>
+                      <a:round/>
+                      <a:headEnd type="none" w="med" len="med"/>
+                      <a:tailEnd type="none" w="med" len="med"/>
+                    </a:lnL>
+                    <a:lnR w="3175" cap="flat" cmpd="sng" algn="ctr">
+                      <a:solidFill>
+                        <a:schemeClr val="bg2">
+                          <a:lumMod val="90000"/>
+                        </a:schemeClr>
+                      </a:solidFill>
+                      <a:prstDash val="solid"/>
+                      <a:round/>
+                      <a:headEnd type="none" w="med" len="med"/>
+                      <a:tailEnd type="none" w="med" len="med"/>
+                    </a:lnR>
+                    <a:lnT w="3175" cap="flat" cmpd="sng" algn="ctr">
+                      <a:solidFill>
+                        <a:schemeClr val="bg2">
+                          <a:lumMod val="90000"/>
+                        </a:schemeClr>
+                      </a:solidFill>
+                      <a:prstDash val="solid"/>
+                      <a:round/>
+                      <a:headEnd type="none" w="med" len="med"/>
+                      <a:tailEnd type="none" w="med" len="med"/>
+                    </a:lnT>
+                    <a:lnB w="3175" cap="flat" cmpd="sng" algn="ctr">
+                      <a:solidFill>
+                        <a:schemeClr val="bg2">
+                          <a:lumMod val="90000"/>
+                        </a:schemeClr>
+                      </a:solidFill>
+                      <a:prstDash val="solid"/>
+                      <a:round/>
+                      <a:headEnd type="none" w="med" len="med"/>
+                      <a:tailEnd type="none" w="med" len="med"/>
+                    </a:lnB>
+                    <a:solidFill>
+                      <a:schemeClr val="bg2"/>
+                    </a:solidFill>
+                  </a:tcPr>
+                </a:tc>
+                <a:extLst>
+                  <a:ext uri="{0D108BD9-81ED-4DB2-BD59-A6C34878D82A}">
+                    <a16:rowId xmlns:a16="http://schemas.microsoft.com/office/drawing/2014/main" val="1324157269"/>
+                  </a:ext>
+                </a:extLst>
+              </a:tr>
+              <a:tr h="467598">
+                <a:tc>
+                  <a:txBody>
+                    <a:bodyPr/>
+                    <a:lstStyle/>
+                    <a:p>
+                      <a:r>
+                        <a:rPr lang="es-ES" sz="1400" dirty="0">
+                          <a:solidFill>
+                            <a:schemeClr val="tx1">
+                              <a:lumMod val="75000"/>
+                              <a:lumOff val="25000"/>
+                            </a:schemeClr>
+                          </a:solidFill>
+                        </a:rPr>
+                        <a:t>When</a:t>
+                      </a:r>
+                    </a:p>
+                  </a:txBody>
+                  <a:tcPr marL="72000" marR="72000" marT="72000" marB="72000" anchor="ctr">
+                    <a:lnL w="12700" cap="flat" cmpd="sng" algn="ctr">
+                      <a:noFill/>
+                      <a:prstDash val="solid"/>
+                      <a:round/>
+                      <a:headEnd type="none" w="med" len="med"/>
+                      <a:tailEnd type="none" w="med" len="med"/>
+                    </a:lnL>
+                    <a:lnR w="3175" cap="flat" cmpd="sng" algn="ctr">
+                      <a:solidFill>
+                        <a:schemeClr val="bg2">
+                          <a:lumMod val="90000"/>
+                        </a:schemeClr>
+                      </a:solidFill>
+                      <a:prstDash val="solid"/>
+                      <a:round/>
+                      <a:headEnd type="none" w="med" len="med"/>
+                      <a:tailEnd type="none" w="med" len="med"/>
+                    </a:lnR>
+                    <a:lnT w="3175" cap="flat" cmpd="sng" algn="ctr">
+                      <a:solidFill>
+                        <a:schemeClr val="bg2">
+                          <a:lumMod val="90000"/>
+                        </a:schemeClr>
+                      </a:solidFill>
+                      <a:prstDash val="solid"/>
+                      <a:round/>
+                      <a:headEnd type="none" w="med" len="med"/>
+                      <a:tailEnd type="none" w="med" len="med"/>
+                    </a:lnT>
+                    <a:lnB w="3175" cap="flat" cmpd="sng" algn="ctr">
+                      <a:solidFill>
+                        <a:schemeClr val="bg2">
+                          <a:lumMod val="90000"/>
+                        </a:schemeClr>
+                      </a:solidFill>
+                      <a:prstDash val="solid"/>
+                      <a:round/>
+                      <a:headEnd type="none" w="med" len="med"/>
+                      <a:tailEnd type="none" w="med" len="med"/>
+                    </a:lnB>
+                    <a:solidFill>
+                      <a:schemeClr val="bg2"/>
+                    </a:solidFill>
+                  </a:tcPr>
+                </a:tc>
+                <a:tc>
+                  <a:txBody>
+                    <a:bodyPr/>
+                    <a:lstStyle/>
+                    <a:p>
+                      <a:pPr algn="l"/>
+                      <a:r>
+                        <a:rPr lang="es-ES" sz="1400" dirty="0">
+                          <a:solidFill>
+                            <a:schemeClr val="tx1">
+                              <a:lumMod val="75000"/>
+                              <a:lumOff val="25000"/>
+                            </a:schemeClr>
+                          </a:solidFill>
+                        </a:rPr>
+                        <a:t>WHEN se utiliza para describir un evento o una acción. Puede ser una persona que interactúa con el sistema o puede ser un evento desencadenado por otro sistema.</a:t>
+                      </a:r>
+                    </a:p>
+                  </a:txBody>
+                  <a:tcPr marL="72000" marR="72000" marT="72000" marB="72000" anchor="ctr">
+                    <a:lnL w="3175" cap="flat" cmpd="sng" algn="ctr">
+                      <a:solidFill>
+                        <a:schemeClr val="bg2">
+                          <a:lumMod val="90000"/>
+                        </a:schemeClr>
+                      </a:solidFill>
+                      <a:prstDash val="solid"/>
+                      <a:round/>
+                      <a:headEnd type="none" w="med" len="med"/>
+                      <a:tailEnd type="none" w="med" len="med"/>
+                    </a:lnL>
+                    <a:lnR w="3175" cap="flat" cmpd="sng" algn="ctr">
+                      <a:solidFill>
+                        <a:schemeClr val="bg2">
+                          <a:lumMod val="90000"/>
+                        </a:schemeClr>
+                      </a:solidFill>
+                      <a:prstDash val="solid"/>
+                      <a:round/>
+                      <a:headEnd type="none" w="med" len="med"/>
+                      <a:tailEnd type="none" w="med" len="med"/>
+                    </a:lnR>
+                    <a:lnT w="3175" cap="flat" cmpd="sng" algn="ctr">
+                      <a:solidFill>
+                        <a:schemeClr val="bg2">
+                          <a:lumMod val="90000"/>
+                        </a:schemeClr>
+                      </a:solidFill>
+                      <a:prstDash val="solid"/>
+                      <a:round/>
+                      <a:headEnd type="none" w="med" len="med"/>
+                      <a:tailEnd type="none" w="med" len="med"/>
+                    </a:lnT>
+                    <a:lnB w="3175" cap="flat" cmpd="sng" algn="ctr">
+                      <a:solidFill>
+                        <a:schemeClr val="bg2">
+                          <a:lumMod val="90000"/>
+                        </a:schemeClr>
+                      </a:solidFill>
+                      <a:prstDash val="solid"/>
+                      <a:round/>
+                      <a:headEnd type="none" w="med" len="med"/>
+                      <a:tailEnd type="none" w="med" len="med"/>
+                    </a:lnB>
+                    <a:solidFill>
+                      <a:schemeClr val="bg2"/>
+                    </a:solidFill>
+                  </a:tcPr>
+                </a:tc>
+                <a:extLst>
+                  <a:ext uri="{0D108BD9-81ED-4DB2-BD59-A6C34878D82A}">
+                    <a16:rowId xmlns:a16="http://schemas.microsoft.com/office/drawing/2014/main" val="276192877"/>
+                  </a:ext>
+                </a:extLst>
+              </a:tr>
+              <a:tr h="467598">
+                <a:tc>
+                  <a:txBody>
+                    <a:bodyPr/>
+                    <a:lstStyle/>
+                    <a:p>
+                      <a:r>
+                        <a:rPr lang="es-ES" sz="1400" dirty="0">
+                          <a:solidFill>
+                            <a:schemeClr val="tx1">
+                              <a:lumMod val="75000"/>
+                              <a:lumOff val="25000"/>
+                            </a:schemeClr>
+                          </a:solidFill>
+                        </a:rPr>
+                        <a:t>Then</a:t>
+                      </a:r>
+                    </a:p>
+                  </a:txBody>
+                  <a:tcPr marL="72000" marR="72000" marT="72000" marB="72000" anchor="ctr">
+                    <a:lnL w="12700" cap="flat" cmpd="sng" algn="ctr">
+                      <a:noFill/>
+                      <a:prstDash val="solid"/>
+                      <a:round/>
+                      <a:headEnd type="none" w="med" len="med"/>
+                      <a:tailEnd type="none" w="med" len="med"/>
+                    </a:lnL>
+                    <a:lnR w="3175" cap="flat" cmpd="sng" algn="ctr">
+                      <a:solidFill>
+                        <a:schemeClr val="bg2">
+                          <a:lumMod val="90000"/>
+                        </a:schemeClr>
+                      </a:solidFill>
+                      <a:prstDash val="solid"/>
+                      <a:round/>
+                      <a:headEnd type="none" w="med" len="med"/>
+                      <a:tailEnd type="none" w="med" len="med"/>
+                    </a:lnR>
+                    <a:lnT w="3175" cap="flat" cmpd="sng" algn="ctr">
+                      <a:solidFill>
+                        <a:schemeClr val="bg2">
+                          <a:lumMod val="90000"/>
+                        </a:schemeClr>
+                      </a:solidFill>
+                      <a:prstDash val="solid"/>
+                      <a:round/>
+                      <a:headEnd type="none" w="med" len="med"/>
+                      <a:tailEnd type="none" w="med" len="med"/>
+                    </a:lnT>
+                    <a:lnB w="3175" cap="flat" cmpd="sng" algn="ctr">
+                      <a:solidFill>
+                        <a:schemeClr val="bg2">
+                          <a:lumMod val="90000"/>
+                        </a:schemeClr>
+                      </a:solidFill>
+                      <a:prstDash val="solid"/>
+                      <a:round/>
+                      <a:headEnd type="none" w="med" len="med"/>
+                      <a:tailEnd type="none" w="med" len="med"/>
+                    </a:lnB>
+                    <a:solidFill>
+                      <a:schemeClr val="bg2"/>
+                    </a:solidFill>
+                  </a:tcPr>
+                </a:tc>
+                <a:tc>
+                  <a:txBody>
+                    <a:bodyPr/>
+                    <a:lstStyle/>
+                    <a:p>
+                      <a:pPr algn="l"/>
+                      <a:r>
+                        <a:rPr lang="es-ES" sz="1400" dirty="0">
+                          <a:solidFill>
+                            <a:schemeClr val="tx1">
+                              <a:lumMod val="75000"/>
+                              <a:lumOff val="25000"/>
+                            </a:schemeClr>
+                          </a:solidFill>
+                        </a:rPr>
+                        <a:t>THEN se utiliza para describir el resultado esperado. La definición de un THEN debe usar una aserción para comparar el resultado real con el resultado esperado.</a:t>
+                      </a:r>
+                    </a:p>
+                  </a:txBody>
+                  <a:tcPr marL="72000" marR="72000" marT="72000" marB="72000" anchor="ctr">
+                    <a:lnL w="3175" cap="flat" cmpd="sng" algn="ctr">
+                      <a:solidFill>
+                        <a:schemeClr val="bg2">
+                          <a:lumMod val="90000"/>
+                        </a:schemeClr>
+                      </a:solidFill>
+                      <a:prstDash val="solid"/>
+                      <a:round/>
+                      <a:headEnd type="none" w="med" len="med"/>
+                      <a:tailEnd type="none" w="med" len="med"/>
+                    </a:lnL>
+                    <a:lnR w="3175" cap="flat" cmpd="sng" algn="ctr">
+                      <a:solidFill>
+                        <a:schemeClr val="bg2">
+                          <a:lumMod val="90000"/>
+                        </a:schemeClr>
+                      </a:solidFill>
+                      <a:prstDash val="solid"/>
+                      <a:round/>
+                      <a:headEnd type="none" w="med" len="med"/>
+                      <a:tailEnd type="none" w="med" len="med"/>
+                    </a:lnR>
+                    <a:lnT w="3175" cap="flat" cmpd="sng" algn="ctr">
+                      <a:solidFill>
+                        <a:schemeClr val="bg2">
+                          <a:lumMod val="90000"/>
+                        </a:schemeClr>
+                      </a:solidFill>
+                      <a:prstDash val="solid"/>
+                      <a:round/>
+                      <a:headEnd type="none" w="med" len="med"/>
+                      <a:tailEnd type="none" w="med" len="med"/>
+                    </a:lnT>
+                    <a:lnB w="3175" cap="flat" cmpd="sng" algn="ctr">
+                      <a:solidFill>
+                        <a:schemeClr val="bg2">
+                          <a:lumMod val="90000"/>
+                        </a:schemeClr>
+                      </a:solidFill>
+                      <a:prstDash val="solid"/>
+                      <a:round/>
+                      <a:headEnd type="none" w="med" len="med"/>
+                      <a:tailEnd type="none" w="med" len="med"/>
+                    </a:lnB>
+                    <a:solidFill>
+                      <a:schemeClr val="bg2"/>
+                    </a:solidFill>
+                  </a:tcPr>
+                </a:tc>
+                <a:extLst>
+                  <a:ext uri="{0D108BD9-81ED-4DB2-BD59-A6C34878D82A}">
+                    <a16:rowId xmlns:a16="http://schemas.microsoft.com/office/drawing/2014/main" val="3909580506"/>
+                  </a:ext>
+                </a:extLst>
+              </a:tr>
+              <a:tr h="467598">
+                <a:tc>
+                  <a:txBody>
+                    <a:bodyPr/>
+                    <a:lstStyle/>
+                    <a:p>
+                      <a:r>
+                        <a:rPr lang="es-ES" sz="1400" dirty="0">
+                          <a:solidFill>
+                            <a:schemeClr val="tx1">
+                              <a:lumMod val="75000"/>
+                              <a:lumOff val="25000"/>
+                            </a:schemeClr>
+                          </a:solidFill>
+                        </a:rPr>
+                        <a:t>And</a:t>
+                      </a:r>
+                    </a:p>
+                  </a:txBody>
+                  <a:tcPr marL="72000" marR="72000" marT="72000" marB="72000" anchor="ctr">
+                    <a:lnL w="12700" cap="flat" cmpd="sng" algn="ctr">
+                      <a:noFill/>
+                      <a:prstDash val="solid"/>
+                      <a:round/>
+                      <a:headEnd type="none" w="med" len="med"/>
+                      <a:tailEnd type="none" w="med" len="med"/>
+                    </a:lnL>
+                    <a:lnR w="3175" cap="flat" cmpd="sng" algn="ctr">
+                      <a:solidFill>
+                        <a:schemeClr val="bg2">
+                          <a:lumMod val="90000"/>
+                        </a:schemeClr>
+                      </a:solidFill>
+                      <a:prstDash val="solid"/>
+                      <a:round/>
+                      <a:headEnd type="none" w="med" len="med"/>
+                      <a:tailEnd type="none" w="med" len="med"/>
+                    </a:lnR>
+                    <a:lnT w="3175" cap="flat" cmpd="sng" algn="ctr">
+                      <a:solidFill>
+                        <a:schemeClr val="bg2">
+                          <a:lumMod val="90000"/>
+                        </a:schemeClr>
+                      </a:solidFill>
+                      <a:prstDash val="solid"/>
+                      <a:round/>
+                      <a:headEnd type="none" w="med" len="med"/>
+                      <a:tailEnd type="none" w="med" len="med"/>
+                    </a:lnT>
+                    <a:lnB w="3175" cap="flat" cmpd="sng" algn="ctr">
+                      <a:solidFill>
+                        <a:schemeClr val="bg2">
+                          <a:lumMod val="90000"/>
+                        </a:schemeClr>
+                      </a:solidFill>
+                      <a:prstDash val="solid"/>
+                      <a:round/>
+                      <a:headEnd type="none" w="med" len="med"/>
+                      <a:tailEnd type="none" w="med" len="med"/>
+                    </a:lnB>
+                    <a:solidFill>
+                      <a:schemeClr val="bg2"/>
+                    </a:solidFill>
+                  </a:tcPr>
+                </a:tc>
+                <a:tc>
+                  <a:txBody>
+                    <a:bodyPr/>
+                    <a:lstStyle/>
+                    <a:p>
+                      <a:pPr algn="l"/>
+                      <a:r>
+                        <a:rPr lang="es-ES" sz="1400" dirty="0">
+                          <a:solidFill>
+                            <a:schemeClr val="tx1">
+                              <a:lumMod val="75000"/>
+                              <a:lumOff val="25000"/>
+                            </a:schemeClr>
+                          </a:solidFill>
+                        </a:rPr>
+                        <a:t>AND se utiliza para añadir alguna condición más en alguno de los patrones Given, When o Then</a:t>
+                      </a:r>
+                    </a:p>
+                  </a:txBody>
+                  <a:tcPr marL="72000" marR="72000" marT="72000" marB="72000" anchor="ctr">
+                    <a:lnL w="3175" cap="flat" cmpd="sng" algn="ctr">
+                      <a:solidFill>
+                        <a:schemeClr val="bg2">
+                          <a:lumMod val="90000"/>
+                        </a:schemeClr>
+                      </a:solidFill>
+                      <a:prstDash val="solid"/>
+                      <a:round/>
+                      <a:headEnd type="none" w="med" len="med"/>
+                      <a:tailEnd type="none" w="med" len="med"/>
+                    </a:lnL>
+                    <a:lnR w="3175" cap="flat" cmpd="sng" algn="ctr">
+                      <a:solidFill>
+                        <a:schemeClr val="bg2">
+                          <a:lumMod val="90000"/>
+                        </a:schemeClr>
+                      </a:solidFill>
+                      <a:prstDash val="solid"/>
+                      <a:round/>
+                      <a:headEnd type="none" w="med" len="med"/>
+                      <a:tailEnd type="none" w="med" len="med"/>
+                    </a:lnR>
+                    <a:lnT w="3175" cap="flat" cmpd="sng" algn="ctr">
+                      <a:solidFill>
+                        <a:schemeClr val="bg2">
+                          <a:lumMod val="90000"/>
+                        </a:schemeClr>
+                      </a:solidFill>
+                      <a:prstDash val="solid"/>
+                      <a:round/>
+                      <a:headEnd type="none" w="med" len="med"/>
+                      <a:tailEnd type="none" w="med" len="med"/>
+                    </a:lnT>
+                    <a:lnB w="3175" cap="flat" cmpd="sng" algn="ctr">
+                      <a:solidFill>
+                        <a:schemeClr val="bg2">
+                          <a:lumMod val="90000"/>
+                        </a:schemeClr>
+                      </a:solidFill>
+                      <a:prstDash val="solid"/>
+                      <a:round/>
+                      <a:headEnd type="none" w="med" len="med"/>
+                      <a:tailEnd type="none" w="med" len="med"/>
+                    </a:lnB>
+                    <a:solidFill>
+                      <a:schemeClr val="bg2"/>
+                    </a:solidFill>
+                  </a:tcPr>
+                </a:tc>
+                <a:extLst>
+                  <a:ext uri="{0D108BD9-81ED-4DB2-BD59-A6C34878D82A}">
+                    <a16:rowId xmlns:a16="http://schemas.microsoft.com/office/drawing/2014/main" val="660630788"/>
+                  </a:ext>
+                </a:extLst>
+              </a:tr>
+            </a:tbl>
+          </a:graphicData>
+        </a:graphic>
+      </p:graphicFrame>
+    </p:spTree>
+    <p:extLst>
+      <p:ext uri="{BB962C8B-B14F-4D97-AF65-F5344CB8AC3E}">
+        <p14:creationId xmlns:p14="http://schemas.microsoft.com/office/powerpoint/2010/main" val="2990453583"/>
+      </p:ext>
+    </p:extLst>
+  </p:cSld>
+  <p:clrMapOvr>
+    <a:masterClrMapping/>
+  </p:clrMapOvr>
+</p:sld>
+</file>
+
+<file path=ppt/slides/slide21.xml><?xml version="1.0" encoding="utf-8"?>
+<p:sld xmlns:a="http://schemas.openxmlformats.org/drawingml/2006/main" xmlns:r="http://schemas.openxmlformats.org/officeDocument/2006/relationships" xmlns:p="http://schemas.openxmlformats.org/presentationml/2006/main">
+  <p:cSld>
+    <p:spTree>
+      <p:nvGrpSpPr>
+        <p:cNvPr id="1" name=""/>
+        <p:cNvGrpSpPr/>
+        <p:nvPr/>
+      </p:nvGrpSpPr>
+      <p:grpSpPr>
+        <a:xfrm>
+          <a:off x="0" y="0"/>
+          <a:ext cx="0" cy="0"/>
+          <a:chOff x="0" y="0"/>
+          <a:chExt cx="0" cy="0"/>
+        </a:xfrm>
+      </p:grpSpPr>
+      <p:sp>
+        <p:nvSpPr>
+          <p:cNvPr id="2" name="Título 1">
+            <a:extLst>
+              <a:ext uri="{FF2B5EF4-FFF2-40B4-BE49-F238E27FC236}">
+                <a16:creationId xmlns:a16="http://schemas.microsoft.com/office/drawing/2014/main" id="{24293A85-72D7-4240-AE53-0805E341346A}"/>
+              </a:ext>
+            </a:extLst>
+          </p:cNvPr>
+          <p:cNvSpPr>
+            <a:spLocks noGrp="1"/>
+          </p:cNvSpPr>
+          <p:nvPr>
+            <p:ph type="title"/>
+          </p:nvPr>
+        </p:nvSpPr>
+        <p:spPr/>
+        <p:txBody>
+          <a:bodyPr/>
+          <a:lstStyle/>
+          <a:p>
+            <a:r>
+              <a:rPr lang="es-ES" dirty="0"/>
+              <a:t>Framework </a:t>
+            </a:r>
+            <a:r>
+              <a:rPr lang="es-ES" dirty="0">
+                <a:solidFill>
+                  <a:schemeClr val="accent1"/>
+                </a:solidFill>
+              </a:rPr>
+              <a:t>Cucumber</a:t>
+            </a:r>
+          </a:p>
+        </p:txBody>
+      </p:sp>
+      <p:sp>
+        <p:nvSpPr>
+          <p:cNvPr id="4" name="Marcador de número de diapositiva 3">
+            <a:extLst>
+              <a:ext uri="{FF2B5EF4-FFF2-40B4-BE49-F238E27FC236}">
+                <a16:creationId xmlns:a16="http://schemas.microsoft.com/office/drawing/2014/main" id="{EFBE6562-78ED-FD42-913D-1A7AC20CD073}"/>
+              </a:ext>
+            </a:extLst>
+          </p:cNvPr>
+          <p:cNvSpPr>
+            <a:spLocks noGrp="1"/>
+          </p:cNvSpPr>
+          <p:nvPr>
+            <p:ph type="sldNum" sz="quarter" idx="11"/>
+          </p:nvPr>
+        </p:nvSpPr>
+        <p:spPr/>
+        <p:txBody>
+          <a:bodyPr/>
+          <a:lstStyle/>
+          <a:p>
+            <a:fld id="{2A81D39E-E002-FB44-933E-5C1B1F979D05}" type="slidenum">
+              <a:rPr lang="es-ES_tradnl" smtClean="0"/>
+              <a:pPr/>
+              <a:t>21</a:t>
+            </a:fld>
+            <a:endParaRPr lang="es-ES_tradnl"/>
+          </a:p>
+        </p:txBody>
+      </p:sp>
+      <p:grpSp>
+        <p:nvGrpSpPr>
+          <p:cNvPr id="11" name="Google Shape;1690;p34">
+            <a:extLst>
+              <a:ext uri="{FF2B5EF4-FFF2-40B4-BE49-F238E27FC236}">
+                <a16:creationId xmlns:a16="http://schemas.microsoft.com/office/drawing/2014/main" id="{73BD79BD-0469-8B4C-8FD3-2D28DF67341C}"/>
+              </a:ext>
+            </a:extLst>
+          </p:cNvPr>
+          <p:cNvGrpSpPr/>
+          <p:nvPr/>
+        </p:nvGrpSpPr>
+        <p:grpSpPr>
+          <a:xfrm>
+            <a:off x="4937368" y="2580321"/>
+            <a:ext cx="400024" cy="400024"/>
+            <a:chOff x="837205" y="3542332"/>
+            <a:chExt cx="400024" cy="400024"/>
+          </a:xfrm>
+        </p:grpSpPr>
+        <p:sp>
+          <p:nvSpPr>
+            <p:cNvPr id="12" name="Google Shape;1691;p34">
+              <a:extLst>
+                <a:ext uri="{FF2B5EF4-FFF2-40B4-BE49-F238E27FC236}">
+                  <a16:creationId xmlns:a16="http://schemas.microsoft.com/office/drawing/2014/main" id="{D8741693-5870-6743-9746-BDC180F14C1C}"/>
+                </a:ext>
+              </a:extLst>
+            </p:cNvPr>
+            <p:cNvSpPr/>
+            <p:nvPr/>
+          </p:nvSpPr>
+          <p:spPr>
+            <a:xfrm>
+              <a:off x="837205" y="3542332"/>
+              <a:ext cx="400024" cy="400024"/>
+            </a:xfrm>
+            <a:custGeom>
+              <a:avLst/>
+              <a:gdLst/>
+              <a:ahLst/>
+              <a:cxnLst/>
+              <a:rect l="l" t="t" r="r" b="b"/>
+              <a:pathLst>
+                <a:path w="128" h="128" extrusionOk="0">
+                  <a:moveTo>
+                    <a:pt x="116" y="0"/>
+                  </a:moveTo>
+                  <a:cubicBezTo>
+                    <a:pt x="28" y="0"/>
+                    <a:pt x="28" y="0"/>
+                    <a:pt x="28" y="0"/>
+                  </a:cubicBezTo>
+                  <a:cubicBezTo>
+                    <a:pt x="21" y="0"/>
+                    <a:pt x="16" y="5"/>
+                    <a:pt x="16" y="12"/>
+                  </a:cubicBezTo>
+                  <a:cubicBezTo>
+                    <a:pt x="16" y="20"/>
+                    <a:pt x="16" y="20"/>
+                    <a:pt x="16" y="20"/>
+                  </a:cubicBezTo>
+                  <a:cubicBezTo>
+                    <a:pt x="12" y="20"/>
+                    <a:pt x="12" y="20"/>
+                    <a:pt x="12" y="20"/>
+                  </a:cubicBezTo>
+                  <a:cubicBezTo>
+                    <a:pt x="5" y="20"/>
+                    <a:pt x="0" y="25"/>
+                    <a:pt x="0" y="32"/>
+                  </a:cubicBezTo>
+                  <a:cubicBezTo>
+                    <a:pt x="0" y="112"/>
+                    <a:pt x="0" y="112"/>
+                    <a:pt x="0" y="112"/>
+                  </a:cubicBezTo>
+                  <a:cubicBezTo>
+                    <a:pt x="0" y="121"/>
+                    <a:pt x="7" y="128"/>
+                    <a:pt x="16" y="128"/>
+                  </a:cubicBezTo>
+                  <a:cubicBezTo>
+                    <a:pt x="112" y="128"/>
+                    <a:pt x="112" y="128"/>
+                    <a:pt x="112" y="128"/>
+                  </a:cubicBezTo>
+                  <a:cubicBezTo>
+                    <a:pt x="121" y="128"/>
+                    <a:pt x="128" y="121"/>
+                    <a:pt x="128" y="112"/>
+                  </a:cubicBezTo>
+                  <a:cubicBezTo>
+                    <a:pt x="128" y="12"/>
+                    <a:pt x="128" y="12"/>
+                    <a:pt x="128" y="12"/>
+                  </a:cubicBezTo>
+                  <a:cubicBezTo>
+                    <a:pt x="128" y="5"/>
+                    <a:pt x="123" y="0"/>
+                    <a:pt x="116" y="0"/>
+                  </a:cubicBezTo>
+                  <a:close/>
+                  <a:moveTo>
+                    <a:pt x="120" y="112"/>
+                  </a:moveTo>
+                  <a:cubicBezTo>
+                    <a:pt x="120" y="116"/>
+                    <a:pt x="116" y="120"/>
+                    <a:pt x="112" y="120"/>
+                  </a:cubicBezTo>
+                  <a:cubicBezTo>
+                    <a:pt x="16" y="120"/>
+                    <a:pt x="16" y="120"/>
+                    <a:pt x="16" y="120"/>
+                  </a:cubicBezTo>
+                  <a:cubicBezTo>
+                    <a:pt x="12" y="120"/>
+                    <a:pt x="8" y="116"/>
+                    <a:pt x="8" y="112"/>
+                  </a:cubicBezTo>
+                  <a:cubicBezTo>
+                    <a:pt x="8" y="32"/>
+                    <a:pt x="8" y="32"/>
+                    <a:pt x="8" y="32"/>
+                  </a:cubicBezTo>
+                  <a:cubicBezTo>
+                    <a:pt x="8" y="30"/>
+                    <a:pt x="10" y="28"/>
+                    <a:pt x="12" y="28"/>
+                  </a:cubicBezTo>
+                  <a:cubicBezTo>
+                    <a:pt x="16" y="28"/>
+                    <a:pt x="16" y="28"/>
+                    <a:pt x="16" y="28"/>
+                  </a:cubicBezTo>
+                  <a:cubicBezTo>
+                    <a:pt x="16" y="108"/>
+                    <a:pt x="16" y="108"/>
+                    <a:pt x="16" y="108"/>
+                  </a:cubicBezTo>
+                  <a:cubicBezTo>
+                    <a:pt x="16" y="110"/>
+                    <a:pt x="18" y="112"/>
+                    <a:pt x="20" y="112"/>
+                  </a:cubicBezTo>
+                  <a:cubicBezTo>
+                    <a:pt x="22" y="112"/>
+                    <a:pt x="24" y="110"/>
+                    <a:pt x="24" y="108"/>
+                  </a:cubicBezTo>
+                  <a:cubicBezTo>
+                    <a:pt x="24" y="12"/>
+                    <a:pt x="24" y="12"/>
+                    <a:pt x="24" y="12"/>
+                  </a:cubicBezTo>
+                  <a:cubicBezTo>
+                    <a:pt x="24" y="10"/>
+                    <a:pt x="26" y="8"/>
+                    <a:pt x="28" y="8"/>
+                  </a:cubicBezTo>
+                  <a:cubicBezTo>
+                    <a:pt x="116" y="8"/>
+                    <a:pt x="116" y="8"/>
+                    <a:pt x="116" y="8"/>
+                  </a:cubicBezTo>
+                  <a:cubicBezTo>
+                    <a:pt x="118" y="8"/>
+                    <a:pt x="120" y="10"/>
+                    <a:pt x="120" y="12"/>
+                  </a:cubicBezTo>
+                  <a:lnTo>
+                    <a:pt x="120" y="112"/>
+                  </a:lnTo>
+                  <a:close/>
+                </a:path>
+              </a:pathLst>
+            </a:custGeom>
+            <a:solidFill>
+              <a:schemeClr val="accent1"/>
+            </a:solidFill>
+            <a:ln>
+              <a:noFill/>
+            </a:ln>
+          </p:spPr>
+          <p:txBody>
+            <a:bodyPr spcFirstLastPara="1" wrap="square" lIns="91425" tIns="45700" rIns="91425" bIns="45700" anchor="t" anchorCtr="0">
+              <a:noAutofit/>
+            </a:bodyPr>
+            <a:lstStyle/>
+            <a:p>
+              <a:pPr marL="0" marR="0" lvl="0" indent="0" algn="l" rtl="0">
+                <a:lnSpc>
+                  <a:spcPct val="100000"/>
+                </a:lnSpc>
+                <a:spcBef>
+                  <a:spcPts val="0"/>
+                </a:spcBef>
+                <a:spcAft>
+                  <a:spcPts val="0"/>
+                </a:spcAft>
+                <a:buClr>
+                  <a:srgbClr val="000000"/>
+                </a:buClr>
+                <a:buSzPts val="1800"/>
+                <a:buFont typeface="Arial"/>
+                <a:buNone/>
+              </a:pPr>
+              <a:endParaRPr lang="es-ES" sz="1800" b="0" i="0" u="none" strike="noStrike" cap="none">
+                <a:solidFill>
+                  <a:schemeClr val="dk1"/>
+                </a:solidFill>
+                <a:latin typeface="Lato"/>
+                <a:ea typeface="Lato"/>
+                <a:cs typeface="Lato"/>
+                <a:sym typeface="Lato"/>
+              </a:endParaRPr>
+            </a:p>
+          </p:txBody>
+        </p:sp>
+        <p:sp>
+          <p:nvSpPr>
+            <p:cNvPr id="13" name="Google Shape;1692;p34">
+              <a:extLst>
+                <a:ext uri="{FF2B5EF4-FFF2-40B4-BE49-F238E27FC236}">
+                  <a16:creationId xmlns:a16="http://schemas.microsoft.com/office/drawing/2014/main" id="{2A2BACB5-25A8-3F4C-B143-CD92CFFCA0BE}"/>
+                </a:ext>
+              </a:extLst>
+            </p:cNvPr>
+            <p:cNvSpPr/>
+            <p:nvPr/>
+          </p:nvSpPr>
+          <p:spPr>
+            <a:xfrm>
+              <a:off x="1074843" y="3692836"/>
+              <a:ext cx="112218" cy="11882"/>
+            </a:xfrm>
+            <a:custGeom>
+              <a:avLst/>
+              <a:gdLst/>
+              <a:ahLst/>
+              <a:cxnLst/>
+              <a:rect l="l" t="t" r="r" b="b"/>
+              <a:pathLst>
+                <a:path w="36" h="4" extrusionOk="0">
+                  <a:moveTo>
+                    <a:pt x="2" y="4"/>
+                  </a:moveTo>
+                  <a:cubicBezTo>
+                    <a:pt x="34" y="4"/>
+                    <a:pt x="34" y="4"/>
+                    <a:pt x="34" y="4"/>
+                  </a:cubicBezTo>
+                  <a:cubicBezTo>
+                    <a:pt x="35" y="4"/>
+                    <a:pt x="36" y="3"/>
+                    <a:pt x="36" y="2"/>
+                  </a:cubicBezTo>
+                  <a:cubicBezTo>
+                    <a:pt x="36" y="1"/>
+                    <a:pt x="35" y="0"/>
+                    <a:pt x="34" y="0"/>
+                  </a:cubicBezTo>
+                  <a:cubicBezTo>
+                    <a:pt x="2" y="0"/>
+                    <a:pt x="2" y="0"/>
+                    <a:pt x="2" y="0"/>
+                  </a:cubicBezTo>
+                  <a:cubicBezTo>
+                    <a:pt x="1" y="0"/>
+                    <a:pt x="0" y="1"/>
+                    <a:pt x="0" y="2"/>
+                  </a:cubicBezTo>
+                  <a:cubicBezTo>
+                    <a:pt x="0" y="3"/>
+                    <a:pt x="1" y="4"/>
+                    <a:pt x="2" y="4"/>
+                  </a:cubicBezTo>
+                  <a:close/>
+                </a:path>
+              </a:pathLst>
+            </a:custGeom>
+            <a:solidFill>
+              <a:schemeClr val="accent1"/>
+            </a:solidFill>
+            <a:ln>
+              <a:noFill/>
+            </a:ln>
+          </p:spPr>
+          <p:txBody>
+            <a:bodyPr spcFirstLastPara="1" wrap="square" lIns="91425" tIns="45700" rIns="91425" bIns="45700" anchor="t" anchorCtr="0">
+              <a:noAutofit/>
+            </a:bodyPr>
+            <a:lstStyle/>
+            <a:p>
+              <a:pPr marL="0" marR="0" lvl="0" indent="0" algn="l" rtl="0">
+                <a:lnSpc>
+                  <a:spcPct val="100000"/>
+                </a:lnSpc>
+                <a:spcBef>
+                  <a:spcPts val="0"/>
+                </a:spcBef>
+                <a:spcAft>
+                  <a:spcPts val="0"/>
+                </a:spcAft>
+                <a:buClr>
+                  <a:srgbClr val="000000"/>
+                </a:buClr>
+                <a:buSzPts val="1800"/>
+                <a:buFont typeface="Arial"/>
+                <a:buNone/>
+              </a:pPr>
+              <a:endParaRPr lang="es-ES" sz="1800" b="0" i="0" u="none" strike="noStrike" cap="none">
+                <a:solidFill>
+                  <a:schemeClr val="dk1"/>
+                </a:solidFill>
+                <a:latin typeface="Lato"/>
+                <a:ea typeface="Lato"/>
+                <a:cs typeface="Lato"/>
+                <a:sym typeface="Lato"/>
+              </a:endParaRPr>
+            </a:p>
+          </p:txBody>
+        </p:sp>
+        <p:sp>
+          <p:nvSpPr>
+            <p:cNvPr id="14" name="Google Shape;1693;p34">
+              <a:extLst>
+                <a:ext uri="{FF2B5EF4-FFF2-40B4-BE49-F238E27FC236}">
+                  <a16:creationId xmlns:a16="http://schemas.microsoft.com/office/drawing/2014/main" id="{ECB14A6E-CDEB-8A4E-BB12-D98867DCB623}"/>
+                </a:ext>
+              </a:extLst>
+            </p:cNvPr>
+            <p:cNvSpPr/>
+            <p:nvPr/>
+          </p:nvSpPr>
+          <p:spPr>
+            <a:xfrm>
+              <a:off x="1074843" y="3655870"/>
+              <a:ext cx="112218" cy="11882"/>
+            </a:xfrm>
+            <a:custGeom>
+              <a:avLst/>
+              <a:gdLst/>
+              <a:ahLst/>
+              <a:cxnLst/>
+              <a:rect l="l" t="t" r="r" b="b"/>
+              <a:pathLst>
+                <a:path w="36" h="4" extrusionOk="0">
+                  <a:moveTo>
+                    <a:pt x="2" y="4"/>
+                  </a:moveTo>
+                  <a:cubicBezTo>
+                    <a:pt x="34" y="4"/>
+                    <a:pt x="34" y="4"/>
+                    <a:pt x="34" y="4"/>
+                  </a:cubicBezTo>
+                  <a:cubicBezTo>
+                    <a:pt x="35" y="4"/>
+                    <a:pt x="36" y="3"/>
+                    <a:pt x="36" y="2"/>
+                  </a:cubicBezTo>
+                  <a:cubicBezTo>
+                    <a:pt x="36" y="1"/>
+                    <a:pt x="35" y="0"/>
+                    <a:pt x="34" y="0"/>
+                  </a:cubicBezTo>
+                  <a:cubicBezTo>
+                    <a:pt x="2" y="0"/>
+                    <a:pt x="2" y="0"/>
+                    <a:pt x="2" y="0"/>
+                  </a:cubicBezTo>
+                  <a:cubicBezTo>
+                    <a:pt x="1" y="0"/>
+                    <a:pt x="0" y="1"/>
+                    <a:pt x="0" y="2"/>
+                  </a:cubicBezTo>
+                  <a:cubicBezTo>
+                    <a:pt x="0" y="3"/>
+                    <a:pt x="1" y="4"/>
+                    <a:pt x="2" y="4"/>
+                  </a:cubicBezTo>
+                  <a:close/>
+                </a:path>
+              </a:pathLst>
+            </a:custGeom>
+            <a:solidFill>
+              <a:schemeClr val="accent1"/>
+            </a:solidFill>
+            <a:ln>
+              <a:noFill/>
+            </a:ln>
+          </p:spPr>
+          <p:txBody>
+            <a:bodyPr spcFirstLastPara="1" wrap="square" lIns="91425" tIns="45700" rIns="91425" bIns="45700" anchor="t" anchorCtr="0">
+              <a:noAutofit/>
+            </a:bodyPr>
+            <a:lstStyle/>
+            <a:p>
+              <a:pPr marL="0" marR="0" lvl="0" indent="0" algn="l" rtl="0">
+                <a:lnSpc>
+                  <a:spcPct val="100000"/>
+                </a:lnSpc>
+                <a:spcBef>
+                  <a:spcPts val="0"/>
+                </a:spcBef>
+                <a:spcAft>
+                  <a:spcPts val="0"/>
+                </a:spcAft>
+                <a:buClr>
+                  <a:srgbClr val="000000"/>
+                </a:buClr>
+                <a:buSzPts val="1800"/>
+                <a:buFont typeface="Arial"/>
+                <a:buNone/>
+              </a:pPr>
+              <a:endParaRPr lang="es-ES" sz="1800" b="0" i="0" u="none" strike="noStrike" cap="none">
+                <a:solidFill>
+                  <a:schemeClr val="dk1"/>
+                </a:solidFill>
+                <a:latin typeface="Lato"/>
+                <a:ea typeface="Lato"/>
+                <a:cs typeface="Lato"/>
+                <a:sym typeface="Lato"/>
+              </a:endParaRPr>
+            </a:p>
+          </p:txBody>
+        </p:sp>
+        <p:sp>
+          <p:nvSpPr>
+            <p:cNvPr id="15" name="Google Shape;1694;p34">
+              <a:extLst>
+                <a:ext uri="{FF2B5EF4-FFF2-40B4-BE49-F238E27FC236}">
+                  <a16:creationId xmlns:a16="http://schemas.microsoft.com/office/drawing/2014/main" id="{B668A680-446F-D844-90EC-4497ED4C2ED2}"/>
+                </a:ext>
+              </a:extLst>
+            </p:cNvPr>
+            <p:cNvSpPr/>
+            <p:nvPr/>
+          </p:nvSpPr>
+          <p:spPr>
+            <a:xfrm>
+              <a:off x="1074843" y="3617583"/>
+              <a:ext cx="112218" cy="13202"/>
+            </a:xfrm>
+            <a:custGeom>
+              <a:avLst/>
+              <a:gdLst/>
+              <a:ahLst/>
+              <a:cxnLst/>
+              <a:rect l="l" t="t" r="r" b="b"/>
+              <a:pathLst>
+                <a:path w="36" h="4" extrusionOk="0">
+                  <a:moveTo>
+                    <a:pt x="2" y="4"/>
+                  </a:moveTo>
+                  <a:cubicBezTo>
+                    <a:pt x="34" y="4"/>
+                    <a:pt x="34" y="4"/>
+                    <a:pt x="34" y="4"/>
+                  </a:cubicBezTo>
+                  <a:cubicBezTo>
+                    <a:pt x="35" y="4"/>
+                    <a:pt x="36" y="3"/>
+                    <a:pt x="36" y="2"/>
+                  </a:cubicBezTo>
+                  <a:cubicBezTo>
+                    <a:pt x="36" y="1"/>
+                    <a:pt x="35" y="0"/>
+                    <a:pt x="34" y="0"/>
+                  </a:cubicBezTo>
+                  <a:cubicBezTo>
+                    <a:pt x="2" y="0"/>
+                    <a:pt x="2" y="0"/>
+                    <a:pt x="2" y="0"/>
+                  </a:cubicBezTo>
+                  <a:cubicBezTo>
+                    <a:pt x="1" y="0"/>
+                    <a:pt x="0" y="1"/>
+                    <a:pt x="0" y="2"/>
+                  </a:cubicBezTo>
+                  <a:cubicBezTo>
+                    <a:pt x="0" y="3"/>
+                    <a:pt x="1" y="4"/>
+                    <a:pt x="2" y="4"/>
+                  </a:cubicBezTo>
+                  <a:close/>
+                </a:path>
+              </a:pathLst>
+            </a:custGeom>
+            <a:solidFill>
+              <a:schemeClr val="accent1"/>
+            </a:solidFill>
+            <a:ln>
+              <a:noFill/>
+            </a:ln>
+          </p:spPr>
+          <p:txBody>
+            <a:bodyPr spcFirstLastPara="1" wrap="square" lIns="91425" tIns="45700" rIns="91425" bIns="45700" anchor="t" anchorCtr="0">
+              <a:noAutofit/>
+            </a:bodyPr>
+            <a:lstStyle/>
+            <a:p>
+              <a:pPr marL="0" marR="0" lvl="0" indent="0" algn="l" rtl="0">
+                <a:lnSpc>
+                  <a:spcPct val="100000"/>
+                </a:lnSpc>
+                <a:spcBef>
+                  <a:spcPts val="0"/>
+                </a:spcBef>
+                <a:spcAft>
+                  <a:spcPts val="0"/>
+                </a:spcAft>
+                <a:buClr>
+                  <a:srgbClr val="000000"/>
+                </a:buClr>
+                <a:buSzPts val="1800"/>
+                <a:buFont typeface="Arial"/>
+                <a:buNone/>
+              </a:pPr>
+              <a:endParaRPr lang="es-ES" sz="1800" b="0" i="0" u="none" strike="noStrike" cap="none">
+                <a:solidFill>
+                  <a:schemeClr val="dk1"/>
+                </a:solidFill>
+                <a:latin typeface="Lato"/>
+                <a:ea typeface="Lato"/>
+                <a:cs typeface="Lato"/>
+                <a:sym typeface="Lato"/>
+              </a:endParaRPr>
+            </a:p>
+          </p:txBody>
+        </p:sp>
+        <p:sp>
+          <p:nvSpPr>
+            <p:cNvPr id="16" name="Google Shape;1695;p34">
+              <a:extLst>
+                <a:ext uri="{FF2B5EF4-FFF2-40B4-BE49-F238E27FC236}">
+                  <a16:creationId xmlns:a16="http://schemas.microsoft.com/office/drawing/2014/main" id="{1C145834-2713-0E42-90DD-F650E8FFC995}"/>
+                </a:ext>
+              </a:extLst>
+            </p:cNvPr>
+            <p:cNvSpPr/>
+            <p:nvPr/>
+          </p:nvSpPr>
+          <p:spPr>
+            <a:xfrm>
+              <a:off x="937541" y="3880306"/>
+              <a:ext cx="112218" cy="11882"/>
+            </a:xfrm>
+            <a:custGeom>
+              <a:avLst/>
+              <a:gdLst/>
+              <a:ahLst/>
+              <a:cxnLst/>
+              <a:rect l="l" t="t" r="r" b="b"/>
+              <a:pathLst>
+                <a:path w="36" h="4" extrusionOk="0">
+                  <a:moveTo>
+                    <a:pt x="34" y="0"/>
+                  </a:moveTo>
+                  <a:cubicBezTo>
+                    <a:pt x="2" y="0"/>
+                    <a:pt x="2" y="0"/>
+                    <a:pt x="2" y="0"/>
+                  </a:cubicBezTo>
+                  <a:cubicBezTo>
+                    <a:pt x="1" y="0"/>
+                    <a:pt x="0" y="1"/>
+                    <a:pt x="0" y="2"/>
+                  </a:cubicBezTo>
+                  <a:cubicBezTo>
+                    <a:pt x="0" y="3"/>
+                    <a:pt x="1" y="4"/>
+                    <a:pt x="2" y="4"/>
+                  </a:cubicBezTo>
+                  <a:cubicBezTo>
+                    <a:pt x="34" y="4"/>
+                    <a:pt x="34" y="4"/>
+                    <a:pt x="34" y="4"/>
+                  </a:cubicBezTo>
+                  <a:cubicBezTo>
+                    <a:pt x="35" y="4"/>
+                    <a:pt x="36" y="3"/>
+                    <a:pt x="36" y="2"/>
+                  </a:cubicBezTo>
+                  <a:cubicBezTo>
+                    <a:pt x="36" y="1"/>
+                    <a:pt x="35" y="0"/>
+                    <a:pt x="34" y="0"/>
+                  </a:cubicBezTo>
+                  <a:close/>
+                </a:path>
+              </a:pathLst>
+            </a:custGeom>
+            <a:solidFill>
+              <a:schemeClr val="accent1"/>
+            </a:solidFill>
+            <a:ln>
+              <a:noFill/>
+            </a:ln>
+          </p:spPr>
+          <p:txBody>
+            <a:bodyPr spcFirstLastPara="1" wrap="square" lIns="91425" tIns="45700" rIns="91425" bIns="45700" anchor="t" anchorCtr="0">
+              <a:noAutofit/>
+            </a:bodyPr>
+            <a:lstStyle/>
+            <a:p>
+              <a:pPr marL="0" marR="0" lvl="0" indent="0" algn="l" rtl="0">
+                <a:lnSpc>
+                  <a:spcPct val="100000"/>
+                </a:lnSpc>
+                <a:spcBef>
+                  <a:spcPts val="0"/>
+                </a:spcBef>
+                <a:spcAft>
+                  <a:spcPts val="0"/>
+                </a:spcAft>
+                <a:buClr>
+                  <a:srgbClr val="000000"/>
+                </a:buClr>
+                <a:buSzPts val="1800"/>
+                <a:buFont typeface="Arial"/>
+                <a:buNone/>
+              </a:pPr>
+              <a:endParaRPr lang="es-ES" sz="1800" b="0" i="0" u="none" strike="noStrike" cap="none">
+                <a:solidFill>
+                  <a:schemeClr val="dk1"/>
+                </a:solidFill>
+                <a:latin typeface="Lato"/>
+                <a:ea typeface="Lato"/>
+                <a:cs typeface="Lato"/>
+                <a:sym typeface="Lato"/>
+              </a:endParaRPr>
+            </a:p>
+          </p:txBody>
+        </p:sp>
+        <p:sp>
+          <p:nvSpPr>
+            <p:cNvPr id="17" name="Google Shape;1696;p34">
+              <a:extLst>
+                <a:ext uri="{FF2B5EF4-FFF2-40B4-BE49-F238E27FC236}">
+                  <a16:creationId xmlns:a16="http://schemas.microsoft.com/office/drawing/2014/main" id="{9661C0BB-D5C5-8F40-9463-E38EDDDC0A5D}"/>
+                </a:ext>
+              </a:extLst>
+            </p:cNvPr>
+            <p:cNvSpPr/>
+            <p:nvPr/>
+          </p:nvSpPr>
+          <p:spPr>
+            <a:xfrm>
+              <a:off x="937541" y="3843340"/>
+              <a:ext cx="112218" cy="11882"/>
+            </a:xfrm>
+            <a:custGeom>
+              <a:avLst/>
+              <a:gdLst/>
+              <a:ahLst/>
+              <a:cxnLst/>
+              <a:rect l="l" t="t" r="r" b="b"/>
+              <a:pathLst>
+                <a:path w="36" h="4" extrusionOk="0">
+                  <a:moveTo>
+                    <a:pt x="34" y="0"/>
+                  </a:moveTo>
+                  <a:cubicBezTo>
+                    <a:pt x="2" y="0"/>
+                    <a:pt x="2" y="0"/>
+                    <a:pt x="2" y="0"/>
+                  </a:cubicBezTo>
+                  <a:cubicBezTo>
+                    <a:pt x="1" y="0"/>
+                    <a:pt x="0" y="1"/>
+                    <a:pt x="0" y="2"/>
+                  </a:cubicBezTo>
+                  <a:cubicBezTo>
+                    <a:pt x="0" y="3"/>
+                    <a:pt x="1" y="4"/>
+                    <a:pt x="2" y="4"/>
+                  </a:cubicBezTo>
+                  <a:cubicBezTo>
+                    <a:pt x="34" y="4"/>
+                    <a:pt x="34" y="4"/>
+                    <a:pt x="34" y="4"/>
+                  </a:cubicBezTo>
+                  <a:cubicBezTo>
+                    <a:pt x="35" y="4"/>
+                    <a:pt x="36" y="3"/>
+                    <a:pt x="36" y="2"/>
+                  </a:cubicBezTo>
+                  <a:cubicBezTo>
+                    <a:pt x="36" y="1"/>
+                    <a:pt x="35" y="0"/>
+                    <a:pt x="34" y="0"/>
+                  </a:cubicBezTo>
+                  <a:close/>
+                </a:path>
+              </a:pathLst>
+            </a:custGeom>
+            <a:solidFill>
+              <a:schemeClr val="accent1"/>
+            </a:solidFill>
+            <a:ln>
+              <a:noFill/>
+            </a:ln>
+          </p:spPr>
+          <p:txBody>
+            <a:bodyPr spcFirstLastPara="1" wrap="square" lIns="91425" tIns="45700" rIns="91425" bIns="45700" anchor="t" anchorCtr="0">
+              <a:noAutofit/>
+            </a:bodyPr>
+            <a:lstStyle/>
+            <a:p>
+              <a:pPr marL="0" marR="0" lvl="0" indent="0" algn="l" rtl="0">
+                <a:lnSpc>
+                  <a:spcPct val="100000"/>
+                </a:lnSpc>
+                <a:spcBef>
+                  <a:spcPts val="0"/>
+                </a:spcBef>
+                <a:spcAft>
+                  <a:spcPts val="0"/>
+                </a:spcAft>
+                <a:buClr>
+                  <a:srgbClr val="000000"/>
+                </a:buClr>
+                <a:buSzPts val="1800"/>
+                <a:buFont typeface="Arial"/>
+                <a:buNone/>
+              </a:pPr>
+              <a:endParaRPr lang="es-ES" sz="1800" b="0" i="0" u="none" strike="noStrike" cap="none">
+                <a:solidFill>
+                  <a:schemeClr val="dk1"/>
+                </a:solidFill>
+                <a:latin typeface="Lato"/>
+                <a:ea typeface="Lato"/>
+                <a:cs typeface="Lato"/>
+                <a:sym typeface="Lato"/>
+              </a:endParaRPr>
+            </a:p>
+          </p:txBody>
+        </p:sp>
+        <p:sp>
+          <p:nvSpPr>
+            <p:cNvPr id="18" name="Google Shape;1697;p34">
+              <a:extLst>
+                <a:ext uri="{FF2B5EF4-FFF2-40B4-BE49-F238E27FC236}">
+                  <a16:creationId xmlns:a16="http://schemas.microsoft.com/office/drawing/2014/main" id="{3165676C-F468-1646-B24F-E790504E5576}"/>
+                </a:ext>
+              </a:extLst>
+            </p:cNvPr>
+            <p:cNvSpPr/>
+            <p:nvPr/>
+          </p:nvSpPr>
+          <p:spPr>
+            <a:xfrm>
+              <a:off x="937541" y="3805053"/>
+              <a:ext cx="112218" cy="13202"/>
+            </a:xfrm>
+            <a:custGeom>
+              <a:avLst/>
+              <a:gdLst/>
+              <a:ahLst/>
+              <a:cxnLst/>
+              <a:rect l="l" t="t" r="r" b="b"/>
+              <a:pathLst>
+                <a:path w="36" h="4" extrusionOk="0">
+                  <a:moveTo>
+                    <a:pt x="34" y="0"/>
+                  </a:moveTo>
+                  <a:cubicBezTo>
+                    <a:pt x="2" y="0"/>
+                    <a:pt x="2" y="0"/>
+                    <a:pt x="2" y="0"/>
+                  </a:cubicBezTo>
+                  <a:cubicBezTo>
+                    <a:pt x="1" y="0"/>
+                    <a:pt x="0" y="1"/>
+                    <a:pt x="0" y="2"/>
+                  </a:cubicBezTo>
+                  <a:cubicBezTo>
+                    <a:pt x="0" y="3"/>
+                    <a:pt x="1" y="4"/>
+                    <a:pt x="2" y="4"/>
+                  </a:cubicBezTo>
+                  <a:cubicBezTo>
+                    <a:pt x="34" y="4"/>
+                    <a:pt x="34" y="4"/>
+                    <a:pt x="34" y="4"/>
+                  </a:cubicBezTo>
+                  <a:cubicBezTo>
+                    <a:pt x="35" y="4"/>
+                    <a:pt x="36" y="3"/>
+                    <a:pt x="36" y="2"/>
+                  </a:cubicBezTo>
+                  <a:cubicBezTo>
+                    <a:pt x="36" y="1"/>
+                    <a:pt x="35" y="0"/>
+                    <a:pt x="34" y="0"/>
+                  </a:cubicBezTo>
+                  <a:close/>
+                </a:path>
+              </a:pathLst>
+            </a:custGeom>
+            <a:solidFill>
+              <a:schemeClr val="accent1"/>
+            </a:solidFill>
+            <a:ln>
+              <a:noFill/>
+            </a:ln>
+          </p:spPr>
+          <p:txBody>
+            <a:bodyPr spcFirstLastPara="1" wrap="square" lIns="91425" tIns="45700" rIns="91425" bIns="45700" anchor="t" anchorCtr="0">
+              <a:noAutofit/>
+            </a:bodyPr>
+            <a:lstStyle/>
+            <a:p>
+              <a:pPr marL="0" marR="0" lvl="0" indent="0" algn="l" rtl="0">
+                <a:lnSpc>
+                  <a:spcPct val="100000"/>
+                </a:lnSpc>
+                <a:spcBef>
+                  <a:spcPts val="0"/>
+                </a:spcBef>
+                <a:spcAft>
+                  <a:spcPts val="0"/>
+                </a:spcAft>
+                <a:buClr>
+                  <a:srgbClr val="000000"/>
+                </a:buClr>
+                <a:buSzPts val="1800"/>
+                <a:buFont typeface="Arial"/>
+                <a:buNone/>
+              </a:pPr>
+              <a:endParaRPr lang="es-ES" sz="1800" b="0" i="0" u="none" strike="noStrike" cap="none">
+                <a:solidFill>
+                  <a:schemeClr val="dk1"/>
+                </a:solidFill>
+                <a:latin typeface="Lato"/>
+                <a:ea typeface="Lato"/>
+                <a:cs typeface="Lato"/>
+                <a:sym typeface="Lato"/>
+              </a:endParaRPr>
+            </a:p>
+          </p:txBody>
+        </p:sp>
+        <p:sp>
+          <p:nvSpPr>
+            <p:cNvPr id="19" name="Google Shape;1698;p34">
+              <a:extLst>
+                <a:ext uri="{FF2B5EF4-FFF2-40B4-BE49-F238E27FC236}">
+                  <a16:creationId xmlns:a16="http://schemas.microsoft.com/office/drawing/2014/main" id="{F8F7D59F-7FC3-7747-87D6-23E9A99C54B9}"/>
+                </a:ext>
+              </a:extLst>
+            </p:cNvPr>
+            <p:cNvSpPr/>
+            <p:nvPr/>
+          </p:nvSpPr>
+          <p:spPr>
+            <a:xfrm>
+              <a:off x="1074843" y="3880306"/>
+              <a:ext cx="112218" cy="11882"/>
+            </a:xfrm>
+            <a:custGeom>
+              <a:avLst/>
+              <a:gdLst/>
+              <a:ahLst/>
+              <a:cxnLst/>
+              <a:rect l="l" t="t" r="r" b="b"/>
+              <a:pathLst>
+                <a:path w="36" h="4" extrusionOk="0">
+                  <a:moveTo>
+                    <a:pt x="34" y="0"/>
+                  </a:moveTo>
+                  <a:cubicBezTo>
+                    <a:pt x="2" y="0"/>
+                    <a:pt x="2" y="0"/>
+                    <a:pt x="2" y="0"/>
+                  </a:cubicBezTo>
+                  <a:cubicBezTo>
+                    <a:pt x="1" y="0"/>
+                    <a:pt x="0" y="1"/>
+                    <a:pt x="0" y="2"/>
+                  </a:cubicBezTo>
+                  <a:cubicBezTo>
+                    <a:pt x="0" y="3"/>
+                    <a:pt x="1" y="4"/>
+                    <a:pt x="2" y="4"/>
+                  </a:cubicBezTo>
+                  <a:cubicBezTo>
+                    <a:pt x="34" y="4"/>
+                    <a:pt x="34" y="4"/>
+                    <a:pt x="34" y="4"/>
+                  </a:cubicBezTo>
+                  <a:cubicBezTo>
+                    <a:pt x="35" y="4"/>
+                    <a:pt x="36" y="3"/>
+                    <a:pt x="36" y="2"/>
+                  </a:cubicBezTo>
+                  <a:cubicBezTo>
+                    <a:pt x="36" y="1"/>
+                    <a:pt x="35" y="0"/>
+                    <a:pt x="34" y="0"/>
+                  </a:cubicBezTo>
+                  <a:close/>
+                </a:path>
+              </a:pathLst>
+            </a:custGeom>
+            <a:solidFill>
+              <a:schemeClr val="accent1"/>
+            </a:solidFill>
+            <a:ln>
+              <a:noFill/>
+            </a:ln>
+          </p:spPr>
+          <p:txBody>
+            <a:bodyPr spcFirstLastPara="1" wrap="square" lIns="91425" tIns="45700" rIns="91425" bIns="45700" anchor="t" anchorCtr="0">
+              <a:noAutofit/>
+            </a:bodyPr>
+            <a:lstStyle/>
+            <a:p>
+              <a:pPr marL="0" marR="0" lvl="0" indent="0" algn="l" rtl="0">
+                <a:lnSpc>
+                  <a:spcPct val="100000"/>
+                </a:lnSpc>
+                <a:spcBef>
+                  <a:spcPts val="0"/>
+                </a:spcBef>
+                <a:spcAft>
+                  <a:spcPts val="0"/>
+                </a:spcAft>
+                <a:buClr>
+                  <a:srgbClr val="000000"/>
+                </a:buClr>
+                <a:buSzPts val="1800"/>
+                <a:buFont typeface="Arial"/>
+                <a:buNone/>
+              </a:pPr>
+              <a:endParaRPr lang="es-ES" sz="1800" b="0" i="0" u="none" strike="noStrike" cap="none">
+                <a:solidFill>
+                  <a:schemeClr val="dk1"/>
+                </a:solidFill>
+                <a:latin typeface="Lato"/>
+                <a:ea typeface="Lato"/>
+                <a:cs typeface="Lato"/>
+                <a:sym typeface="Lato"/>
+              </a:endParaRPr>
+            </a:p>
+          </p:txBody>
+        </p:sp>
+        <p:sp>
+          <p:nvSpPr>
+            <p:cNvPr id="20" name="Google Shape;1699;p34">
+              <a:extLst>
+                <a:ext uri="{FF2B5EF4-FFF2-40B4-BE49-F238E27FC236}">
+                  <a16:creationId xmlns:a16="http://schemas.microsoft.com/office/drawing/2014/main" id="{E9AEED2D-F701-E742-A656-529E4D8BE9C8}"/>
+                </a:ext>
+              </a:extLst>
+            </p:cNvPr>
+            <p:cNvSpPr/>
+            <p:nvPr/>
+          </p:nvSpPr>
+          <p:spPr>
+            <a:xfrm>
+              <a:off x="1074843" y="3843340"/>
+              <a:ext cx="112218" cy="11882"/>
+            </a:xfrm>
+            <a:custGeom>
+              <a:avLst/>
+              <a:gdLst/>
+              <a:ahLst/>
+              <a:cxnLst/>
+              <a:rect l="l" t="t" r="r" b="b"/>
+              <a:pathLst>
+                <a:path w="36" h="4" extrusionOk="0">
+                  <a:moveTo>
+                    <a:pt x="34" y="0"/>
+                  </a:moveTo>
+                  <a:cubicBezTo>
+                    <a:pt x="2" y="0"/>
+                    <a:pt x="2" y="0"/>
+                    <a:pt x="2" y="0"/>
+                  </a:cubicBezTo>
+                  <a:cubicBezTo>
+                    <a:pt x="1" y="0"/>
+                    <a:pt x="0" y="1"/>
+                    <a:pt x="0" y="2"/>
+                  </a:cubicBezTo>
+                  <a:cubicBezTo>
+                    <a:pt x="0" y="3"/>
+                    <a:pt x="1" y="4"/>
+                    <a:pt x="2" y="4"/>
+                  </a:cubicBezTo>
+                  <a:cubicBezTo>
+                    <a:pt x="34" y="4"/>
+                    <a:pt x="34" y="4"/>
+                    <a:pt x="34" y="4"/>
+                  </a:cubicBezTo>
+                  <a:cubicBezTo>
+                    <a:pt x="35" y="4"/>
+                    <a:pt x="36" y="3"/>
+                    <a:pt x="36" y="2"/>
+                  </a:cubicBezTo>
+                  <a:cubicBezTo>
+                    <a:pt x="36" y="1"/>
+                    <a:pt x="35" y="0"/>
+                    <a:pt x="34" y="0"/>
+                  </a:cubicBezTo>
+                  <a:close/>
+                </a:path>
+              </a:pathLst>
+            </a:custGeom>
+            <a:solidFill>
+              <a:schemeClr val="accent1"/>
+            </a:solidFill>
+            <a:ln>
+              <a:noFill/>
+            </a:ln>
+          </p:spPr>
+          <p:txBody>
+            <a:bodyPr spcFirstLastPara="1" wrap="square" lIns="91425" tIns="45700" rIns="91425" bIns="45700" anchor="t" anchorCtr="0">
+              <a:noAutofit/>
+            </a:bodyPr>
+            <a:lstStyle/>
+            <a:p>
+              <a:pPr marL="0" marR="0" lvl="0" indent="0" algn="l" rtl="0">
+                <a:lnSpc>
+                  <a:spcPct val="100000"/>
+                </a:lnSpc>
+                <a:spcBef>
+                  <a:spcPts val="0"/>
+                </a:spcBef>
+                <a:spcAft>
+                  <a:spcPts val="0"/>
+                </a:spcAft>
+                <a:buClr>
+                  <a:srgbClr val="000000"/>
+                </a:buClr>
+                <a:buSzPts val="1800"/>
+                <a:buFont typeface="Arial"/>
+                <a:buNone/>
+              </a:pPr>
+              <a:endParaRPr lang="es-ES" sz="1800" b="0" i="0" u="none" strike="noStrike" cap="none">
+                <a:solidFill>
+                  <a:schemeClr val="dk1"/>
+                </a:solidFill>
+                <a:latin typeface="Lato"/>
+                <a:ea typeface="Lato"/>
+                <a:cs typeface="Lato"/>
+                <a:sym typeface="Lato"/>
+              </a:endParaRPr>
+            </a:p>
+          </p:txBody>
+        </p:sp>
+        <p:sp>
+          <p:nvSpPr>
+            <p:cNvPr id="21" name="Google Shape;1700;p34">
+              <a:extLst>
+                <a:ext uri="{FF2B5EF4-FFF2-40B4-BE49-F238E27FC236}">
+                  <a16:creationId xmlns:a16="http://schemas.microsoft.com/office/drawing/2014/main" id="{35B3959E-C54F-A341-8AE6-D8E25CE82544}"/>
+                </a:ext>
+              </a:extLst>
+            </p:cNvPr>
+            <p:cNvSpPr/>
+            <p:nvPr/>
+          </p:nvSpPr>
+          <p:spPr>
+            <a:xfrm>
+              <a:off x="1074843" y="3805053"/>
+              <a:ext cx="112218" cy="13202"/>
+            </a:xfrm>
+            <a:custGeom>
+              <a:avLst/>
+              <a:gdLst/>
+              <a:ahLst/>
+              <a:cxnLst/>
+              <a:rect l="l" t="t" r="r" b="b"/>
+              <a:pathLst>
+                <a:path w="36" h="4" extrusionOk="0">
+                  <a:moveTo>
+                    <a:pt x="34" y="0"/>
+                  </a:moveTo>
+                  <a:cubicBezTo>
+                    <a:pt x="2" y="0"/>
+                    <a:pt x="2" y="0"/>
+                    <a:pt x="2" y="0"/>
+                  </a:cubicBezTo>
+                  <a:cubicBezTo>
+                    <a:pt x="1" y="0"/>
+                    <a:pt x="0" y="1"/>
+                    <a:pt x="0" y="2"/>
+                  </a:cubicBezTo>
+                  <a:cubicBezTo>
+                    <a:pt x="0" y="3"/>
+                    <a:pt x="1" y="4"/>
+                    <a:pt x="2" y="4"/>
+                  </a:cubicBezTo>
+                  <a:cubicBezTo>
+                    <a:pt x="34" y="4"/>
+                    <a:pt x="34" y="4"/>
+                    <a:pt x="34" y="4"/>
+                  </a:cubicBezTo>
+                  <a:cubicBezTo>
+                    <a:pt x="35" y="4"/>
+                    <a:pt x="36" y="3"/>
+                    <a:pt x="36" y="2"/>
+                  </a:cubicBezTo>
+                  <a:cubicBezTo>
+                    <a:pt x="36" y="1"/>
+                    <a:pt x="35" y="0"/>
+                    <a:pt x="34" y="0"/>
+                  </a:cubicBezTo>
+                  <a:close/>
+                </a:path>
+              </a:pathLst>
+            </a:custGeom>
+            <a:solidFill>
+              <a:schemeClr val="accent1"/>
+            </a:solidFill>
+            <a:ln>
+              <a:noFill/>
+            </a:ln>
+          </p:spPr>
+          <p:txBody>
+            <a:bodyPr spcFirstLastPara="1" wrap="square" lIns="91425" tIns="45700" rIns="91425" bIns="45700" anchor="t" anchorCtr="0">
+              <a:noAutofit/>
+            </a:bodyPr>
+            <a:lstStyle/>
+            <a:p>
+              <a:pPr marL="0" marR="0" lvl="0" indent="0" algn="l" rtl="0">
+                <a:lnSpc>
+                  <a:spcPct val="100000"/>
+                </a:lnSpc>
+                <a:spcBef>
+                  <a:spcPts val="0"/>
+                </a:spcBef>
+                <a:spcAft>
+                  <a:spcPts val="0"/>
+                </a:spcAft>
+                <a:buClr>
+                  <a:srgbClr val="000000"/>
+                </a:buClr>
+                <a:buSzPts val="1800"/>
+                <a:buFont typeface="Arial"/>
+                <a:buNone/>
+              </a:pPr>
+              <a:endParaRPr lang="es-ES" sz="1800" b="0" i="0" u="none" strike="noStrike" cap="none">
+                <a:solidFill>
+                  <a:schemeClr val="dk1"/>
+                </a:solidFill>
+                <a:latin typeface="Lato"/>
+                <a:ea typeface="Lato"/>
+                <a:cs typeface="Lato"/>
+                <a:sym typeface="Lato"/>
+              </a:endParaRPr>
+            </a:p>
+          </p:txBody>
+        </p:sp>
+        <p:sp>
+          <p:nvSpPr>
+            <p:cNvPr id="22" name="Google Shape;1701;p34">
+              <a:extLst>
+                <a:ext uri="{FF2B5EF4-FFF2-40B4-BE49-F238E27FC236}">
+                  <a16:creationId xmlns:a16="http://schemas.microsoft.com/office/drawing/2014/main" id="{0A1DCE8A-D00C-714D-89F0-40D8B3046F05}"/>
+                </a:ext>
+              </a:extLst>
+            </p:cNvPr>
+            <p:cNvSpPr/>
+            <p:nvPr/>
+          </p:nvSpPr>
+          <p:spPr>
+            <a:xfrm>
+              <a:off x="937541" y="3729802"/>
+              <a:ext cx="249520" cy="13202"/>
+            </a:xfrm>
+            <a:custGeom>
+              <a:avLst/>
+              <a:gdLst/>
+              <a:ahLst/>
+              <a:cxnLst/>
+              <a:rect l="l" t="t" r="r" b="b"/>
+              <a:pathLst>
+                <a:path w="80" h="4" extrusionOk="0">
+                  <a:moveTo>
+                    <a:pt x="78" y="0"/>
+                  </a:moveTo>
+                  <a:cubicBezTo>
+                    <a:pt x="2" y="0"/>
+                    <a:pt x="2" y="0"/>
+                    <a:pt x="2" y="0"/>
+                  </a:cubicBezTo>
+                  <a:cubicBezTo>
+                    <a:pt x="1" y="0"/>
+                    <a:pt x="0" y="1"/>
+                    <a:pt x="0" y="2"/>
+                  </a:cubicBezTo>
+                  <a:cubicBezTo>
+                    <a:pt x="0" y="3"/>
+                    <a:pt x="1" y="4"/>
+                    <a:pt x="2" y="4"/>
+                  </a:cubicBezTo>
+                  <a:cubicBezTo>
+                    <a:pt x="78" y="4"/>
+                    <a:pt x="78" y="4"/>
+                    <a:pt x="78" y="4"/>
+                  </a:cubicBezTo>
+                  <a:cubicBezTo>
+                    <a:pt x="79" y="4"/>
+                    <a:pt x="80" y="3"/>
+                    <a:pt x="80" y="2"/>
+                  </a:cubicBezTo>
+                  <a:cubicBezTo>
+                    <a:pt x="80" y="1"/>
+                    <a:pt x="79" y="0"/>
+                    <a:pt x="78" y="0"/>
+                  </a:cubicBezTo>
+                  <a:close/>
+                </a:path>
+              </a:pathLst>
+            </a:custGeom>
+            <a:solidFill>
+              <a:schemeClr val="accent1"/>
+            </a:solidFill>
+            <a:ln>
+              <a:noFill/>
+            </a:ln>
+          </p:spPr>
+          <p:txBody>
+            <a:bodyPr spcFirstLastPara="1" wrap="square" lIns="91425" tIns="45700" rIns="91425" bIns="45700" anchor="t" anchorCtr="0">
+              <a:noAutofit/>
+            </a:bodyPr>
+            <a:lstStyle/>
+            <a:p>
+              <a:pPr marL="0" marR="0" lvl="0" indent="0" algn="l" rtl="0">
+                <a:lnSpc>
+                  <a:spcPct val="100000"/>
+                </a:lnSpc>
+                <a:spcBef>
+                  <a:spcPts val="0"/>
+                </a:spcBef>
+                <a:spcAft>
+                  <a:spcPts val="0"/>
+                </a:spcAft>
+                <a:buClr>
+                  <a:srgbClr val="000000"/>
+                </a:buClr>
+                <a:buSzPts val="1800"/>
+                <a:buFont typeface="Arial"/>
+                <a:buNone/>
+              </a:pPr>
+              <a:endParaRPr lang="es-ES" sz="1800" b="0" i="0" u="none" strike="noStrike" cap="none">
+                <a:solidFill>
+                  <a:schemeClr val="dk1"/>
+                </a:solidFill>
+                <a:latin typeface="Lato"/>
+                <a:ea typeface="Lato"/>
+                <a:cs typeface="Lato"/>
+                <a:sym typeface="Lato"/>
+              </a:endParaRPr>
+            </a:p>
+          </p:txBody>
+        </p:sp>
+        <p:sp>
+          <p:nvSpPr>
+            <p:cNvPr id="23" name="Google Shape;1702;p34">
+              <a:extLst>
+                <a:ext uri="{FF2B5EF4-FFF2-40B4-BE49-F238E27FC236}">
+                  <a16:creationId xmlns:a16="http://schemas.microsoft.com/office/drawing/2014/main" id="{695DC34B-8505-4449-BA2F-46D4ED400DD3}"/>
+                </a:ext>
+              </a:extLst>
+            </p:cNvPr>
+            <p:cNvSpPr/>
+            <p:nvPr/>
+          </p:nvSpPr>
+          <p:spPr>
+            <a:xfrm>
+              <a:off x="937541" y="3768087"/>
+              <a:ext cx="249520" cy="11882"/>
+            </a:xfrm>
+            <a:custGeom>
+              <a:avLst/>
+              <a:gdLst/>
+              <a:ahLst/>
+              <a:cxnLst/>
+              <a:rect l="l" t="t" r="r" b="b"/>
+              <a:pathLst>
+                <a:path w="80" h="4" extrusionOk="0">
+                  <a:moveTo>
+                    <a:pt x="78" y="0"/>
+                  </a:moveTo>
+                  <a:cubicBezTo>
+                    <a:pt x="2" y="0"/>
+                    <a:pt x="2" y="0"/>
+                    <a:pt x="2" y="0"/>
+                  </a:cubicBezTo>
+                  <a:cubicBezTo>
+                    <a:pt x="1" y="0"/>
+                    <a:pt x="0" y="1"/>
+                    <a:pt x="0" y="2"/>
+                  </a:cubicBezTo>
+                  <a:cubicBezTo>
+                    <a:pt x="0" y="3"/>
+                    <a:pt x="1" y="4"/>
+                    <a:pt x="2" y="4"/>
+                  </a:cubicBezTo>
+                  <a:cubicBezTo>
+                    <a:pt x="78" y="4"/>
+                    <a:pt x="78" y="4"/>
+                    <a:pt x="78" y="4"/>
+                  </a:cubicBezTo>
+                  <a:cubicBezTo>
+                    <a:pt x="79" y="4"/>
+                    <a:pt x="80" y="3"/>
+                    <a:pt x="80" y="2"/>
+                  </a:cubicBezTo>
+                  <a:cubicBezTo>
+                    <a:pt x="80" y="1"/>
+                    <a:pt x="79" y="0"/>
+                    <a:pt x="78" y="0"/>
+                  </a:cubicBezTo>
+                  <a:close/>
+                </a:path>
+              </a:pathLst>
+            </a:custGeom>
+            <a:solidFill>
+              <a:schemeClr val="accent1"/>
+            </a:solidFill>
+            <a:ln>
+              <a:noFill/>
+            </a:ln>
+          </p:spPr>
+          <p:txBody>
+            <a:bodyPr spcFirstLastPara="1" wrap="square" lIns="91425" tIns="45700" rIns="91425" bIns="45700" anchor="t" anchorCtr="0">
+              <a:noAutofit/>
+            </a:bodyPr>
+            <a:lstStyle/>
+            <a:p>
+              <a:pPr marL="0" marR="0" lvl="0" indent="0" algn="l" rtl="0">
+                <a:lnSpc>
+                  <a:spcPct val="100000"/>
+                </a:lnSpc>
+                <a:spcBef>
+                  <a:spcPts val="0"/>
+                </a:spcBef>
+                <a:spcAft>
+                  <a:spcPts val="0"/>
+                </a:spcAft>
+                <a:buClr>
+                  <a:srgbClr val="000000"/>
+                </a:buClr>
+                <a:buSzPts val="1800"/>
+                <a:buFont typeface="Arial"/>
+                <a:buNone/>
+              </a:pPr>
+              <a:endParaRPr lang="es-ES" sz="1800" b="0" i="0" u="none" strike="noStrike" cap="none">
+                <a:solidFill>
+                  <a:schemeClr val="dk1"/>
+                </a:solidFill>
+                <a:latin typeface="Lato"/>
+                <a:ea typeface="Lato"/>
+                <a:cs typeface="Lato"/>
+                <a:sym typeface="Lato"/>
+              </a:endParaRPr>
+            </a:p>
+          </p:txBody>
+        </p:sp>
+        <p:sp>
+          <p:nvSpPr>
+            <p:cNvPr id="24" name="Google Shape;1703;p34">
+              <a:extLst>
+                <a:ext uri="{FF2B5EF4-FFF2-40B4-BE49-F238E27FC236}">
+                  <a16:creationId xmlns:a16="http://schemas.microsoft.com/office/drawing/2014/main" id="{26228482-A27D-A54A-84BA-057EA5A89378}"/>
+                </a:ext>
+              </a:extLst>
+            </p:cNvPr>
+            <p:cNvSpPr/>
+            <p:nvPr/>
+          </p:nvSpPr>
+          <p:spPr>
+            <a:xfrm>
+              <a:off x="937541" y="3592500"/>
+              <a:ext cx="112218" cy="112218"/>
+            </a:xfrm>
+            <a:custGeom>
+              <a:avLst/>
+              <a:gdLst/>
+              <a:ahLst/>
+              <a:cxnLst/>
+              <a:rect l="l" t="t" r="r" b="b"/>
+              <a:pathLst>
+                <a:path w="36" h="36" extrusionOk="0">
+                  <a:moveTo>
+                    <a:pt x="4" y="36"/>
+                  </a:moveTo>
+                  <a:cubicBezTo>
+                    <a:pt x="32" y="36"/>
+                    <a:pt x="32" y="36"/>
+                    <a:pt x="32" y="36"/>
+                  </a:cubicBezTo>
+                  <a:cubicBezTo>
+                    <a:pt x="34" y="36"/>
+                    <a:pt x="36" y="34"/>
+                    <a:pt x="36" y="32"/>
+                  </a:cubicBezTo>
+                  <a:cubicBezTo>
+                    <a:pt x="36" y="4"/>
+                    <a:pt x="36" y="4"/>
+                    <a:pt x="36" y="4"/>
+                  </a:cubicBezTo>
+                  <a:cubicBezTo>
+                    <a:pt x="36" y="2"/>
+                    <a:pt x="34" y="0"/>
+                    <a:pt x="32" y="0"/>
+                  </a:cubicBezTo>
+                  <a:cubicBezTo>
+                    <a:pt x="4" y="0"/>
+                    <a:pt x="4" y="0"/>
+                    <a:pt x="4" y="0"/>
+                  </a:cubicBezTo>
+                  <a:cubicBezTo>
+                    <a:pt x="2" y="0"/>
+                    <a:pt x="0" y="2"/>
+                    <a:pt x="0" y="4"/>
+                  </a:cubicBezTo>
+                  <a:cubicBezTo>
+                    <a:pt x="0" y="32"/>
+                    <a:pt x="0" y="32"/>
+                    <a:pt x="0" y="32"/>
+                  </a:cubicBezTo>
+                  <a:cubicBezTo>
+                    <a:pt x="0" y="34"/>
+                    <a:pt x="2" y="36"/>
+                    <a:pt x="4" y="36"/>
+                  </a:cubicBezTo>
+                  <a:close/>
+                  <a:moveTo>
+                    <a:pt x="8" y="8"/>
+                  </a:moveTo>
+                  <a:cubicBezTo>
+                    <a:pt x="28" y="8"/>
+                    <a:pt x="28" y="8"/>
+                    <a:pt x="28" y="8"/>
+                  </a:cubicBezTo>
+                  <a:cubicBezTo>
+                    <a:pt x="28" y="28"/>
+                    <a:pt x="28" y="28"/>
+                    <a:pt x="28" y="28"/>
+                  </a:cubicBezTo>
+                  <a:cubicBezTo>
+                    <a:pt x="8" y="28"/>
+                    <a:pt x="8" y="28"/>
+                    <a:pt x="8" y="28"/>
+                  </a:cubicBezTo>
+                  <a:lnTo>
+                    <a:pt x="8" y="8"/>
+                  </a:lnTo>
+                  <a:close/>
+                </a:path>
+              </a:pathLst>
+            </a:custGeom>
+            <a:solidFill>
+              <a:schemeClr val="accent1"/>
+            </a:solidFill>
+            <a:ln>
+              <a:noFill/>
+            </a:ln>
+          </p:spPr>
+          <p:txBody>
+            <a:bodyPr spcFirstLastPara="1" wrap="square" lIns="91425" tIns="45700" rIns="91425" bIns="45700" anchor="t" anchorCtr="0">
+              <a:noAutofit/>
+            </a:bodyPr>
+            <a:lstStyle/>
+            <a:p>
+              <a:pPr marL="0" marR="0" lvl="0" indent="0" algn="l" rtl="0">
+                <a:lnSpc>
+                  <a:spcPct val="100000"/>
+                </a:lnSpc>
+                <a:spcBef>
+                  <a:spcPts val="0"/>
+                </a:spcBef>
+                <a:spcAft>
+                  <a:spcPts val="0"/>
+                </a:spcAft>
+                <a:buClr>
+                  <a:srgbClr val="000000"/>
+                </a:buClr>
+                <a:buSzPts val="1800"/>
+                <a:buFont typeface="Arial"/>
+                <a:buNone/>
+              </a:pPr>
+              <a:endParaRPr lang="es-ES" sz="1800" b="0" i="0" u="none" strike="noStrike" cap="none">
+                <a:solidFill>
+                  <a:schemeClr val="dk1"/>
+                </a:solidFill>
+                <a:latin typeface="Lato"/>
+                <a:ea typeface="Lato"/>
+                <a:cs typeface="Lato"/>
+                <a:sym typeface="Lato"/>
+              </a:endParaRPr>
+            </a:p>
+          </p:txBody>
+        </p:sp>
+      </p:grpSp>
+      <p:grpSp>
+        <p:nvGrpSpPr>
+          <p:cNvPr id="25" name="Google Shape;1704;p34">
+            <a:extLst>
+              <a:ext uri="{FF2B5EF4-FFF2-40B4-BE49-F238E27FC236}">
+                <a16:creationId xmlns:a16="http://schemas.microsoft.com/office/drawing/2014/main" id="{B670D513-94A2-9047-A60F-91C6163F3758}"/>
+              </a:ext>
+            </a:extLst>
+          </p:cNvPr>
+          <p:cNvGrpSpPr/>
+          <p:nvPr/>
+        </p:nvGrpSpPr>
+        <p:grpSpPr>
+          <a:xfrm>
+            <a:off x="4916530" y="4950633"/>
+            <a:ext cx="433762" cy="415213"/>
+            <a:chOff x="9886950" y="1016001"/>
+            <a:chExt cx="482600" cy="461963"/>
+          </a:xfrm>
+        </p:grpSpPr>
+        <p:sp>
+          <p:nvSpPr>
+            <p:cNvPr id="26" name="Google Shape;1705;p34">
+              <a:extLst>
+                <a:ext uri="{FF2B5EF4-FFF2-40B4-BE49-F238E27FC236}">
+                  <a16:creationId xmlns:a16="http://schemas.microsoft.com/office/drawing/2014/main" id="{7DD9ACAF-5205-E94B-BDE6-21F04123C615}"/>
+                </a:ext>
+              </a:extLst>
+            </p:cNvPr>
+            <p:cNvSpPr/>
+            <p:nvPr/>
+          </p:nvSpPr>
+          <p:spPr>
+            <a:xfrm>
+              <a:off x="9886950" y="1016001"/>
+              <a:ext cx="482600" cy="461963"/>
+            </a:xfrm>
+            <a:custGeom>
+              <a:avLst/>
+              <a:gdLst/>
+              <a:ahLst/>
+              <a:cxnLst/>
+              <a:rect l="l" t="t" r="r" b="b"/>
+              <a:pathLst>
+                <a:path w="128" h="122" extrusionOk="0">
+                  <a:moveTo>
+                    <a:pt x="117" y="0"/>
+                  </a:moveTo>
+                  <a:cubicBezTo>
+                    <a:pt x="11" y="0"/>
+                    <a:pt x="11" y="0"/>
+                    <a:pt x="11" y="0"/>
+                  </a:cubicBezTo>
+                  <a:cubicBezTo>
+                    <a:pt x="5" y="0"/>
+                    <a:pt x="0" y="5"/>
+                    <a:pt x="0" y="11"/>
+                  </a:cubicBezTo>
+                  <a:cubicBezTo>
+                    <a:pt x="0" y="93"/>
+                    <a:pt x="0" y="93"/>
+                    <a:pt x="0" y="93"/>
+                  </a:cubicBezTo>
+                  <a:cubicBezTo>
+                    <a:pt x="0" y="99"/>
+                    <a:pt x="5" y="104"/>
+                    <a:pt x="11" y="104"/>
+                  </a:cubicBezTo>
+                  <a:cubicBezTo>
+                    <a:pt x="43" y="104"/>
+                    <a:pt x="43" y="104"/>
+                    <a:pt x="43" y="104"/>
+                  </a:cubicBezTo>
+                  <a:cubicBezTo>
+                    <a:pt x="41" y="106"/>
+                    <a:pt x="39" y="109"/>
+                    <a:pt x="37" y="110"/>
+                  </a:cubicBezTo>
+                  <a:cubicBezTo>
+                    <a:pt x="36" y="111"/>
+                    <a:pt x="35" y="112"/>
+                    <a:pt x="34" y="113"/>
+                  </a:cubicBezTo>
+                  <a:cubicBezTo>
+                    <a:pt x="34" y="114"/>
+                    <a:pt x="33" y="116"/>
+                    <a:pt x="34" y="118"/>
+                  </a:cubicBezTo>
+                  <a:cubicBezTo>
+                    <a:pt x="35" y="120"/>
+                    <a:pt x="37" y="122"/>
+                    <a:pt x="42" y="122"/>
+                  </a:cubicBezTo>
+                  <a:cubicBezTo>
+                    <a:pt x="86" y="122"/>
+                    <a:pt x="86" y="122"/>
+                    <a:pt x="86" y="122"/>
+                  </a:cubicBezTo>
+                  <a:cubicBezTo>
+                    <a:pt x="91" y="122"/>
+                    <a:pt x="93" y="120"/>
+                    <a:pt x="94" y="118"/>
+                  </a:cubicBezTo>
+                  <a:cubicBezTo>
+                    <a:pt x="95" y="116"/>
+                    <a:pt x="94" y="114"/>
+                    <a:pt x="94" y="113"/>
+                  </a:cubicBezTo>
+                  <a:cubicBezTo>
+                    <a:pt x="93" y="112"/>
+                    <a:pt x="92" y="111"/>
+                    <a:pt x="91" y="110"/>
+                  </a:cubicBezTo>
+                  <a:cubicBezTo>
+                    <a:pt x="89" y="109"/>
+                    <a:pt x="87" y="106"/>
+                    <a:pt x="85" y="104"/>
+                  </a:cubicBezTo>
+                  <a:cubicBezTo>
+                    <a:pt x="117" y="104"/>
+                    <a:pt x="117" y="104"/>
+                    <a:pt x="117" y="104"/>
+                  </a:cubicBezTo>
+                  <a:cubicBezTo>
+                    <a:pt x="123" y="104"/>
+                    <a:pt x="128" y="99"/>
+                    <a:pt x="128" y="93"/>
+                  </a:cubicBezTo>
+                  <a:cubicBezTo>
+                    <a:pt x="128" y="11"/>
+                    <a:pt x="128" y="11"/>
+                    <a:pt x="128" y="11"/>
+                  </a:cubicBezTo>
+                  <a:cubicBezTo>
+                    <a:pt x="128" y="5"/>
+                    <a:pt x="123" y="0"/>
+                    <a:pt x="117" y="0"/>
+                  </a:cubicBezTo>
+                  <a:close/>
+                  <a:moveTo>
+                    <a:pt x="88" y="113"/>
+                  </a:moveTo>
+                  <a:cubicBezTo>
+                    <a:pt x="89" y="114"/>
+                    <a:pt x="90" y="115"/>
+                    <a:pt x="90" y="116"/>
+                  </a:cubicBezTo>
+                  <a:cubicBezTo>
+                    <a:pt x="90" y="116"/>
+                    <a:pt x="91" y="116"/>
+                    <a:pt x="90" y="116"/>
+                  </a:cubicBezTo>
+                  <a:cubicBezTo>
+                    <a:pt x="90" y="117"/>
+                    <a:pt x="88" y="118"/>
+                    <a:pt x="86" y="118"/>
+                  </a:cubicBezTo>
+                  <a:cubicBezTo>
+                    <a:pt x="42" y="118"/>
+                    <a:pt x="42" y="118"/>
+                    <a:pt x="42" y="118"/>
+                  </a:cubicBezTo>
+                  <a:cubicBezTo>
+                    <a:pt x="40" y="118"/>
+                    <a:pt x="38" y="117"/>
+                    <a:pt x="38" y="116"/>
+                  </a:cubicBezTo>
+                  <a:cubicBezTo>
+                    <a:pt x="38" y="116"/>
+                    <a:pt x="38" y="116"/>
+                    <a:pt x="38" y="116"/>
+                  </a:cubicBezTo>
+                  <a:cubicBezTo>
+                    <a:pt x="38" y="116"/>
+                    <a:pt x="38" y="116"/>
+                    <a:pt x="38" y="116"/>
+                  </a:cubicBezTo>
+                  <a:cubicBezTo>
+                    <a:pt x="38" y="115"/>
+                    <a:pt x="39" y="114"/>
+                    <a:pt x="40" y="113"/>
+                  </a:cubicBezTo>
+                  <a:cubicBezTo>
+                    <a:pt x="44" y="109"/>
+                    <a:pt x="47" y="106"/>
+                    <a:pt x="48" y="104"/>
+                  </a:cubicBezTo>
+                  <a:cubicBezTo>
+                    <a:pt x="80" y="104"/>
+                    <a:pt x="80" y="104"/>
+                    <a:pt x="80" y="104"/>
+                  </a:cubicBezTo>
+                  <a:cubicBezTo>
+                    <a:pt x="81" y="106"/>
+                    <a:pt x="84" y="109"/>
+                    <a:pt x="88" y="113"/>
+                  </a:cubicBezTo>
+                  <a:close/>
+                  <a:moveTo>
+                    <a:pt x="120" y="93"/>
+                  </a:moveTo>
+                  <a:cubicBezTo>
+                    <a:pt x="120" y="95"/>
+                    <a:pt x="119" y="96"/>
+                    <a:pt x="117" y="96"/>
+                  </a:cubicBezTo>
+                  <a:cubicBezTo>
+                    <a:pt x="11" y="96"/>
+                    <a:pt x="11" y="96"/>
+                    <a:pt x="11" y="96"/>
+                  </a:cubicBezTo>
+                  <a:cubicBezTo>
+                    <a:pt x="9" y="96"/>
+                    <a:pt x="8" y="95"/>
+                    <a:pt x="8" y="93"/>
+                  </a:cubicBezTo>
+                  <a:cubicBezTo>
+                    <a:pt x="8" y="11"/>
+                    <a:pt x="8" y="11"/>
+                    <a:pt x="8" y="11"/>
+                  </a:cubicBezTo>
+                  <a:cubicBezTo>
+                    <a:pt x="8" y="9"/>
+                    <a:pt x="9" y="8"/>
+                    <a:pt x="11" y="8"/>
+                  </a:cubicBezTo>
+                  <a:cubicBezTo>
+                    <a:pt x="117" y="8"/>
+                    <a:pt x="117" y="8"/>
+                    <a:pt x="117" y="8"/>
+                  </a:cubicBezTo>
+                  <a:cubicBezTo>
+                    <a:pt x="119" y="8"/>
+                    <a:pt x="120" y="9"/>
+                    <a:pt x="120" y="11"/>
+                  </a:cubicBezTo>
+                  <a:lnTo>
+                    <a:pt x="120" y="93"/>
+                  </a:lnTo>
+                  <a:close/>
+                </a:path>
+              </a:pathLst>
+            </a:custGeom>
+            <a:solidFill>
+              <a:schemeClr val="accent1"/>
+            </a:solidFill>
+            <a:ln>
+              <a:noFill/>
+            </a:ln>
+          </p:spPr>
+          <p:txBody>
+            <a:bodyPr spcFirstLastPara="1" wrap="square" lIns="91425" tIns="45700" rIns="91425" bIns="45700" anchor="t" anchorCtr="0">
+              <a:noAutofit/>
+            </a:bodyPr>
+            <a:lstStyle/>
+            <a:p>
+              <a:pPr marL="0" marR="0" lvl="0" indent="0" algn="l" rtl="0">
+                <a:lnSpc>
+                  <a:spcPct val="100000"/>
+                </a:lnSpc>
+                <a:spcBef>
+                  <a:spcPts val="0"/>
+                </a:spcBef>
+                <a:spcAft>
+                  <a:spcPts val="0"/>
+                </a:spcAft>
+                <a:buClr>
+                  <a:srgbClr val="000000"/>
+                </a:buClr>
+                <a:buSzPts val="1800"/>
+                <a:buFont typeface="Arial"/>
+                <a:buNone/>
+              </a:pPr>
+              <a:endParaRPr lang="es-ES" sz="1800" b="0" i="0" u="none" strike="noStrike" cap="none">
+                <a:solidFill>
+                  <a:schemeClr val="dk1"/>
+                </a:solidFill>
+                <a:latin typeface="Lato"/>
+                <a:ea typeface="Lato"/>
+                <a:cs typeface="Lato"/>
+                <a:sym typeface="Lato"/>
+              </a:endParaRPr>
+            </a:p>
+          </p:txBody>
+        </p:sp>
+        <p:sp>
+          <p:nvSpPr>
+            <p:cNvPr id="27" name="Google Shape;1706;p34">
+              <a:extLst>
+                <a:ext uri="{FF2B5EF4-FFF2-40B4-BE49-F238E27FC236}">
+                  <a16:creationId xmlns:a16="http://schemas.microsoft.com/office/drawing/2014/main" id="{637ED586-C383-D540-AD30-D9352FF0808E}"/>
+                </a:ext>
+              </a:extLst>
+            </p:cNvPr>
+            <p:cNvSpPr/>
+            <p:nvPr/>
+          </p:nvSpPr>
+          <p:spPr>
+            <a:xfrm>
+              <a:off x="9947275" y="1076326"/>
+              <a:ext cx="361950" cy="242888"/>
+            </a:xfrm>
+            <a:custGeom>
+              <a:avLst/>
+              <a:gdLst/>
+              <a:ahLst/>
+              <a:cxnLst/>
+              <a:rect l="l" t="t" r="r" b="b"/>
+              <a:pathLst>
+                <a:path w="96" h="64" extrusionOk="0">
+                  <a:moveTo>
+                    <a:pt x="89" y="0"/>
+                  </a:moveTo>
+                  <a:cubicBezTo>
+                    <a:pt x="7" y="0"/>
+                    <a:pt x="7" y="0"/>
+                    <a:pt x="7" y="0"/>
+                  </a:cubicBezTo>
+                  <a:cubicBezTo>
+                    <a:pt x="3" y="0"/>
+                    <a:pt x="0" y="3"/>
+                    <a:pt x="0" y="7"/>
+                  </a:cubicBezTo>
+                  <a:cubicBezTo>
+                    <a:pt x="0" y="57"/>
+                    <a:pt x="0" y="57"/>
+                    <a:pt x="0" y="57"/>
+                  </a:cubicBezTo>
+                  <a:cubicBezTo>
+                    <a:pt x="0" y="61"/>
+                    <a:pt x="3" y="64"/>
+                    <a:pt x="7" y="64"/>
+                  </a:cubicBezTo>
+                  <a:cubicBezTo>
+                    <a:pt x="89" y="64"/>
+                    <a:pt x="89" y="64"/>
+                    <a:pt x="89" y="64"/>
+                  </a:cubicBezTo>
+                  <a:cubicBezTo>
+                    <a:pt x="93" y="64"/>
+                    <a:pt x="96" y="61"/>
+                    <a:pt x="96" y="57"/>
+                  </a:cubicBezTo>
+                  <a:cubicBezTo>
+                    <a:pt x="96" y="7"/>
+                    <a:pt x="96" y="7"/>
+                    <a:pt x="96" y="7"/>
+                  </a:cubicBezTo>
+                  <a:cubicBezTo>
+                    <a:pt x="96" y="3"/>
+                    <a:pt x="93" y="0"/>
+                    <a:pt x="89" y="0"/>
+                  </a:cubicBezTo>
+                  <a:close/>
+                  <a:moveTo>
+                    <a:pt x="92" y="57"/>
+                  </a:moveTo>
+                  <a:cubicBezTo>
+                    <a:pt x="92" y="59"/>
+                    <a:pt x="91" y="60"/>
+                    <a:pt x="89" y="60"/>
+                  </a:cubicBezTo>
+                  <a:cubicBezTo>
+                    <a:pt x="7" y="60"/>
+                    <a:pt x="7" y="60"/>
+                    <a:pt x="7" y="60"/>
+                  </a:cubicBezTo>
+                  <a:cubicBezTo>
+                    <a:pt x="5" y="60"/>
+                    <a:pt x="4" y="59"/>
+                    <a:pt x="4" y="57"/>
+                  </a:cubicBezTo>
+                  <a:cubicBezTo>
+                    <a:pt x="4" y="7"/>
+                    <a:pt x="4" y="7"/>
+                    <a:pt x="4" y="7"/>
+                  </a:cubicBezTo>
+                  <a:cubicBezTo>
+                    <a:pt x="4" y="5"/>
+                    <a:pt x="5" y="4"/>
+                    <a:pt x="7" y="4"/>
+                  </a:cubicBezTo>
+                  <a:cubicBezTo>
+                    <a:pt x="89" y="4"/>
+                    <a:pt x="89" y="4"/>
+                    <a:pt x="89" y="4"/>
+                  </a:cubicBezTo>
+                  <a:cubicBezTo>
+                    <a:pt x="91" y="4"/>
+                    <a:pt x="92" y="5"/>
+                    <a:pt x="92" y="7"/>
+                  </a:cubicBezTo>
+                  <a:lnTo>
+                    <a:pt x="92" y="57"/>
+                  </a:lnTo>
+                  <a:close/>
+                </a:path>
+              </a:pathLst>
+            </a:custGeom>
+            <a:solidFill>
+              <a:schemeClr val="accent1"/>
+            </a:solidFill>
+            <a:ln>
+              <a:noFill/>
+            </a:ln>
+          </p:spPr>
+          <p:txBody>
+            <a:bodyPr spcFirstLastPara="1" wrap="square" lIns="91425" tIns="45700" rIns="91425" bIns="45700" anchor="t" anchorCtr="0">
+              <a:noAutofit/>
+            </a:bodyPr>
+            <a:lstStyle/>
+            <a:p>
+              <a:pPr marL="0" marR="0" lvl="0" indent="0" algn="l" rtl="0">
+                <a:lnSpc>
+                  <a:spcPct val="100000"/>
+                </a:lnSpc>
+                <a:spcBef>
+                  <a:spcPts val="0"/>
+                </a:spcBef>
+                <a:spcAft>
+                  <a:spcPts val="0"/>
+                </a:spcAft>
+                <a:buClr>
+                  <a:srgbClr val="000000"/>
+                </a:buClr>
+                <a:buSzPts val="1800"/>
+                <a:buFont typeface="Arial"/>
+                <a:buNone/>
+              </a:pPr>
+              <a:endParaRPr lang="es-ES" sz="1800" b="0" i="0" u="none" strike="noStrike" cap="none">
+                <a:solidFill>
+                  <a:schemeClr val="dk1"/>
+                </a:solidFill>
+                <a:latin typeface="Lato"/>
+                <a:ea typeface="Lato"/>
+                <a:cs typeface="Lato"/>
+                <a:sym typeface="Lato"/>
+              </a:endParaRPr>
+            </a:p>
+          </p:txBody>
+        </p:sp>
+        <p:sp>
+          <p:nvSpPr>
+            <p:cNvPr id="28" name="Google Shape;1707;p34">
+              <a:extLst>
+                <a:ext uri="{FF2B5EF4-FFF2-40B4-BE49-F238E27FC236}">
+                  <a16:creationId xmlns:a16="http://schemas.microsoft.com/office/drawing/2014/main" id="{B1B1DE24-28A3-104A-8F96-2EF12DCB18BF}"/>
+                </a:ext>
+              </a:extLst>
+            </p:cNvPr>
+            <p:cNvSpPr/>
+            <p:nvPr/>
+          </p:nvSpPr>
+          <p:spPr>
+            <a:xfrm>
+              <a:off x="10104438" y="1327151"/>
+              <a:ext cx="46037" cy="44450"/>
+            </a:xfrm>
+            <a:custGeom>
+              <a:avLst/>
+              <a:gdLst/>
+              <a:ahLst/>
+              <a:cxnLst/>
+              <a:rect l="l" t="t" r="r" b="b"/>
+              <a:pathLst>
+                <a:path w="12" h="12" extrusionOk="0">
+                  <a:moveTo>
+                    <a:pt x="6" y="0"/>
+                  </a:moveTo>
+                  <a:cubicBezTo>
+                    <a:pt x="3" y="0"/>
+                    <a:pt x="0" y="3"/>
+                    <a:pt x="0" y="6"/>
+                  </a:cubicBezTo>
+                  <a:cubicBezTo>
+                    <a:pt x="0" y="9"/>
+                    <a:pt x="3" y="12"/>
+                    <a:pt x="6" y="12"/>
+                  </a:cubicBezTo>
+                  <a:cubicBezTo>
+                    <a:pt x="9" y="12"/>
+                    <a:pt x="12" y="9"/>
+                    <a:pt x="12" y="6"/>
+                  </a:cubicBezTo>
+                  <a:cubicBezTo>
+                    <a:pt x="12" y="3"/>
+                    <a:pt x="9" y="0"/>
+                    <a:pt x="6" y="0"/>
+                  </a:cubicBezTo>
+                  <a:close/>
+                  <a:moveTo>
+                    <a:pt x="6" y="8"/>
+                  </a:moveTo>
+                  <a:cubicBezTo>
+                    <a:pt x="5" y="8"/>
+                    <a:pt x="4" y="7"/>
+                    <a:pt x="4" y="6"/>
+                  </a:cubicBezTo>
+                  <a:cubicBezTo>
+                    <a:pt x="4" y="5"/>
+                    <a:pt x="5" y="4"/>
+                    <a:pt x="6" y="4"/>
+                  </a:cubicBezTo>
+                  <a:cubicBezTo>
+                    <a:pt x="7" y="4"/>
+                    <a:pt x="8" y="5"/>
+                    <a:pt x="8" y="6"/>
+                  </a:cubicBezTo>
+                  <a:cubicBezTo>
+                    <a:pt x="8" y="7"/>
+                    <a:pt x="7" y="8"/>
+                    <a:pt x="6" y="8"/>
+                  </a:cubicBezTo>
+                  <a:close/>
+                </a:path>
+              </a:pathLst>
+            </a:custGeom>
+            <a:solidFill>
+              <a:schemeClr val="accent1"/>
+            </a:solidFill>
+            <a:ln>
+              <a:noFill/>
+            </a:ln>
+          </p:spPr>
+          <p:txBody>
+            <a:bodyPr spcFirstLastPara="1" wrap="square" lIns="91425" tIns="45700" rIns="91425" bIns="45700" anchor="t" anchorCtr="0">
+              <a:noAutofit/>
+            </a:bodyPr>
+            <a:lstStyle/>
+            <a:p>
+              <a:pPr marL="0" marR="0" lvl="0" indent="0" algn="l" rtl="0">
+                <a:lnSpc>
+                  <a:spcPct val="100000"/>
+                </a:lnSpc>
+                <a:spcBef>
+                  <a:spcPts val="0"/>
+                </a:spcBef>
+                <a:spcAft>
+                  <a:spcPts val="0"/>
+                </a:spcAft>
+                <a:buClr>
+                  <a:srgbClr val="000000"/>
+                </a:buClr>
+                <a:buSzPts val="1800"/>
+                <a:buFont typeface="Arial"/>
+                <a:buNone/>
+              </a:pPr>
+              <a:endParaRPr lang="es-ES" sz="1800" b="0" i="0" u="none" strike="noStrike" cap="none">
+                <a:solidFill>
+                  <a:schemeClr val="dk1"/>
+                </a:solidFill>
+                <a:latin typeface="Lato"/>
+                <a:ea typeface="Lato"/>
+                <a:cs typeface="Lato"/>
+                <a:sym typeface="Lato"/>
+              </a:endParaRPr>
+            </a:p>
+          </p:txBody>
+        </p:sp>
+        <p:sp>
+          <p:nvSpPr>
+            <p:cNvPr id="29" name="Google Shape;1708;p34">
+              <a:extLst>
+                <a:ext uri="{FF2B5EF4-FFF2-40B4-BE49-F238E27FC236}">
+                  <a16:creationId xmlns:a16="http://schemas.microsoft.com/office/drawing/2014/main" id="{3C71CE7D-5494-2B44-8294-8D75D58D7B02}"/>
+                </a:ext>
+              </a:extLst>
+            </p:cNvPr>
+            <p:cNvSpPr/>
+            <p:nvPr/>
+          </p:nvSpPr>
+          <p:spPr>
+            <a:xfrm>
+              <a:off x="10067925" y="1198563"/>
+              <a:ext cx="44450" cy="90488"/>
+            </a:xfrm>
+            <a:custGeom>
+              <a:avLst/>
+              <a:gdLst/>
+              <a:ahLst/>
+              <a:cxnLst/>
+              <a:rect l="l" t="t" r="r" b="b"/>
+              <a:pathLst>
+                <a:path w="12" h="24" extrusionOk="0">
+                  <a:moveTo>
+                    <a:pt x="9" y="0"/>
+                  </a:moveTo>
+                  <a:cubicBezTo>
+                    <a:pt x="3" y="0"/>
+                    <a:pt x="3" y="0"/>
+                    <a:pt x="3" y="0"/>
+                  </a:cubicBezTo>
+                  <a:cubicBezTo>
+                    <a:pt x="1" y="0"/>
+                    <a:pt x="0" y="1"/>
+                    <a:pt x="0" y="3"/>
+                  </a:cubicBezTo>
+                  <a:cubicBezTo>
+                    <a:pt x="0" y="21"/>
+                    <a:pt x="0" y="21"/>
+                    <a:pt x="0" y="21"/>
+                  </a:cubicBezTo>
+                  <a:cubicBezTo>
+                    <a:pt x="0" y="22"/>
+                    <a:pt x="1" y="24"/>
+                    <a:pt x="3" y="24"/>
+                  </a:cubicBezTo>
+                  <a:cubicBezTo>
+                    <a:pt x="9" y="24"/>
+                    <a:pt x="9" y="24"/>
+                    <a:pt x="9" y="24"/>
+                  </a:cubicBezTo>
+                  <a:cubicBezTo>
+                    <a:pt x="11" y="24"/>
+                    <a:pt x="12" y="22"/>
+                    <a:pt x="12" y="21"/>
+                  </a:cubicBezTo>
+                  <a:cubicBezTo>
+                    <a:pt x="12" y="3"/>
+                    <a:pt x="12" y="3"/>
+                    <a:pt x="12" y="3"/>
+                  </a:cubicBezTo>
+                  <a:cubicBezTo>
+                    <a:pt x="12" y="1"/>
+                    <a:pt x="11" y="0"/>
+                    <a:pt x="9" y="0"/>
+                  </a:cubicBezTo>
+                  <a:close/>
+                </a:path>
+              </a:pathLst>
+            </a:custGeom>
+            <a:solidFill>
+              <a:schemeClr val="accent1"/>
+            </a:solidFill>
+            <a:ln>
+              <a:noFill/>
+            </a:ln>
+          </p:spPr>
+          <p:txBody>
+            <a:bodyPr spcFirstLastPara="1" wrap="square" lIns="91425" tIns="45700" rIns="91425" bIns="45700" anchor="t" anchorCtr="0">
+              <a:noAutofit/>
+            </a:bodyPr>
+            <a:lstStyle/>
+            <a:p>
+              <a:pPr marL="0" marR="0" lvl="0" indent="0" algn="l" rtl="0">
+                <a:lnSpc>
+                  <a:spcPct val="100000"/>
+                </a:lnSpc>
+                <a:spcBef>
+                  <a:spcPts val="0"/>
+                </a:spcBef>
+                <a:spcAft>
+                  <a:spcPts val="0"/>
+                </a:spcAft>
+                <a:buClr>
+                  <a:srgbClr val="000000"/>
+                </a:buClr>
+                <a:buSzPts val="1800"/>
+                <a:buFont typeface="Arial"/>
+                <a:buNone/>
+              </a:pPr>
+              <a:endParaRPr lang="es-ES" sz="1800" b="0" i="0" u="none" strike="noStrike" cap="none">
+                <a:solidFill>
+                  <a:schemeClr val="dk1"/>
+                </a:solidFill>
+                <a:latin typeface="Lato"/>
+                <a:ea typeface="Lato"/>
+                <a:cs typeface="Lato"/>
+                <a:sym typeface="Lato"/>
+              </a:endParaRPr>
+            </a:p>
+          </p:txBody>
+        </p:sp>
+        <p:sp>
+          <p:nvSpPr>
+            <p:cNvPr id="30" name="Google Shape;1709;p34">
+              <a:extLst>
+                <a:ext uri="{FF2B5EF4-FFF2-40B4-BE49-F238E27FC236}">
+                  <a16:creationId xmlns:a16="http://schemas.microsoft.com/office/drawing/2014/main" id="{5FA2E3B1-CE33-394B-B2AB-4A8104AD0977}"/>
+                </a:ext>
+              </a:extLst>
+            </p:cNvPr>
+            <p:cNvSpPr/>
+            <p:nvPr/>
+          </p:nvSpPr>
+          <p:spPr>
+            <a:xfrm>
+              <a:off x="10218738" y="1106488"/>
+              <a:ext cx="44450" cy="182563"/>
+            </a:xfrm>
+            <a:custGeom>
+              <a:avLst/>
+              <a:gdLst/>
+              <a:ahLst/>
+              <a:cxnLst/>
+              <a:rect l="l" t="t" r="r" b="b"/>
+              <a:pathLst>
+                <a:path w="12" h="48" extrusionOk="0">
+                  <a:moveTo>
+                    <a:pt x="9" y="0"/>
+                  </a:moveTo>
+                  <a:cubicBezTo>
+                    <a:pt x="3" y="0"/>
+                    <a:pt x="3" y="0"/>
+                    <a:pt x="3" y="0"/>
+                  </a:cubicBezTo>
+                  <a:cubicBezTo>
+                    <a:pt x="1" y="0"/>
+                    <a:pt x="0" y="1"/>
+                    <a:pt x="0" y="3"/>
+                  </a:cubicBezTo>
+                  <a:cubicBezTo>
+                    <a:pt x="0" y="45"/>
+                    <a:pt x="0" y="45"/>
+                    <a:pt x="0" y="45"/>
+                  </a:cubicBezTo>
+                  <a:cubicBezTo>
+                    <a:pt x="0" y="47"/>
+                    <a:pt x="1" y="48"/>
+                    <a:pt x="3" y="48"/>
+                  </a:cubicBezTo>
+                  <a:cubicBezTo>
+                    <a:pt x="9" y="48"/>
+                    <a:pt x="9" y="48"/>
+                    <a:pt x="9" y="48"/>
+                  </a:cubicBezTo>
+                  <a:cubicBezTo>
+                    <a:pt x="11" y="48"/>
+                    <a:pt x="12" y="47"/>
+                    <a:pt x="12" y="45"/>
+                  </a:cubicBezTo>
+                  <a:cubicBezTo>
+                    <a:pt x="12" y="3"/>
+                    <a:pt x="12" y="3"/>
+                    <a:pt x="12" y="3"/>
+                  </a:cubicBezTo>
+                  <a:cubicBezTo>
+                    <a:pt x="12" y="1"/>
+                    <a:pt x="11" y="0"/>
+                    <a:pt x="9" y="0"/>
+                  </a:cubicBezTo>
+                  <a:close/>
+                </a:path>
+              </a:pathLst>
+            </a:custGeom>
+            <a:solidFill>
+              <a:schemeClr val="accent1"/>
+            </a:solidFill>
+            <a:ln>
+              <a:noFill/>
+            </a:ln>
+          </p:spPr>
+          <p:txBody>
+            <a:bodyPr spcFirstLastPara="1" wrap="square" lIns="91425" tIns="45700" rIns="91425" bIns="45700" anchor="t" anchorCtr="0">
+              <a:noAutofit/>
+            </a:bodyPr>
+            <a:lstStyle/>
+            <a:p>
+              <a:pPr marL="0" marR="0" lvl="0" indent="0" algn="l" rtl="0">
+                <a:lnSpc>
+                  <a:spcPct val="100000"/>
+                </a:lnSpc>
+                <a:spcBef>
+                  <a:spcPts val="0"/>
+                </a:spcBef>
+                <a:spcAft>
+                  <a:spcPts val="0"/>
+                </a:spcAft>
+                <a:buClr>
+                  <a:srgbClr val="000000"/>
+                </a:buClr>
+                <a:buSzPts val="1800"/>
+                <a:buFont typeface="Arial"/>
+                <a:buNone/>
+              </a:pPr>
+              <a:endParaRPr lang="es-ES" sz="1800" b="0" i="0" u="none" strike="noStrike" cap="none">
+                <a:solidFill>
+                  <a:schemeClr val="dk1"/>
+                </a:solidFill>
+                <a:latin typeface="Lato"/>
+                <a:ea typeface="Lato"/>
+                <a:cs typeface="Lato"/>
+                <a:sym typeface="Lato"/>
+              </a:endParaRPr>
+            </a:p>
+          </p:txBody>
+        </p:sp>
+        <p:sp>
+          <p:nvSpPr>
+            <p:cNvPr id="31" name="Google Shape;1710;p34">
+              <a:extLst>
+                <a:ext uri="{FF2B5EF4-FFF2-40B4-BE49-F238E27FC236}">
+                  <a16:creationId xmlns:a16="http://schemas.microsoft.com/office/drawing/2014/main" id="{D578F2F1-FA6A-1440-84F4-7CF016D9866C}"/>
+                </a:ext>
+              </a:extLst>
+            </p:cNvPr>
+            <p:cNvSpPr/>
+            <p:nvPr/>
+          </p:nvSpPr>
+          <p:spPr>
+            <a:xfrm>
+              <a:off x="10142538" y="1166813"/>
+              <a:ext cx="46037" cy="122238"/>
+            </a:xfrm>
+            <a:custGeom>
+              <a:avLst/>
+              <a:gdLst/>
+              <a:ahLst/>
+              <a:cxnLst/>
+              <a:rect l="l" t="t" r="r" b="b"/>
+              <a:pathLst>
+                <a:path w="12" h="32" extrusionOk="0">
+                  <a:moveTo>
+                    <a:pt x="9" y="0"/>
+                  </a:moveTo>
+                  <a:cubicBezTo>
+                    <a:pt x="3" y="0"/>
+                    <a:pt x="3" y="0"/>
+                    <a:pt x="3" y="0"/>
+                  </a:cubicBezTo>
+                  <a:cubicBezTo>
+                    <a:pt x="1" y="0"/>
+                    <a:pt x="0" y="1"/>
+                    <a:pt x="0" y="3"/>
+                  </a:cubicBezTo>
+                  <a:cubicBezTo>
+                    <a:pt x="0" y="29"/>
+                    <a:pt x="0" y="29"/>
+                    <a:pt x="0" y="29"/>
+                  </a:cubicBezTo>
+                  <a:cubicBezTo>
+                    <a:pt x="0" y="31"/>
+                    <a:pt x="1" y="32"/>
+                    <a:pt x="3" y="32"/>
+                  </a:cubicBezTo>
+                  <a:cubicBezTo>
+                    <a:pt x="9" y="32"/>
+                    <a:pt x="9" y="32"/>
+                    <a:pt x="9" y="32"/>
+                  </a:cubicBezTo>
+                  <a:cubicBezTo>
+                    <a:pt x="11" y="32"/>
+                    <a:pt x="12" y="31"/>
+                    <a:pt x="12" y="29"/>
+                  </a:cubicBezTo>
+                  <a:cubicBezTo>
+                    <a:pt x="12" y="3"/>
+                    <a:pt x="12" y="3"/>
+                    <a:pt x="12" y="3"/>
+                  </a:cubicBezTo>
+                  <a:cubicBezTo>
+                    <a:pt x="12" y="1"/>
+                    <a:pt x="11" y="0"/>
+                    <a:pt x="9" y="0"/>
+                  </a:cubicBezTo>
+                  <a:close/>
+                </a:path>
+              </a:pathLst>
+            </a:custGeom>
+            <a:solidFill>
+              <a:schemeClr val="accent1"/>
+            </a:solidFill>
+            <a:ln>
+              <a:noFill/>
+            </a:ln>
+          </p:spPr>
+          <p:txBody>
+            <a:bodyPr spcFirstLastPara="1" wrap="square" lIns="91425" tIns="45700" rIns="91425" bIns="45700" anchor="t" anchorCtr="0">
+              <a:noAutofit/>
+            </a:bodyPr>
+            <a:lstStyle/>
+            <a:p>
+              <a:pPr marL="0" marR="0" lvl="0" indent="0" algn="l" rtl="0">
+                <a:lnSpc>
+                  <a:spcPct val="100000"/>
+                </a:lnSpc>
+                <a:spcBef>
+                  <a:spcPts val="0"/>
+                </a:spcBef>
+                <a:spcAft>
+                  <a:spcPts val="0"/>
+                </a:spcAft>
+                <a:buClr>
+                  <a:srgbClr val="000000"/>
+                </a:buClr>
+                <a:buSzPts val="1800"/>
+                <a:buFont typeface="Arial"/>
+                <a:buNone/>
+              </a:pPr>
+              <a:endParaRPr lang="es-ES" sz="1800" b="0" i="0" u="none" strike="noStrike" cap="none">
+                <a:solidFill>
+                  <a:schemeClr val="dk1"/>
+                </a:solidFill>
+                <a:latin typeface="Lato"/>
+                <a:ea typeface="Lato"/>
+                <a:cs typeface="Lato"/>
+                <a:sym typeface="Lato"/>
+              </a:endParaRPr>
+            </a:p>
+          </p:txBody>
+        </p:sp>
+        <p:sp>
+          <p:nvSpPr>
+            <p:cNvPr id="32" name="Google Shape;1711;p34">
+              <a:extLst>
+                <a:ext uri="{FF2B5EF4-FFF2-40B4-BE49-F238E27FC236}">
+                  <a16:creationId xmlns:a16="http://schemas.microsoft.com/office/drawing/2014/main" id="{A4EECC77-9412-8943-BBB8-8431FCD4CC31}"/>
+                </a:ext>
+              </a:extLst>
+            </p:cNvPr>
+            <p:cNvSpPr/>
+            <p:nvPr/>
+          </p:nvSpPr>
+          <p:spPr>
+            <a:xfrm>
+              <a:off x="9991725" y="1136651"/>
+              <a:ext cx="46037" cy="152400"/>
+            </a:xfrm>
+            <a:custGeom>
+              <a:avLst/>
+              <a:gdLst/>
+              <a:ahLst/>
+              <a:cxnLst/>
+              <a:rect l="l" t="t" r="r" b="b"/>
+              <a:pathLst>
+                <a:path w="12" h="40" extrusionOk="0">
+                  <a:moveTo>
+                    <a:pt x="9" y="0"/>
+                  </a:moveTo>
+                  <a:cubicBezTo>
+                    <a:pt x="3" y="0"/>
+                    <a:pt x="3" y="0"/>
+                    <a:pt x="3" y="0"/>
+                  </a:cubicBezTo>
+                  <a:cubicBezTo>
+                    <a:pt x="1" y="0"/>
+                    <a:pt x="0" y="1"/>
+                    <a:pt x="0" y="3"/>
+                  </a:cubicBezTo>
+                  <a:cubicBezTo>
+                    <a:pt x="0" y="37"/>
+                    <a:pt x="0" y="37"/>
+                    <a:pt x="0" y="37"/>
+                  </a:cubicBezTo>
+                  <a:cubicBezTo>
+                    <a:pt x="0" y="39"/>
+                    <a:pt x="1" y="40"/>
+                    <a:pt x="3" y="40"/>
+                  </a:cubicBezTo>
+                  <a:cubicBezTo>
+                    <a:pt x="9" y="40"/>
+                    <a:pt x="9" y="40"/>
+                    <a:pt x="9" y="40"/>
+                  </a:cubicBezTo>
+                  <a:cubicBezTo>
+                    <a:pt x="11" y="40"/>
+                    <a:pt x="12" y="39"/>
+                    <a:pt x="12" y="37"/>
+                  </a:cubicBezTo>
+                  <a:cubicBezTo>
+                    <a:pt x="12" y="3"/>
+                    <a:pt x="12" y="3"/>
+                    <a:pt x="12" y="3"/>
+                  </a:cubicBezTo>
+                  <a:cubicBezTo>
+                    <a:pt x="12" y="1"/>
+                    <a:pt x="11" y="0"/>
+                    <a:pt x="9" y="0"/>
+                  </a:cubicBezTo>
+                  <a:close/>
+                </a:path>
+              </a:pathLst>
+            </a:custGeom>
+            <a:solidFill>
+              <a:schemeClr val="accent1"/>
+            </a:solidFill>
+            <a:ln>
+              <a:noFill/>
+            </a:ln>
+          </p:spPr>
+          <p:txBody>
+            <a:bodyPr spcFirstLastPara="1" wrap="square" lIns="91425" tIns="45700" rIns="91425" bIns="45700" anchor="t" anchorCtr="0">
+              <a:noAutofit/>
+            </a:bodyPr>
+            <a:lstStyle/>
+            <a:p>
+              <a:pPr marL="0" marR="0" lvl="0" indent="0" algn="l" rtl="0">
+                <a:lnSpc>
+                  <a:spcPct val="100000"/>
+                </a:lnSpc>
+                <a:spcBef>
+                  <a:spcPts val="0"/>
+                </a:spcBef>
+                <a:spcAft>
+                  <a:spcPts val="0"/>
+                </a:spcAft>
+                <a:buClr>
+                  <a:srgbClr val="000000"/>
+                </a:buClr>
+                <a:buSzPts val="1800"/>
+                <a:buFont typeface="Arial"/>
+                <a:buNone/>
+              </a:pPr>
+              <a:endParaRPr lang="es-ES" sz="1800" b="0" i="0" u="none" strike="noStrike" cap="none">
+                <a:solidFill>
+                  <a:schemeClr val="dk1"/>
+                </a:solidFill>
+                <a:latin typeface="Lato"/>
+                <a:ea typeface="Lato"/>
+                <a:cs typeface="Lato"/>
+                <a:sym typeface="Lato"/>
+              </a:endParaRPr>
+            </a:p>
+          </p:txBody>
+        </p:sp>
+      </p:grpSp>
+      <p:sp>
+        <p:nvSpPr>
+          <p:cNvPr id="56" name="Google Shape;1687;p34">
+            <a:extLst>
+              <a:ext uri="{FF2B5EF4-FFF2-40B4-BE49-F238E27FC236}">
+                <a16:creationId xmlns:a16="http://schemas.microsoft.com/office/drawing/2014/main" id="{5DCE7E4E-8DC0-5546-A466-9A464D9EC58E}"/>
+              </a:ext>
+            </a:extLst>
+          </p:cNvPr>
+          <p:cNvSpPr txBox="1"/>
+          <p:nvPr/>
+        </p:nvSpPr>
+        <p:spPr>
+          <a:xfrm>
+            <a:off x="6105733" y="2072748"/>
+            <a:ext cx="2107949" cy="307777"/>
+          </a:xfrm>
+          <a:prstGeom prst="rect">
+            <a:avLst/>
+          </a:prstGeom>
+          <a:noFill/>
+          <a:ln>
+            <a:noFill/>
+          </a:ln>
+        </p:spPr>
+        <p:txBody>
+          <a:bodyPr spcFirstLastPara="1" wrap="none" lIns="0" tIns="0" rIns="0" bIns="0" anchor="t" anchorCtr="0">
+            <a:spAutoFit/>
+          </a:bodyPr>
+          <a:lstStyle/>
+          <a:p>
+            <a:pPr marL="0" marR="0" lvl="0" indent="0" algn="l" rtl="0">
+              <a:spcBef>
+                <a:spcPts val="0"/>
+              </a:spcBef>
+              <a:spcAft>
+                <a:spcPts val="0"/>
+              </a:spcAft>
+              <a:buClr>
+                <a:srgbClr val="000000"/>
+              </a:buClr>
+              <a:buSzPts val="3200"/>
+              <a:buFont typeface="Arial"/>
+              <a:buNone/>
+            </a:pPr>
+            <a:r>
+              <a:rPr lang="es-ES" sz="2000" b="1" i="0" u="none" strike="noStrike" cap="none" dirty="0">
+                <a:solidFill>
+                  <a:schemeClr val="accent1"/>
+                </a:solidFill>
+                <a:latin typeface="+mj-lt"/>
+                <a:ea typeface="Helvetica Neue"/>
+                <a:cs typeface="Helvetica Neue"/>
+                <a:sym typeface="Helvetica Neue"/>
+              </a:rPr>
+              <a:t>Steps en Gherkin</a:t>
+            </a:r>
+          </a:p>
+        </p:txBody>
+      </p:sp>
+      <p:grpSp>
+        <p:nvGrpSpPr>
+          <p:cNvPr id="67" name="Grupo 66">
+            <a:extLst>
+              <a:ext uri="{FF2B5EF4-FFF2-40B4-BE49-F238E27FC236}">
+                <a16:creationId xmlns:a16="http://schemas.microsoft.com/office/drawing/2014/main" id="{AE40AF43-F13D-6F40-B933-8AA06E8F5381}"/>
+              </a:ext>
+            </a:extLst>
+          </p:cNvPr>
+          <p:cNvGrpSpPr/>
+          <p:nvPr/>
+        </p:nvGrpSpPr>
+        <p:grpSpPr>
+          <a:xfrm>
+            <a:off x="1371600" y="0"/>
+            <a:ext cx="7010400" cy="6853670"/>
+            <a:chOff x="1371600" y="0"/>
+            <a:chExt cx="7010400" cy="6853670"/>
+          </a:xfrm>
+        </p:grpSpPr>
+        <p:cxnSp>
+          <p:nvCxnSpPr>
+            <p:cNvPr id="33" name="Google Shape;1676;p34">
+              <a:extLst>
+                <a:ext uri="{FF2B5EF4-FFF2-40B4-BE49-F238E27FC236}">
+                  <a16:creationId xmlns:a16="http://schemas.microsoft.com/office/drawing/2014/main" id="{C1FEF895-7D76-1445-B4FC-2E77909F641C}"/>
+                </a:ext>
+              </a:extLst>
+            </p:cNvPr>
+            <p:cNvCxnSpPr>
+              <a:cxnSpLocks/>
+            </p:cNvCxnSpPr>
+            <p:nvPr/>
+          </p:nvCxnSpPr>
+          <p:spPr>
+            <a:xfrm>
+              <a:off x="5162287" y="0"/>
+              <a:ext cx="12434" cy="2096427"/>
+            </a:xfrm>
+            <a:prstGeom prst="straightConnector1">
+              <a:avLst/>
+            </a:prstGeom>
+            <a:noFill/>
+            <a:ln w="63500" cap="flat" cmpd="sng">
+              <a:solidFill>
+                <a:srgbClr val="8E7CC3"/>
+              </a:solidFill>
+              <a:prstDash val="solid"/>
+              <a:miter lim="800000"/>
+              <a:headEnd type="none" w="sm" len="sm"/>
+              <a:tailEnd type="none" w="sm" len="sm"/>
+            </a:ln>
+          </p:spPr>
+        </p:cxnSp>
+        <p:cxnSp>
+          <p:nvCxnSpPr>
+            <p:cNvPr id="37" name="Google Shape;1676;p34">
+              <a:extLst>
+                <a:ext uri="{FF2B5EF4-FFF2-40B4-BE49-F238E27FC236}">
+                  <a16:creationId xmlns:a16="http://schemas.microsoft.com/office/drawing/2014/main" id="{7DDE9BDE-E2DF-4C4D-8C02-A6165983A1BB}"/>
+                </a:ext>
+              </a:extLst>
+            </p:cNvPr>
+            <p:cNvCxnSpPr>
+              <a:cxnSpLocks/>
+            </p:cNvCxnSpPr>
+            <p:nvPr/>
+          </p:nvCxnSpPr>
+          <p:spPr>
+            <a:xfrm flipH="1">
+              <a:off x="5151771" y="3419191"/>
+              <a:ext cx="1" cy="1058296"/>
+            </a:xfrm>
+            <a:prstGeom prst="straightConnector1">
+              <a:avLst/>
+            </a:prstGeom>
+            <a:noFill/>
+            <a:ln w="63500" cap="flat" cmpd="sng">
+              <a:solidFill>
+                <a:srgbClr val="8E7CC3"/>
+              </a:solidFill>
+              <a:prstDash val="solid"/>
+              <a:miter lim="800000"/>
+              <a:headEnd type="none" w="sm" len="sm"/>
+              <a:tailEnd type="none" w="sm" len="sm"/>
+            </a:ln>
+          </p:spPr>
+        </p:cxnSp>
+        <p:cxnSp>
+          <p:nvCxnSpPr>
+            <p:cNvPr id="42" name="Google Shape;1676;p34">
+              <a:extLst>
+                <a:ext uri="{FF2B5EF4-FFF2-40B4-BE49-F238E27FC236}">
+                  <a16:creationId xmlns:a16="http://schemas.microsoft.com/office/drawing/2014/main" id="{C36E82EA-2EF0-3548-9750-997D68F4F378}"/>
+                </a:ext>
+              </a:extLst>
+            </p:cNvPr>
+            <p:cNvCxnSpPr>
+              <a:cxnSpLocks/>
+            </p:cNvCxnSpPr>
+            <p:nvPr/>
+          </p:nvCxnSpPr>
+          <p:spPr>
+            <a:xfrm>
+              <a:off x="8351440" y="6660152"/>
+              <a:ext cx="0" cy="193518"/>
+            </a:xfrm>
+            <a:prstGeom prst="straightConnector1">
+              <a:avLst/>
+            </a:prstGeom>
+            <a:noFill/>
+            <a:ln w="63500" cap="flat" cmpd="sng">
+              <a:solidFill>
+                <a:srgbClr val="8E7CC3"/>
+              </a:solidFill>
+              <a:prstDash val="solid"/>
+              <a:miter lim="800000"/>
+              <a:headEnd type="none" w="sm" len="sm"/>
+              <a:tailEnd type="none" w="sm" len="sm"/>
+            </a:ln>
+          </p:spPr>
+        </p:cxnSp>
+        <p:cxnSp>
+          <p:nvCxnSpPr>
+            <p:cNvPr id="48" name="Conector angular 47">
+              <a:extLst>
+                <a:ext uri="{FF2B5EF4-FFF2-40B4-BE49-F238E27FC236}">
+                  <a16:creationId xmlns:a16="http://schemas.microsoft.com/office/drawing/2014/main" id="{D659C3FF-94AD-EF48-B5AD-FA1889ABC6DB}"/>
+                </a:ext>
+              </a:extLst>
+            </p:cNvPr>
+            <p:cNvCxnSpPr>
+              <a:cxnSpLocks/>
+            </p:cNvCxnSpPr>
+            <p:nvPr/>
+          </p:nvCxnSpPr>
+          <p:spPr>
+            <a:xfrm>
+              <a:off x="5122827" y="5812963"/>
+              <a:ext cx="3259173" cy="847189"/>
+            </a:xfrm>
+            <a:prstGeom prst="bentConnector3">
+              <a:avLst>
+                <a:gd name="adj1" fmla="val 819"/>
+              </a:avLst>
+            </a:prstGeom>
+            <a:ln w="57150">
+              <a:solidFill>
+                <a:schemeClr val="accent6"/>
+              </a:solidFill>
+            </a:ln>
+          </p:spPr>
+          <p:style>
+            <a:lnRef idx="1">
+              <a:schemeClr val="accent1"/>
+            </a:lnRef>
+            <a:fillRef idx="0">
+              <a:schemeClr val="accent1"/>
+            </a:fillRef>
+            <a:effectRef idx="0">
+              <a:schemeClr val="accent1"/>
+            </a:effectRef>
+            <a:fontRef idx="minor">
+              <a:schemeClr val="tx1"/>
+            </a:fontRef>
+          </p:style>
+        </p:cxnSp>
+        <p:grpSp>
+          <p:nvGrpSpPr>
+            <p:cNvPr id="5" name="Google Shape;1677;p34">
+              <a:extLst>
+                <a:ext uri="{FF2B5EF4-FFF2-40B4-BE49-F238E27FC236}">
+                  <a16:creationId xmlns:a16="http://schemas.microsoft.com/office/drawing/2014/main" id="{3C3E6309-5925-8C4C-BB34-C9A75AE1714F}"/>
+                </a:ext>
+              </a:extLst>
+            </p:cNvPr>
+            <p:cNvGrpSpPr/>
+            <p:nvPr/>
+          </p:nvGrpSpPr>
+          <p:grpSpPr>
+            <a:xfrm rot="1800000">
+              <a:off x="4418243" y="1984345"/>
+              <a:ext cx="1430338" cy="1597025"/>
+              <a:chOff x="3301314" y="1624591"/>
+              <a:chExt cx="1430338" cy="1597025"/>
+            </a:xfrm>
+          </p:grpSpPr>
+          <p:sp>
+            <p:nvSpPr>
+              <p:cNvPr id="6" name="Google Shape;1678;p34">
+                <a:extLst>
+                  <a:ext uri="{FF2B5EF4-FFF2-40B4-BE49-F238E27FC236}">
+                    <a16:creationId xmlns:a16="http://schemas.microsoft.com/office/drawing/2014/main" id="{9109CAEC-1FE4-8441-B588-0840149AAB92}"/>
+                  </a:ext>
+                </a:extLst>
+              </p:cNvPr>
+              <p:cNvSpPr/>
+              <p:nvPr/>
+            </p:nvSpPr>
+            <p:spPr>
+              <a:xfrm>
+                <a:off x="3301314" y="1624591"/>
+                <a:ext cx="1430338" cy="1597025"/>
+              </a:xfrm>
+              <a:custGeom>
+                <a:avLst/>
+                <a:gdLst/>
+                <a:ahLst/>
+                <a:cxnLst/>
+                <a:rect l="l" t="t" r="r" b="b"/>
+                <a:pathLst>
+                  <a:path w="551" h="615" extrusionOk="0">
+                    <a:moveTo>
+                      <a:pt x="275" y="615"/>
+                    </a:moveTo>
+                    <a:cubicBezTo>
+                      <a:pt x="262" y="615"/>
+                      <a:pt x="249" y="612"/>
+                      <a:pt x="237" y="605"/>
+                    </a:cubicBezTo>
+                    <a:cubicBezTo>
+                      <a:pt x="38" y="490"/>
+                      <a:pt x="38" y="490"/>
+                      <a:pt x="38" y="490"/>
+                    </a:cubicBezTo>
+                    <a:cubicBezTo>
+                      <a:pt x="15" y="477"/>
+                      <a:pt x="0" y="451"/>
+                      <a:pt x="0" y="424"/>
+                    </a:cubicBezTo>
+                    <a:cubicBezTo>
+                      <a:pt x="0" y="194"/>
+                      <a:pt x="0" y="194"/>
+                      <a:pt x="0" y="194"/>
+                    </a:cubicBezTo>
+                    <a:cubicBezTo>
+                      <a:pt x="0" y="167"/>
+                      <a:pt x="15" y="142"/>
+                      <a:pt x="38" y="128"/>
+                    </a:cubicBezTo>
+                    <a:cubicBezTo>
+                      <a:pt x="237" y="13"/>
+                      <a:pt x="237" y="13"/>
+                      <a:pt x="237" y="13"/>
+                    </a:cubicBezTo>
+                    <a:cubicBezTo>
+                      <a:pt x="261" y="0"/>
+                      <a:pt x="290" y="0"/>
+                      <a:pt x="313" y="13"/>
+                    </a:cubicBezTo>
+                    <a:cubicBezTo>
+                      <a:pt x="513" y="128"/>
+                      <a:pt x="513" y="128"/>
+                      <a:pt x="513" y="128"/>
+                    </a:cubicBezTo>
+                    <a:cubicBezTo>
+                      <a:pt x="536" y="142"/>
+                      <a:pt x="551" y="167"/>
+                      <a:pt x="551" y="194"/>
+                    </a:cubicBezTo>
+                    <a:cubicBezTo>
+                      <a:pt x="551" y="424"/>
+                      <a:pt x="551" y="424"/>
+                      <a:pt x="551" y="424"/>
+                    </a:cubicBezTo>
+                    <a:cubicBezTo>
+                      <a:pt x="551" y="451"/>
+                      <a:pt x="536" y="477"/>
+                      <a:pt x="513" y="490"/>
+                    </a:cubicBezTo>
+                    <a:cubicBezTo>
+                      <a:pt x="313" y="605"/>
+                      <a:pt x="313" y="605"/>
+                      <a:pt x="313" y="605"/>
+                    </a:cubicBezTo>
+                    <a:cubicBezTo>
+                      <a:pt x="302" y="612"/>
+                      <a:pt x="289" y="615"/>
+                      <a:pt x="275" y="615"/>
+                    </a:cubicBezTo>
+                    <a:close/>
+                    <a:moveTo>
+                      <a:pt x="275" y="43"/>
+                    </a:moveTo>
+                    <a:cubicBezTo>
+                      <a:pt x="269" y="43"/>
+                      <a:pt x="263" y="45"/>
+                      <a:pt x="257" y="48"/>
+                    </a:cubicBezTo>
+                    <a:cubicBezTo>
+                      <a:pt x="58" y="163"/>
+                      <a:pt x="58" y="163"/>
+                      <a:pt x="58" y="163"/>
+                    </a:cubicBezTo>
+                    <a:cubicBezTo>
+                      <a:pt x="47" y="169"/>
+                      <a:pt x="40" y="181"/>
+                      <a:pt x="40" y="194"/>
+                    </a:cubicBezTo>
+                    <a:cubicBezTo>
+                      <a:pt x="40" y="424"/>
+                      <a:pt x="40" y="424"/>
+                      <a:pt x="40" y="424"/>
+                    </a:cubicBezTo>
+                    <a:cubicBezTo>
+                      <a:pt x="40" y="437"/>
+                      <a:pt x="47" y="449"/>
+                      <a:pt x="58" y="455"/>
+                    </a:cubicBezTo>
+                    <a:cubicBezTo>
+                      <a:pt x="257" y="571"/>
+                      <a:pt x="257" y="571"/>
+                      <a:pt x="257" y="571"/>
+                    </a:cubicBezTo>
+                    <a:cubicBezTo>
+                      <a:pt x="269" y="577"/>
+                      <a:pt x="282" y="577"/>
+                      <a:pt x="293" y="571"/>
+                    </a:cubicBezTo>
+                    <a:cubicBezTo>
+                      <a:pt x="493" y="455"/>
+                      <a:pt x="493" y="455"/>
+                      <a:pt x="493" y="455"/>
+                    </a:cubicBezTo>
+                    <a:cubicBezTo>
+                      <a:pt x="504" y="449"/>
+                      <a:pt x="511" y="437"/>
+                      <a:pt x="511" y="424"/>
+                    </a:cubicBezTo>
+                    <a:cubicBezTo>
+                      <a:pt x="511" y="194"/>
+                      <a:pt x="511" y="194"/>
+                      <a:pt x="511" y="194"/>
+                    </a:cubicBezTo>
+                    <a:cubicBezTo>
+                      <a:pt x="511" y="181"/>
+                      <a:pt x="504" y="169"/>
+                      <a:pt x="493" y="163"/>
+                    </a:cubicBezTo>
+                    <a:cubicBezTo>
+                      <a:pt x="293" y="48"/>
+                      <a:pt x="293" y="48"/>
+                      <a:pt x="293" y="48"/>
+                    </a:cubicBezTo>
+                    <a:cubicBezTo>
+                      <a:pt x="288" y="45"/>
+                      <a:pt x="282" y="43"/>
+                      <a:pt x="275" y="43"/>
+                    </a:cubicBezTo>
+                    <a:close/>
+                  </a:path>
+                </a:pathLst>
+              </a:custGeom>
+              <a:solidFill>
+                <a:srgbClr val="F2F2F2"/>
+              </a:solidFill>
+              <a:ln>
+                <a:noFill/>
+              </a:ln>
+            </p:spPr>
+            <p:txBody>
+              <a:bodyPr spcFirstLastPara="1" wrap="square" lIns="91425" tIns="45700" rIns="91425" bIns="45700" anchor="t" anchorCtr="0">
+                <a:noAutofit/>
+              </a:bodyPr>
+              <a:lstStyle/>
+              <a:p>
+                <a:pPr marL="0" marR="0" lvl="0" indent="0" algn="l" rtl="0">
+                  <a:lnSpc>
+                    <a:spcPct val="100000"/>
+                  </a:lnSpc>
+                  <a:spcBef>
+                    <a:spcPts val="0"/>
+                  </a:spcBef>
+                  <a:spcAft>
+                    <a:spcPts val="0"/>
+                  </a:spcAft>
+                  <a:buClr>
+                    <a:srgbClr val="000000"/>
+                  </a:buClr>
+                  <a:buSzPts val="1800"/>
+                  <a:buFont typeface="Arial"/>
+                  <a:buNone/>
+                </a:pPr>
+                <a:endParaRPr lang="es-ES" sz="1800" b="0" i="0" u="none" strike="noStrike" cap="none">
+                  <a:solidFill>
+                    <a:schemeClr val="dk1"/>
+                  </a:solidFill>
+                  <a:latin typeface="Lato"/>
+                  <a:ea typeface="Lato"/>
+                  <a:cs typeface="Lato"/>
+                  <a:sym typeface="Lato"/>
+                </a:endParaRPr>
+              </a:p>
+            </p:txBody>
+          </p:sp>
+          <p:sp>
+            <p:nvSpPr>
+              <p:cNvPr id="7" name="Google Shape;1679;p34">
+                <a:extLst>
+                  <a:ext uri="{FF2B5EF4-FFF2-40B4-BE49-F238E27FC236}">
+                    <a16:creationId xmlns:a16="http://schemas.microsoft.com/office/drawing/2014/main" id="{E84C6117-CF45-8448-892F-196FC082CBBD}"/>
+                  </a:ext>
+                </a:extLst>
+              </p:cNvPr>
+              <p:cNvSpPr/>
+              <p:nvPr/>
+            </p:nvSpPr>
+            <p:spPr>
+              <a:xfrm>
+                <a:off x="4015689" y="1630941"/>
+                <a:ext cx="709613" cy="447675"/>
+              </a:xfrm>
+              <a:custGeom>
+                <a:avLst/>
+                <a:gdLst/>
+                <a:ahLst/>
+                <a:cxnLst/>
+                <a:rect l="l" t="t" r="r" b="b"/>
+                <a:pathLst>
+                  <a:path w="273" h="172" extrusionOk="0">
+                    <a:moveTo>
+                      <a:pt x="238" y="125"/>
+                    </a:moveTo>
+                    <a:cubicBezTo>
+                      <a:pt x="38" y="10"/>
+                      <a:pt x="38" y="10"/>
+                      <a:pt x="38" y="10"/>
+                    </a:cubicBezTo>
+                    <a:cubicBezTo>
+                      <a:pt x="27" y="3"/>
+                      <a:pt x="14" y="0"/>
+                      <a:pt x="0" y="0"/>
+                    </a:cubicBezTo>
+                    <a:cubicBezTo>
+                      <a:pt x="0" y="40"/>
+                      <a:pt x="0" y="40"/>
+                      <a:pt x="0" y="40"/>
+                    </a:cubicBezTo>
+                    <a:cubicBezTo>
+                      <a:pt x="7" y="40"/>
+                      <a:pt x="13" y="42"/>
+                      <a:pt x="18" y="45"/>
+                    </a:cubicBezTo>
+                    <a:cubicBezTo>
+                      <a:pt x="218" y="160"/>
+                      <a:pt x="218" y="160"/>
+                      <a:pt x="218" y="160"/>
+                    </a:cubicBezTo>
+                    <a:cubicBezTo>
+                      <a:pt x="223" y="163"/>
+                      <a:pt x="227" y="167"/>
+                      <a:pt x="230" y="172"/>
+                    </a:cubicBezTo>
+                    <a:cubicBezTo>
+                      <a:pt x="273" y="172"/>
+                      <a:pt x="273" y="172"/>
+                      <a:pt x="273" y="172"/>
+                    </a:cubicBezTo>
+                    <a:cubicBezTo>
+                      <a:pt x="268" y="153"/>
+                      <a:pt x="256" y="136"/>
+                      <a:pt x="238" y="125"/>
+                    </a:cubicBezTo>
+                    <a:close/>
+                  </a:path>
+                </a:pathLst>
+              </a:custGeom>
+              <a:solidFill>
+                <a:srgbClr val="00ABCB"/>
+              </a:solidFill>
+              <a:ln>
+                <a:noFill/>
+              </a:ln>
+            </p:spPr>
+            <p:txBody>
+              <a:bodyPr spcFirstLastPara="1" wrap="square" lIns="91425" tIns="45700" rIns="91425" bIns="45700" anchor="t" anchorCtr="0">
+                <a:noAutofit/>
+              </a:bodyPr>
+              <a:lstStyle/>
+              <a:p>
+                <a:pPr marL="0" marR="0" lvl="0" indent="0" algn="l" rtl="0">
+                  <a:lnSpc>
+                    <a:spcPct val="100000"/>
+                  </a:lnSpc>
+                  <a:spcBef>
+                    <a:spcPts val="0"/>
+                  </a:spcBef>
+                  <a:spcAft>
+                    <a:spcPts val="0"/>
+                  </a:spcAft>
+                  <a:buClr>
+                    <a:srgbClr val="000000"/>
+                  </a:buClr>
+                  <a:buSzPts val="1800"/>
+                  <a:buFont typeface="Arial"/>
+                  <a:buNone/>
+                </a:pPr>
+                <a:endParaRPr lang="es-ES" sz="1800" b="0" i="0" u="none" strike="noStrike" cap="none">
+                  <a:solidFill>
+                    <a:schemeClr val="dk1"/>
+                  </a:solidFill>
+                  <a:latin typeface="Lato"/>
+                  <a:ea typeface="Lato"/>
+                  <a:cs typeface="Lato"/>
+                  <a:sym typeface="Lato"/>
+                </a:endParaRPr>
+              </a:p>
+            </p:txBody>
+          </p:sp>
+        </p:grpSp>
+        <p:grpSp>
+          <p:nvGrpSpPr>
+            <p:cNvPr id="8" name="Google Shape;1681;p34">
+              <a:extLst>
+                <a:ext uri="{FF2B5EF4-FFF2-40B4-BE49-F238E27FC236}">
+                  <a16:creationId xmlns:a16="http://schemas.microsoft.com/office/drawing/2014/main" id="{6A8E8A34-C15A-AE42-97D7-44C54CB47F09}"/>
+                </a:ext>
+              </a:extLst>
+            </p:cNvPr>
+            <p:cNvGrpSpPr/>
+            <p:nvPr/>
+          </p:nvGrpSpPr>
+          <p:grpSpPr>
+            <a:xfrm rot="1800000">
+              <a:off x="4418242" y="4365405"/>
+              <a:ext cx="1430338" cy="1597025"/>
+              <a:chOff x="5222299" y="3972937"/>
+              <a:chExt cx="1430338" cy="1597025"/>
+            </a:xfrm>
+          </p:grpSpPr>
+          <p:sp>
+            <p:nvSpPr>
+              <p:cNvPr id="9" name="Google Shape;1682;p34">
+                <a:extLst>
+                  <a:ext uri="{FF2B5EF4-FFF2-40B4-BE49-F238E27FC236}">
+                    <a16:creationId xmlns:a16="http://schemas.microsoft.com/office/drawing/2014/main" id="{85298C6F-2115-2849-BD59-4430FE97D939}"/>
+                  </a:ext>
+                </a:extLst>
+              </p:cNvPr>
+              <p:cNvSpPr/>
+              <p:nvPr/>
+            </p:nvSpPr>
+            <p:spPr>
+              <a:xfrm>
+                <a:off x="5222299" y="3972937"/>
+                <a:ext cx="1430338" cy="1597025"/>
+              </a:xfrm>
+              <a:custGeom>
+                <a:avLst/>
+                <a:gdLst/>
+                <a:ahLst/>
+                <a:cxnLst/>
+                <a:rect l="l" t="t" r="r" b="b"/>
+                <a:pathLst>
+                  <a:path w="551" h="615" extrusionOk="0">
+                    <a:moveTo>
+                      <a:pt x="275" y="615"/>
+                    </a:moveTo>
+                    <a:cubicBezTo>
+                      <a:pt x="262" y="615"/>
+                      <a:pt x="249" y="612"/>
+                      <a:pt x="237" y="605"/>
+                    </a:cubicBezTo>
+                    <a:cubicBezTo>
+                      <a:pt x="38" y="490"/>
+                      <a:pt x="38" y="490"/>
+                      <a:pt x="38" y="490"/>
+                    </a:cubicBezTo>
+                    <a:cubicBezTo>
+                      <a:pt x="15" y="477"/>
+                      <a:pt x="0" y="451"/>
+                      <a:pt x="0" y="424"/>
+                    </a:cubicBezTo>
+                    <a:cubicBezTo>
+                      <a:pt x="0" y="194"/>
+                      <a:pt x="0" y="194"/>
+                      <a:pt x="0" y="194"/>
+                    </a:cubicBezTo>
+                    <a:cubicBezTo>
+                      <a:pt x="0" y="167"/>
+                      <a:pt x="15" y="142"/>
+                      <a:pt x="38" y="128"/>
+                    </a:cubicBezTo>
+                    <a:cubicBezTo>
+                      <a:pt x="237" y="13"/>
+                      <a:pt x="237" y="13"/>
+                      <a:pt x="237" y="13"/>
+                    </a:cubicBezTo>
+                    <a:cubicBezTo>
+                      <a:pt x="261" y="0"/>
+                      <a:pt x="290" y="0"/>
+                      <a:pt x="313" y="13"/>
+                    </a:cubicBezTo>
+                    <a:cubicBezTo>
+                      <a:pt x="513" y="128"/>
+                      <a:pt x="513" y="128"/>
+                      <a:pt x="513" y="128"/>
+                    </a:cubicBezTo>
+                    <a:cubicBezTo>
+                      <a:pt x="536" y="142"/>
+                      <a:pt x="551" y="167"/>
+                      <a:pt x="551" y="194"/>
+                    </a:cubicBezTo>
+                    <a:cubicBezTo>
+                      <a:pt x="551" y="424"/>
+                      <a:pt x="551" y="424"/>
+                      <a:pt x="551" y="424"/>
+                    </a:cubicBezTo>
+                    <a:cubicBezTo>
+                      <a:pt x="551" y="451"/>
+                      <a:pt x="536" y="477"/>
+                      <a:pt x="513" y="490"/>
+                    </a:cubicBezTo>
+                    <a:cubicBezTo>
+                      <a:pt x="313" y="605"/>
+                      <a:pt x="313" y="605"/>
+                      <a:pt x="313" y="605"/>
+                    </a:cubicBezTo>
+                    <a:cubicBezTo>
+                      <a:pt x="302" y="612"/>
+                      <a:pt x="289" y="615"/>
+                      <a:pt x="275" y="615"/>
+                    </a:cubicBezTo>
+                    <a:close/>
+                    <a:moveTo>
+                      <a:pt x="275" y="43"/>
+                    </a:moveTo>
+                    <a:cubicBezTo>
+                      <a:pt x="269" y="43"/>
+                      <a:pt x="263" y="45"/>
+                      <a:pt x="257" y="48"/>
+                    </a:cubicBezTo>
+                    <a:cubicBezTo>
+                      <a:pt x="58" y="163"/>
+                      <a:pt x="58" y="163"/>
+                      <a:pt x="58" y="163"/>
+                    </a:cubicBezTo>
+                    <a:cubicBezTo>
+                      <a:pt x="47" y="169"/>
+                      <a:pt x="40" y="181"/>
+                      <a:pt x="40" y="194"/>
+                    </a:cubicBezTo>
+                    <a:cubicBezTo>
+                      <a:pt x="40" y="424"/>
+                      <a:pt x="40" y="424"/>
+                      <a:pt x="40" y="424"/>
+                    </a:cubicBezTo>
+                    <a:cubicBezTo>
+                      <a:pt x="40" y="437"/>
+                      <a:pt x="47" y="449"/>
+                      <a:pt x="58" y="455"/>
+                    </a:cubicBezTo>
+                    <a:cubicBezTo>
+                      <a:pt x="257" y="571"/>
+                      <a:pt x="257" y="571"/>
+                      <a:pt x="257" y="571"/>
+                    </a:cubicBezTo>
+                    <a:cubicBezTo>
+                      <a:pt x="269" y="577"/>
+                      <a:pt x="282" y="577"/>
+                      <a:pt x="293" y="571"/>
+                    </a:cubicBezTo>
+                    <a:cubicBezTo>
+                      <a:pt x="493" y="455"/>
+                      <a:pt x="493" y="455"/>
+                      <a:pt x="493" y="455"/>
+                    </a:cubicBezTo>
+                    <a:cubicBezTo>
+                      <a:pt x="504" y="449"/>
+                      <a:pt x="511" y="437"/>
+                      <a:pt x="511" y="424"/>
+                    </a:cubicBezTo>
+                    <a:cubicBezTo>
+                      <a:pt x="511" y="194"/>
+                      <a:pt x="511" y="194"/>
+                      <a:pt x="511" y="194"/>
+                    </a:cubicBezTo>
+                    <a:cubicBezTo>
+                      <a:pt x="511" y="181"/>
+                      <a:pt x="504" y="169"/>
+                      <a:pt x="493" y="163"/>
+                    </a:cubicBezTo>
+                    <a:cubicBezTo>
+                      <a:pt x="293" y="48"/>
+                      <a:pt x="293" y="48"/>
+                      <a:pt x="293" y="48"/>
+                    </a:cubicBezTo>
+                    <a:cubicBezTo>
+                      <a:pt x="288" y="45"/>
+                      <a:pt x="282" y="43"/>
+                      <a:pt x="275" y="43"/>
+                    </a:cubicBezTo>
+                    <a:close/>
+                  </a:path>
+                </a:pathLst>
+              </a:custGeom>
+              <a:solidFill>
+                <a:srgbClr val="F2F2F2"/>
+              </a:solidFill>
+              <a:ln>
+                <a:noFill/>
+              </a:ln>
+            </p:spPr>
+            <p:txBody>
+              <a:bodyPr spcFirstLastPara="1" wrap="square" lIns="91425" tIns="45700" rIns="91425" bIns="45700" anchor="t" anchorCtr="0">
+                <a:noAutofit/>
+              </a:bodyPr>
+              <a:lstStyle/>
+              <a:p>
+                <a:pPr marL="0" marR="0" lvl="0" indent="0" algn="l" rtl="0">
+                  <a:lnSpc>
+                    <a:spcPct val="100000"/>
+                  </a:lnSpc>
+                  <a:spcBef>
+                    <a:spcPts val="0"/>
+                  </a:spcBef>
+                  <a:spcAft>
+                    <a:spcPts val="0"/>
+                  </a:spcAft>
+                  <a:buClr>
+                    <a:srgbClr val="000000"/>
+                  </a:buClr>
+                  <a:buSzPts val="1800"/>
+                  <a:buFont typeface="Arial"/>
+                  <a:buNone/>
+                </a:pPr>
+                <a:endParaRPr lang="es-ES" sz="1800" b="0" i="0" u="none" strike="noStrike" cap="none">
+                  <a:solidFill>
+                    <a:schemeClr val="dk1"/>
+                  </a:solidFill>
+                  <a:latin typeface="Lato"/>
+                  <a:ea typeface="Lato"/>
+                  <a:cs typeface="Lato"/>
+                  <a:sym typeface="Lato"/>
+                </a:endParaRPr>
+              </a:p>
+            </p:txBody>
+          </p:sp>
+          <p:sp>
+            <p:nvSpPr>
+              <p:cNvPr id="10" name="Google Shape;1683;p34">
+                <a:extLst>
+                  <a:ext uri="{FF2B5EF4-FFF2-40B4-BE49-F238E27FC236}">
+                    <a16:creationId xmlns:a16="http://schemas.microsoft.com/office/drawing/2014/main" id="{D5D2D145-4182-4442-BCF8-00D1DDF99610}"/>
+                  </a:ext>
+                </a:extLst>
+              </p:cNvPr>
+              <p:cNvSpPr/>
+              <p:nvPr/>
+            </p:nvSpPr>
+            <p:spPr>
+              <a:xfrm>
+                <a:off x="5936674" y="3979287"/>
+                <a:ext cx="715963" cy="1128712"/>
+              </a:xfrm>
+              <a:custGeom>
+                <a:avLst/>
+                <a:gdLst/>
+                <a:ahLst/>
+                <a:cxnLst/>
+                <a:rect l="l" t="t" r="r" b="b"/>
+                <a:pathLst>
+                  <a:path w="276" h="434" extrusionOk="0">
+                    <a:moveTo>
+                      <a:pt x="238" y="125"/>
+                    </a:moveTo>
+                    <a:cubicBezTo>
+                      <a:pt x="38" y="10"/>
+                      <a:pt x="38" y="10"/>
+                      <a:pt x="38" y="10"/>
+                    </a:cubicBezTo>
+                    <a:cubicBezTo>
+                      <a:pt x="27" y="3"/>
+                      <a:pt x="14" y="0"/>
+                      <a:pt x="0" y="0"/>
+                    </a:cubicBezTo>
+                    <a:cubicBezTo>
+                      <a:pt x="0" y="40"/>
+                      <a:pt x="0" y="40"/>
+                      <a:pt x="0" y="40"/>
+                    </a:cubicBezTo>
+                    <a:cubicBezTo>
+                      <a:pt x="7" y="40"/>
+                      <a:pt x="13" y="42"/>
+                      <a:pt x="18" y="45"/>
+                    </a:cubicBezTo>
+                    <a:cubicBezTo>
+                      <a:pt x="218" y="160"/>
+                      <a:pt x="218" y="160"/>
+                      <a:pt x="218" y="160"/>
+                    </a:cubicBezTo>
+                    <a:cubicBezTo>
+                      <a:pt x="229" y="166"/>
+                      <a:pt x="236" y="178"/>
+                      <a:pt x="236" y="191"/>
+                    </a:cubicBezTo>
+                    <a:cubicBezTo>
+                      <a:pt x="236" y="421"/>
+                      <a:pt x="236" y="421"/>
+                      <a:pt x="236" y="421"/>
+                    </a:cubicBezTo>
+                    <a:cubicBezTo>
+                      <a:pt x="236" y="426"/>
+                      <a:pt x="235" y="430"/>
+                      <a:pt x="233" y="434"/>
+                    </a:cubicBezTo>
+                    <a:cubicBezTo>
+                      <a:pt x="275" y="434"/>
+                      <a:pt x="275" y="434"/>
+                      <a:pt x="275" y="434"/>
+                    </a:cubicBezTo>
+                    <a:cubicBezTo>
+                      <a:pt x="275" y="430"/>
+                      <a:pt x="276" y="426"/>
+                      <a:pt x="276" y="421"/>
+                    </a:cubicBezTo>
+                    <a:cubicBezTo>
+                      <a:pt x="276" y="191"/>
+                      <a:pt x="276" y="191"/>
+                      <a:pt x="276" y="191"/>
+                    </a:cubicBezTo>
+                    <a:cubicBezTo>
+                      <a:pt x="276" y="164"/>
+                      <a:pt x="261" y="139"/>
+                      <a:pt x="238" y="125"/>
+                    </a:cubicBezTo>
+                    <a:close/>
+                  </a:path>
+                </a:pathLst>
+              </a:custGeom>
+              <a:solidFill>
+                <a:srgbClr val="00ABCB"/>
+              </a:solidFill>
+              <a:ln>
+                <a:noFill/>
+              </a:ln>
+            </p:spPr>
+            <p:txBody>
+              <a:bodyPr spcFirstLastPara="1" wrap="square" lIns="91425" tIns="45700" rIns="91425" bIns="45700" anchor="t" anchorCtr="0">
+                <a:noAutofit/>
+              </a:bodyPr>
+              <a:lstStyle/>
+              <a:p>
+                <a:pPr marL="0" marR="0" lvl="0" indent="0" algn="l" rtl="0">
+                  <a:lnSpc>
+                    <a:spcPct val="100000"/>
+                  </a:lnSpc>
+                  <a:spcBef>
+                    <a:spcPts val="0"/>
+                  </a:spcBef>
+                  <a:spcAft>
+                    <a:spcPts val="0"/>
+                  </a:spcAft>
+                  <a:buClr>
+                    <a:srgbClr val="000000"/>
+                  </a:buClr>
+                  <a:buSzPts val="1800"/>
+                  <a:buFont typeface="Arial"/>
+                  <a:buNone/>
+                </a:pPr>
+                <a:endParaRPr lang="es-ES" sz="1800" b="0" i="0" u="none" strike="noStrike" cap="none">
+                  <a:solidFill>
+                    <a:schemeClr val="dk1"/>
+                  </a:solidFill>
+                  <a:latin typeface="Lato"/>
+                  <a:ea typeface="Lato"/>
+                  <a:cs typeface="Lato"/>
+                  <a:sym typeface="Lato"/>
+                </a:endParaRPr>
+              </a:p>
+            </p:txBody>
+          </p:sp>
+        </p:grpSp>
+        <p:sp>
+          <p:nvSpPr>
+            <p:cNvPr id="57" name="Google Shape;1715;p34">
+              <a:extLst>
+                <a:ext uri="{FF2B5EF4-FFF2-40B4-BE49-F238E27FC236}">
+                  <a16:creationId xmlns:a16="http://schemas.microsoft.com/office/drawing/2014/main" id="{473A2639-ABCD-C048-B97B-96D04D9CF9A7}"/>
+                </a:ext>
+              </a:extLst>
+            </p:cNvPr>
+            <p:cNvSpPr/>
+            <p:nvPr/>
+          </p:nvSpPr>
+          <p:spPr>
+            <a:xfrm>
+              <a:off x="6096000" y="937363"/>
+              <a:ext cx="403103" cy="457043"/>
+            </a:xfrm>
+            <a:custGeom>
+              <a:avLst/>
+              <a:gdLst/>
+              <a:ahLst/>
+              <a:cxnLst/>
+              <a:rect l="l" t="t" r="r" b="b"/>
+              <a:pathLst>
+                <a:path w="510" h="578" extrusionOk="0">
+                  <a:moveTo>
+                    <a:pt x="482" y="453"/>
+                  </a:moveTo>
+                  <a:cubicBezTo>
+                    <a:pt x="283" y="568"/>
+                    <a:pt x="283" y="568"/>
+                    <a:pt x="283" y="568"/>
+                  </a:cubicBezTo>
+                  <a:cubicBezTo>
+                    <a:pt x="266" y="578"/>
+                    <a:pt x="244" y="578"/>
+                    <a:pt x="227" y="568"/>
+                  </a:cubicBezTo>
+                  <a:cubicBezTo>
+                    <a:pt x="28" y="453"/>
+                    <a:pt x="28" y="453"/>
+                    <a:pt x="28" y="453"/>
+                  </a:cubicBezTo>
+                  <a:cubicBezTo>
+                    <a:pt x="10" y="443"/>
+                    <a:pt x="0" y="424"/>
+                    <a:pt x="0" y="404"/>
+                  </a:cubicBezTo>
+                  <a:cubicBezTo>
+                    <a:pt x="0" y="174"/>
+                    <a:pt x="0" y="174"/>
+                    <a:pt x="0" y="174"/>
+                  </a:cubicBezTo>
+                  <a:cubicBezTo>
+                    <a:pt x="0" y="154"/>
+                    <a:pt x="10" y="135"/>
+                    <a:pt x="28" y="125"/>
+                  </a:cubicBezTo>
+                  <a:cubicBezTo>
+                    <a:pt x="227" y="10"/>
+                    <a:pt x="227" y="10"/>
+                    <a:pt x="227" y="10"/>
+                  </a:cubicBezTo>
+                  <a:cubicBezTo>
+                    <a:pt x="244" y="0"/>
+                    <a:pt x="266" y="0"/>
+                    <a:pt x="283" y="10"/>
+                  </a:cubicBezTo>
+                  <a:cubicBezTo>
+                    <a:pt x="482" y="125"/>
+                    <a:pt x="482" y="125"/>
+                    <a:pt x="482" y="125"/>
+                  </a:cubicBezTo>
+                  <a:cubicBezTo>
+                    <a:pt x="500" y="135"/>
+                    <a:pt x="510" y="154"/>
+                    <a:pt x="510" y="174"/>
+                  </a:cubicBezTo>
+                  <a:cubicBezTo>
+                    <a:pt x="510" y="404"/>
+                    <a:pt x="510" y="404"/>
+                    <a:pt x="510" y="404"/>
+                  </a:cubicBezTo>
+                  <a:cubicBezTo>
+                    <a:pt x="510" y="424"/>
+                    <a:pt x="500" y="443"/>
+                    <a:pt x="482" y="453"/>
+                  </a:cubicBezTo>
+                  <a:close/>
+                </a:path>
+              </a:pathLst>
+            </a:custGeom>
+            <a:noFill/>
+            <a:ln w="44450" cap="flat" cmpd="sng">
+              <a:solidFill>
+                <a:srgbClr val="00ABCB"/>
+              </a:solidFill>
+              <a:prstDash val="solid"/>
+              <a:round/>
+              <a:headEnd type="none" w="sm" len="sm"/>
+              <a:tailEnd type="none" w="sm" len="sm"/>
+            </a:ln>
+          </p:spPr>
+          <p:txBody>
+            <a:bodyPr spcFirstLastPara="1" wrap="square" lIns="91425" tIns="45700" rIns="91425" bIns="45700" anchor="t" anchorCtr="0">
+              <a:noAutofit/>
+            </a:bodyPr>
+            <a:lstStyle/>
+            <a:p>
+              <a:pPr marL="0" marR="0" lvl="0" indent="0" algn="l" rtl="0">
+                <a:lnSpc>
+                  <a:spcPct val="100000"/>
+                </a:lnSpc>
+                <a:spcBef>
+                  <a:spcPts val="0"/>
+                </a:spcBef>
+                <a:spcAft>
+                  <a:spcPts val="0"/>
+                </a:spcAft>
+                <a:buClr>
+                  <a:srgbClr val="000000"/>
+                </a:buClr>
+                <a:buSzPts val="1800"/>
+                <a:buFont typeface="Arial"/>
+                <a:buNone/>
+              </a:pPr>
+              <a:endParaRPr lang="es-ES" sz="1800" b="0" i="0" u="none" strike="noStrike" cap="none">
+                <a:solidFill>
+                  <a:srgbClr val="00ABCB"/>
+                </a:solidFill>
+                <a:latin typeface="Lato"/>
+                <a:ea typeface="Lato"/>
+                <a:cs typeface="Lato"/>
+                <a:sym typeface="Lato"/>
+              </a:endParaRPr>
+            </a:p>
+          </p:txBody>
+        </p:sp>
+        <p:sp>
+          <p:nvSpPr>
+            <p:cNvPr id="58" name="Google Shape;1716;p34">
+              <a:extLst>
+                <a:ext uri="{FF2B5EF4-FFF2-40B4-BE49-F238E27FC236}">
+                  <a16:creationId xmlns:a16="http://schemas.microsoft.com/office/drawing/2014/main" id="{1E14F797-8CCD-B647-9465-52A68F12461B}"/>
+                </a:ext>
+              </a:extLst>
+            </p:cNvPr>
+            <p:cNvSpPr/>
+            <p:nvPr/>
+          </p:nvSpPr>
+          <p:spPr>
+            <a:xfrm>
+              <a:off x="3700648" y="4130385"/>
+              <a:ext cx="382469" cy="433648"/>
+            </a:xfrm>
+            <a:custGeom>
+              <a:avLst/>
+              <a:gdLst/>
+              <a:ahLst/>
+              <a:cxnLst/>
+              <a:rect l="l" t="t" r="r" b="b"/>
+              <a:pathLst>
+                <a:path w="510" h="578" extrusionOk="0">
+                  <a:moveTo>
+                    <a:pt x="482" y="453"/>
+                  </a:moveTo>
+                  <a:cubicBezTo>
+                    <a:pt x="283" y="568"/>
+                    <a:pt x="283" y="568"/>
+                    <a:pt x="283" y="568"/>
+                  </a:cubicBezTo>
+                  <a:cubicBezTo>
+                    <a:pt x="266" y="578"/>
+                    <a:pt x="244" y="578"/>
+                    <a:pt x="227" y="568"/>
+                  </a:cubicBezTo>
+                  <a:cubicBezTo>
+                    <a:pt x="28" y="453"/>
+                    <a:pt x="28" y="453"/>
+                    <a:pt x="28" y="453"/>
+                  </a:cubicBezTo>
+                  <a:cubicBezTo>
+                    <a:pt x="10" y="443"/>
+                    <a:pt x="0" y="424"/>
+                    <a:pt x="0" y="404"/>
+                  </a:cubicBezTo>
+                  <a:cubicBezTo>
+                    <a:pt x="0" y="174"/>
+                    <a:pt x="0" y="174"/>
+                    <a:pt x="0" y="174"/>
+                  </a:cubicBezTo>
+                  <a:cubicBezTo>
+                    <a:pt x="0" y="154"/>
+                    <a:pt x="10" y="135"/>
+                    <a:pt x="28" y="125"/>
+                  </a:cubicBezTo>
+                  <a:cubicBezTo>
+                    <a:pt x="227" y="10"/>
+                    <a:pt x="227" y="10"/>
+                    <a:pt x="227" y="10"/>
+                  </a:cubicBezTo>
+                  <a:cubicBezTo>
+                    <a:pt x="244" y="0"/>
+                    <a:pt x="266" y="0"/>
+                    <a:pt x="283" y="10"/>
+                  </a:cubicBezTo>
+                  <a:cubicBezTo>
+                    <a:pt x="482" y="125"/>
+                    <a:pt x="482" y="125"/>
+                    <a:pt x="482" y="125"/>
+                  </a:cubicBezTo>
+                  <a:cubicBezTo>
+                    <a:pt x="500" y="135"/>
+                    <a:pt x="510" y="154"/>
+                    <a:pt x="510" y="174"/>
+                  </a:cubicBezTo>
+                  <a:cubicBezTo>
+                    <a:pt x="510" y="404"/>
+                    <a:pt x="510" y="404"/>
+                    <a:pt x="510" y="404"/>
+                  </a:cubicBezTo>
+                  <a:cubicBezTo>
+                    <a:pt x="510" y="424"/>
+                    <a:pt x="500" y="443"/>
+                    <a:pt x="482" y="453"/>
+                  </a:cubicBezTo>
+                  <a:close/>
+                </a:path>
+              </a:pathLst>
+            </a:custGeom>
+            <a:solidFill>
+              <a:srgbClr val="00ABCB"/>
+            </a:solidFill>
+            <a:ln w="9525" cap="flat" cmpd="sng">
+              <a:solidFill>
+                <a:srgbClr val="00ABCB"/>
+              </a:solidFill>
+              <a:prstDash val="solid"/>
+              <a:round/>
+              <a:headEnd type="none" w="sm" len="sm"/>
+              <a:tailEnd type="none" w="sm" len="sm"/>
+            </a:ln>
+          </p:spPr>
+          <p:txBody>
+            <a:bodyPr spcFirstLastPara="1" wrap="square" lIns="91425" tIns="45700" rIns="91425" bIns="45700" anchor="t" anchorCtr="0">
+              <a:noAutofit/>
+            </a:bodyPr>
+            <a:lstStyle/>
+            <a:p>
+              <a:pPr marL="0" marR="0" lvl="0" indent="0" algn="l" rtl="0">
+                <a:lnSpc>
+                  <a:spcPct val="100000"/>
+                </a:lnSpc>
+                <a:spcBef>
+                  <a:spcPts val="0"/>
+                </a:spcBef>
+                <a:spcAft>
+                  <a:spcPts val="0"/>
+                </a:spcAft>
+                <a:buClr>
+                  <a:srgbClr val="000000"/>
+                </a:buClr>
+                <a:buSzPts val="1800"/>
+                <a:buFont typeface="Arial"/>
+                <a:buNone/>
+              </a:pPr>
+              <a:endParaRPr lang="es-ES" sz="1800" b="0" i="0" u="none" strike="noStrike" cap="none">
+                <a:solidFill>
+                  <a:srgbClr val="00ABCB"/>
+                </a:solidFill>
+                <a:latin typeface="Lato"/>
+                <a:ea typeface="Lato"/>
+                <a:cs typeface="Lato"/>
+                <a:sym typeface="Lato"/>
+              </a:endParaRPr>
+            </a:p>
+          </p:txBody>
+        </p:sp>
+        <p:sp>
+          <p:nvSpPr>
+            <p:cNvPr id="59" name="Google Shape;1717;p34">
+              <a:extLst>
+                <a:ext uri="{FF2B5EF4-FFF2-40B4-BE49-F238E27FC236}">
+                  <a16:creationId xmlns:a16="http://schemas.microsoft.com/office/drawing/2014/main" id="{9FFE3BC8-CDC0-204B-849C-B2966E8D813E}"/>
+                </a:ext>
+              </a:extLst>
+            </p:cNvPr>
+            <p:cNvSpPr/>
+            <p:nvPr/>
+          </p:nvSpPr>
+          <p:spPr>
+            <a:xfrm>
+              <a:off x="1371600" y="3123321"/>
+              <a:ext cx="403103" cy="457043"/>
+            </a:xfrm>
+            <a:custGeom>
+              <a:avLst/>
+              <a:gdLst/>
+              <a:ahLst/>
+              <a:cxnLst/>
+              <a:rect l="l" t="t" r="r" b="b"/>
+              <a:pathLst>
+                <a:path w="510" h="578" extrusionOk="0">
+                  <a:moveTo>
+                    <a:pt x="482" y="453"/>
+                  </a:moveTo>
+                  <a:cubicBezTo>
+                    <a:pt x="283" y="568"/>
+                    <a:pt x="283" y="568"/>
+                    <a:pt x="283" y="568"/>
+                  </a:cubicBezTo>
+                  <a:cubicBezTo>
+                    <a:pt x="266" y="578"/>
+                    <a:pt x="244" y="578"/>
+                    <a:pt x="227" y="568"/>
+                  </a:cubicBezTo>
+                  <a:cubicBezTo>
+                    <a:pt x="28" y="453"/>
+                    <a:pt x="28" y="453"/>
+                    <a:pt x="28" y="453"/>
+                  </a:cubicBezTo>
+                  <a:cubicBezTo>
+                    <a:pt x="10" y="443"/>
+                    <a:pt x="0" y="424"/>
+                    <a:pt x="0" y="404"/>
+                  </a:cubicBezTo>
+                  <a:cubicBezTo>
+                    <a:pt x="0" y="174"/>
+                    <a:pt x="0" y="174"/>
+                    <a:pt x="0" y="174"/>
+                  </a:cubicBezTo>
+                  <a:cubicBezTo>
+                    <a:pt x="0" y="154"/>
+                    <a:pt x="10" y="135"/>
+                    <a:pt x="28" y="125"/>
+                  </a:cubicBezTo>
+                  <a:cubicBezTo>
+                    <a:pt x="227" y="10"/>
+                    <a:pt x="227" y="10"/>
+                    <a:pt x="227" y="10"/>
+                  </a:cubicBezTo>
+                  <a:cubicBezTo>
+                    <a:pt x="244" y="0"/>
+                    <a:pt x="266" y="0"/>
+                    <a:pt x="283" y="10"/>
+                  </a:cubicBezTo>
+                  <a:cubicBezTo>
+                    <a:pt x="482" y="125"/>
+                    <a:pt x="482" y="125"/>
+                    <a:pt x="482" y="125"/>
+                  </a:cubicBezTo>
+                  <a:cubicBezTo>
+                    <a:pt x="500" y="135"/>
+                    <a:pt x="510" y="154"/>
+                    <a:pt x="510" y="174"/>
+                  </a:cubicBezTo>
+                  <a:cubicBezTo>
+                    <a:pt x="510" y="404"/>
+                    <a:pt x="510" y="404"/>
+                    <a:pt x="510" y="404"/>
+                  </a:cubicBezTo>
+                  <a:cubicBezTo>
+                    <a:pt x="510" y="424"/>
+                    <a:pt x="500" y="443"/>
+                    <a:pt x="482" y="453"/>
+                  </a:cubicBezTo>
+                  <a:close/>
+                </a:path>
+              </a:pathLst>
+            </a:custGeom>
+            <a:noFill/>
+            <a:ln w="44450" cap="flat" cmpd="sng">
+              <a:solidFill>
+                <a:srgbClr val="00ABCB"/>
+              </a:solidFill>
+              <a:prstDash val="solid"/>
+              <a:round/>
+              <a:headEnd type="none" w="sm" len="sm"/>
+              <a:tailEnd type="none" w="sm" len="sm"/>
+            </a:ln>
+          </p:spPr>
+          <p:txBody>
+            <a:bodyPr spcFirstLastPara="1" wrap="square" lIns="91425" tIns="45700" rIns="91425" bIns="45700" anchor="t" anchorCtr="0">
+              <a:noAutofit/>
+            </a:bodyPr>
+            <a:lstStyle/>
+            <a:p>
+              <a:pPr marL="0" marR="0" lvl="0" indent="0" algn="l" rtl="0">
+                <a:lnSpc>
+                  <a:spcPct val="100000"/>
+                </a:lnSpc>
+                <a:spcBef>
+                  <a:spcPts val="0"/>
+                </a:spcBef>
+                <a:spcAft>
+                  <a:spcPts val="0"/>
+                </a:spcAft>
+                <a:buClr>
+                  <a:srgbClr val="000000"/>
+                </a:buClr>
+                <a:buSzPts val="1800"/>
+                <a:buFont typeface="Arial"/>
+                <a:buNone/>
+              </a:pPr>
+              <a:endParaRPr lang="es-ES" sz="1800" b="0" i="0" u="none" strike="noStrike" cap="none">
+                <a:solidFill>
+                  <a:srgbClr val="00ABCB"/>
+                </a:solidFill>
+                <a:latin typeface="Lato"/>
+                <a:ea typeface="Lato"/>
+                <a:cs typeface="Lato"/>
+                <a:sym typeface="Lato"/>
+              </a:endParaRPr>
+            </a:p>
+          </p:txBody>
+        </p:sp>
+      </p:grpSp>
+      <p:sp>
+        <p:nvSpPr>
+          <p:cNvPr id="61" name="Google Shape;1687;p34">
+            <a:extLst>
+              <a:ext uri="{FF2B5EF4-FFF2-40B4-BE49-F238E27FC236}">
+                <a16:creationId xmlns:a16="http://schemas.microsoft.com/office/drawing/2014/main" id="{7169F0C3-247A-4C4D-95D7-FFF8D99E1C0E}"/>
+              </a:ext>
+            </a:extLst>
+          </p:cNvPr>
+          <p:cNvSpPr txBox="1"/>
+          <p:nvPr/>
+        </p:nvSpPr>
+        <p:spPr>
+          <a:xfrm>
+            <a:off x="6132487" y="2422105"/>
+            <a:ext cx="4067451" cy="430887"/>
+          </a:xfrm>
+          <a:prstGeom prst="rect">
+            <a:avLst/>
+          </a:prstGeom>
+          <a:noFill/>
+          <a:ln>
+            <a:noFill/>
+          </a:ln>
+        </p:spPr>
+        <p:txBody>
+          <a:bodyPr spcFirstLastPara="1" wrap="square" lIns="0" tIns="0" rIns="0" bIns="0" anchor="t" anchorCtr="0">
+            <a:spAutoFit/>
+          </a:bodyPr>
+          <a:lstStyle/>
+          <a:p>
+            <a:pPr lvl="0">
+              <a:buClr>
+                <a:srgbClr val="000000"/>
+              </a:buClr>
+              <a:buSzPts val="3200"/>
+            </a:pPr>
+            <a:r>
+              <a:rPr lang="es-ES" sz="1400" i="0" u="none" strike="noStrike" cap="none" dirty="0">
+                <a:solidFill>
+                  <a:schemeClr val="tx1">
+                    <a:lumMod val="75000"/>
+                    <a:lumOff val="25000"/>
+                  </a:schemeClr>
+                </a:solidFill>
+                <a:sym typeface="Helvetica Neue"/>
+              </a:rPr>
+              <a:t>Cada una de las sentencias que componen un Scenario</a:t>
+            </a:r>
+            <a:endParaRPr lang="es-ES" sz="1400" i="0" u="none" strike="noStrike" cap="none" dirty="0">
+              <a:solidFill>
+                <a:schemeClr val="tx1">
+                  <a:lumMod val="75000"/>
+                  <a:lumOff val="25000"/>
+                </a:schemeClr>
+              </a:solidFill>
+              <a:latin typeface="+mj-lt"/>
+              <a:ea typeface="Helvetica Neue"/>
+              <a:cs typeface="Helvetica Neue"/>
+              <a:sym typeface="Helvetica Neue"/>
+            </a:endParaRPr>
+          </a:p>
+        </p:txBody>
+      </p:sp>
+      <p:sp>
+        <p:nvSpPr>
+          <p:cNvPr id="62" name="Google Shape;1687;p34">
+            <a:extLst>
+              <a:ext uri="{FF2B5EF4-FFF2-40B4-BE49-F238E27FC236}">
+                <a16:creationId xmlns:a16="http://schemas.microsoft.com/office/drawing/2014/main" id="{F3DD1F22-C590-C646-9FC1-6BDC705DBAA6}"/>
+              </a:ext>
+            </a:extLst>
+          </p:cNvPr>
+          <p:cNvSpPr txBox="1"/>
+          <p:nvPr/>
+        </p:nvSpPr>
+        <p:spPr>
+          <a:xfrm>
+            <a:off x="6096000" y="4477487"/>
+            <a:ext cx="1922001" cy="307777"/>
+          </a:xfrm>
+          <a:prstGeom prst="rect">
+            <a:avLst/>
+          </a:prstGeom>
+          <a:noFill/>
+          <a:ln>
+            <a:noFill/>
+          </a:ln>
+        </p:spPr>
+        <p:txBody>
+          <a:bodyPr spcFirstLastPara="1" wrap="none" lIns="0" tIns="0" rIns="0" bIns="0" anchor="t" anchorCtr="0">
+            <a:spAutoFit/>
+          </a:bodyPr>
+          <a:lstStyle/>
+          <a:p>
+            <a:pPr marL="0" marR="0" lvl="0" indent="0" algn="l" rtl="0">
+              <a:spcBef>
+                <a:spcPts val="0"/>
+              </a:spcBef>
+              <a:spcAft>
+                <a:spcPts val="0"/>
+              </a:spcAft>
+              <a:buClr>
+                <a:srgbClr val="000000"/>
+              </a:buClr>
+              <a:buSzPts val="3200"/>
+              <a:buFont typeface="Arial"/>
+              <a:buNone/>
+            </a:pPr>
+            <a:r>
+              <a:rPr lang="es-ES" sz="2000" b="1" i="0" u="none" strike="noStrike" cap="none" dirty="0">
+                <a:solidFill>
+                  <a:schemeClr val="accent1"/>
+                </a:solidFill>
+                <a:latin typeface="+mj-lt"/>
+                <a:ea typeface="Helvetica Neue"/>
+                <a:cs typeface="Helvetica Neue"/>
+                <a:sym typeface="Helvetica Neue"/>
+              </a:rPr>
+              <a:t>Steps definition</a:t>
+            </a:r>
+          </a:p>
+        </p:txBody>
+      </p:sp>
+      <p:sp>
+        <p:nvSpPr>
+          <p:cNvPr id="63" name="Google Shape;1687;p34">
+            <a:extLst>
+              <a:ext uri="{FF2B5EF4-FFF2-40B4-BE49-F238E27FC236}">
+                <a16:creationId xmlns:a16="http://schemas.microsoft.com/office/drawing/2014/main" id="{F58C55F3-CDE8-3A4E-BA93-0A49B89CCC6C}"/>
+              </a:ext>
+            </a:extLst>
+          </p:cNvPr>
+          <p:cNvSpPr txBox="1"/>
+          <p:nvPr/>
+        </p:nvSpPr>
+        <p:spPr>
+          <a:xfrm>
+            <a:off x="6122754" y="4826844"/>
+            <a:ext cx="4067451" cy="430887"/>
+          </a:xfrm>
+          <a:prstGeom prst="rect">
+            <a:avLst/>
+          </a:prstGeom>
+          <a:noFill/>
+          <a:ln>
+            <a:noFill/>
+          </a:ln>
+        </p:spPr>
+        <p:txBody>
+          <a:bodyPr spcFirstLastPara="1" wrap="square" lIns="0" tIns="0" rIns="0" bIns="0" anchor="t" anchorCtr="0">
+            <a:spAutoFit/>
+          </a:bodyPr>
+          <a:lstStyle/>
+          <a:p>
+            <a:pPr lvl="0">
+              <a:buClr>
+                <a:srgbClr val="000000"/>
+              </a:buClr>
+              <a:buSzPts val="3200"/>
+            </a:pPr>
+            <a:r>
+              <a:rPr lang="es-ES" sz="1400" dirty="0">
+                <a:solidFill>
+                  <a:schemeClr val="tx1">
+                    <a:lumMod val="75000"/>
+                    <a:lumOff val="25000"/>
+                  </a:schemeClr>
+                </a:solidFill>
+                <a:latin typeface="+mj-lt"/>
+                <a:ea typeface="Helvetica Neue"/>
+                <a:cs typeface="Helvetica Neue"/>
+                <a:sym typeface="Helvetica Neue"/>
+              </a:rPr>
+              <a:t>Fragmentos de código que llevan a cabo la acción que debe realizar el paso</a:t>
+            </a:r>
+            <a:endParaRPr lang="es-ES" sz="1400" i="0" u="none" strike="noStrike" cap="none" dirty="0">
+              <a:solidFill>
+                <a:schemeClr val="tx1">
+                  <a:lumMod val="75000"/>
+                  <a:lumOff val="25000"/>
+                </a:schemeClr>
+              </a:solidFill>
+              <a:latin typeface="+mj-lt"/>
+              <a:ea typeface="Helvetica Neue"/>
+              <a:cs typeface="Helvetica Neue"/>
+              <a:sym typeface="Helvetica Neue"/>
+            </a:endParaRPr>
+          </a:p>
+        </p:txBody>
+      </p:sp>
+    </p:spTree>
+    <p:extLst>
+      <p:ext uri="{BB962C8B-B14F-4D97-AF65-F5344CB8AC3E}">
+        <p14:creationId xmlns:p14="http://schemas.microsoft.com/office/powerpoint/2010/main" val="1343712134"/>
+      </p:ext>
+    </p:extLst>
+  </p:cSld>
+  <p:clrMapOvr>
+    <a:masterClrMapping/>
+  </p:clrMapOvr>
+</p:sld>
+</file>
+
+<file path=ppt/slides/slide22.xml><?xml version="1.0" encoding="utf-8"?>
+<p:sld xmlns:a="http://schemas.openxmlformats.org/drawingml/2006/main" xmlns:r="http://schemas.openxmlformats.org/officeDocument/2006/relationships" xmlns:p="http://schemas.openxmlformats.org/presentationml/2006/main">
+  <p:cSld>
+    <p:spTree>
+      <p:nvGrpSpPr>
+        <p:cNvPr id="1" name=""/>
+        <p:cNvGrpSpPr/>
+        <p:nvPr/>
+      </p:nvGrpSpPr>
+      <p:grpSpPr>
+        <a:xfrm>
+          <a:off x="0" y="0"/>
+          <a:ext cx="0" cy="0"/>
+          <a:chOff x="0" y="0"/>
+          <a:chExt cx="0" cy="0"/>
+        </a:xfrm>
+      </p:grpSpPr>
+      <p:sp>
+        <p:nvSpPr>
+          <p:cNvPr id="2" name="Título 1">
+            <a:extLst>
+              <a:ext uri="{FF2B5EF4-FFF2-40B4-BE49-F238E27FC236}">
+                <a16:creationId xmlns:a16="http://schemas.microsoft.com/office/drawing/2014/main" id="{F4CAEC2A-A017-1241-8EC4-1FA5C76337B4}"/>
+              </a:ext>
+            </a:extLst>
+          </p:cNvPr>
+          <p:cNvSpPr>
+            <a:spLocks noGrp="1"/>
+          </p:cNvSpPr>
+          <p:nvPr>
+            <p:ph type="title"/>
+          </p:nvPr>
+        </p:nvSpPr>
+        <p:spPr>
+          <a:xfrm>
+            <a:off x="482603" y="906133"/>
+            <a:ext cx="8896528" cy="887157"/>
+          </a:xfrm>
+        </p:spPr>
+        <p:txBody>
+          <a:bodyPr/>
+          <a:lstStyle/>
+          <a:p>
+            <a:r>
+              <a:rPr lang="es-ES" dirty="0"/>
+              <a:t>¿Qué es </a:t>
+            </a:r>
+            <a:r>
+              <a:rPr lang="es-ES" dirty="0">
+                <a:solidFill>
+                  <a:schemeClr val="accent1"/>
+                </a:solidFill>
+              </a:rPr>
+              <a:t>Cucumber-Behave</a:t>
+            </a:r>
+            <a:r>
+              <a:rPr lang="es-ES" dirty="0"/>
+              <a:t>?</a:t>
+            </a:r>
+            <a:endParaRPr lang="es-ES" dirty="0">
+              <a:solidFill>
+                <a:schemeClr val="accent1"/>
+              </a:solidFill>
+            </a:endParaRPr>
+          </a:p>
+        </p:txBody>
+      </p:sp>
+      <p:sp>
+        <p:nvSpPr>
+          <p:cNvPr id="4" name="Marcador de número de diapositiva 3">
+            <a:extLst>
+              <a:ext uri="{FF2B5EF4-FFF2-40B4-BE49-F238E27FC236}">
+                <a16:creationId xmlns:a16="http://schemas.microsoft.com/office/drawing/2014/main" id="{4AB22AD1-E132-0845-9B31-BF6389225FBE}"/>
+              </a:ext>
+            </a:extLst>
+          </p:cNvPr>
+          <p:cNvSpPr>
+            <a:spLocks noGrp="1"/>
+          </p:cNvSpPr>
+          <p:nvPr>
+            <p:ph type="sldNum" sz="quarter" idx="11"/>
+          </p:nvPr>
+        </p:nvSpPr>
+        <p:spPr/>
+        <p:txBody>
+          <a:bodyPr/>
+          <a:lstStyle/>
+          <a:p>
+            <a:fld id="{2A81D39E-E002-FB44-933E-5C1B1F979D05}" type="slidenum">
+              <a:rPr lang="es-ES_tradnl" smtClean="0"/>
+              <a:pPr/>
+              <a:t>22</a:t>
+            </a:fld>
+            <a:endParaRPr lang="es-ES_tradnl"/>
+          </a:p>
+        </p:txBody>
+      </p:sp>
+      <p:sp>
+        <p:nvSpPr>
+          <p:cNvPr id="6" name="Marcador de contenido 5">
+            <a:extLst>
+              <a:ext uri="{FF2B5EF4-FFF2-40B4-BE49-F238E27FC236}">
+                <a16:creationId xmlns:a16="http://schemas.microsoft.com/office/drawing/2014/main" id="{2EC41670-E83F-874D-A86B-4365852516E2}"/>
+              </a:ext>
+            </a:extLst>
+          </p:cNvPr>
+          <p:cNvSpPr>
+            <a:spLocks noGrp="1"/>
+          </p:cNvSpPr>
+          <p:nvPr>
+            <p:ph idx="12"/>
+          </p:nvPr>
+        </p:nvSpPr>
+        <p:spPr>
+          <a:xfrm>
+            <a:off x="996178" y="2420937"/>
+            <a:ext cx="7159850" cy="3887787"/>
+          </a:xfrm>
+        </p:spPr>
+        <p:txBody>
+          <a:bodyPr/>
+          <a:lstStyle/>
+          <a:p>
+            <a:pPr algn="l"/>
+            <a:r>
+              <a:rPr lang="es-ES" dirty="0"/>
+              <a:t>Cucumber es un software de código abierto que se puede utilizar para implementar pruebas automatizadas basadas en scenarios descritos en los archivos de feature de Gherkin.</a:t>
+            </a:r>
+          </a:p>
+          <a:p>
+            <a:pPr algn="l"/>
+            <a:endParaRPr lang="es-ES" dirty="0"/>
+          </a:p>
+          <a:p>
+            <a:pPr algn="l"/>
+            <a:r>
+              <a:rPr lang="es-ES" dirty="0"/>
+              <a:t>Behave es la implementación de Cucumber para crear las Steps definitions en el lenguaje Python:</a:t>
+            </a:r>
+          </a:p>
+          <a:p>
+            <a:pPr lvl="1"/>
+            <a:endParaRPr lang="es-ES" dirty="0"/>
+          </a:p>
+          <a:p>
+            <a:pPr marL="231775" lvl="1" indent="0">
+              <a:buNone/>
+            </a:pPr>
+            <a:r>
+              <a:rPr lang="es-ES" dirty="0"/>
+              <a:t>	</a:t>
+            </a:r>
+            <a:r>
+              <a:rPr lang="es-ES" dirty="0">
+                <a:hlinkClick r:id="rId2"/>
+              </a:rPr>
+              <a:t>https://behave.readthedocs.io/</a:t>
+            </a:r>
+            <a:r>
+              <a:rPr lang="es-ES" dirty="0"/>
+              <a:t> </a:t>
+            </a:r>
+          </a:p>
+          <a:p>
+            <a:pPr marL="231775" lvl="1" indent="0">
+              <a:buNone/>
+            </a:pPr>
+            <a:endParaRPr lang="es-ES" dirty="0"/>
+          </a:p>
+          <a:p>
+            <a:pPr marL="231775" lvl="1" indent="0">
+              <a:buNone/>
+            </a:pPr>
+            <a:r>
+              <a:rPr lang="es-ES" dirty="0"/>
+              <a:t>Se puede instalar con el siguiente comando:</a:t>
+            </a:r>
+          </a:p>
+          <a:p>
+            <a:pPr marL="231775" lvl="1" indent="0">
+              <a:buNone/>
+            </a:pPr>
+            <a:endParaRPr lang="es-ES" dirty="0"/>
+          </a:p>
+          <a:p>
+            <a:pPr marL="231775" lvl="1" indent="0">
+              <a:buNone/>
+            </a:pPr>
+            <a:r>
+              <a:rPr lang="es-ES" dirty="0"/>
+              <a:t>	</a:t>
+            </a:r>
+            <a:r>
+              <a:rPr lang="es-ES" dirty="0">
+                <a:latin typeface="Consolas" panose="020B0609020204030204" pitchFamily="49" charset="0"/>
+              </a:rPr>
+              <a:t>$ pip install behave</a:t>
+            </a:r>
+          </a:p>
+          <a:p>
+            <a:pPr marL="0" indent="0" algn="l">
+              <a:buNone/>
+            </a:pPr>
+            <a:r>
+              <a:rPr lang="es-ES" dirty="0"/>
+              <a:t> </a:t>
+            </a:r>
+          </a:p>
+          <a:p>
+            <a:pPr algn="l"/>
+            <a:endParaRPr lang="es-ES" dirty="0"/>
+          </a:p>
+          <a:p>
+            <a:pPr algn="l"/>
+            <a:endParaRPr lang="es-ES" dirty="0"/>
+          </a:p>
+          <a:p>
+            <a:pPr algn="l"/>
+            <a:endParaRPr lang="es-ES" dirty="0"/>
+          </a:p>
+          <a:p>
+            <a:pPr algn="l"/>
+            <a:endParaRPr lang="es-ES" dirty="0"/>
+          </a:p>
+        </p:txBody>
+      </p:sp>
+      <p:pic>
+        <p:nvPicPr>
+          <p:cNvPr id="7" name="Picture 2" descr="behave_logo">
+            <a:extLst>
+              <a:ext uri="{FF2B5EF4-FFF2-40B4-BE49-F238E27FC236}">
+                <a16:creationId xmlns:a16="http://schemas.microsoft.com/office/drawing/2014/main" id="{627F5F6D-1C5F-4EFA-8185-B70D3FD25751}"/>
+              </a:ext>
+            </a:extLst>
+          </p:cNvPr>
+          <p:cNvPicPr>
+            <a:picLocks noChangeAspect="1" noChangeArrowheads="1"/>
+          </p:cNvPicPr>
+          <p:nvPr/>
+        </p:nvPicPr>
+        <p:blipFill>
+          <a:blip r:embed="rId3">
+            <a:extLst>
+              <a:ext uri="{28A0092B-C50C-407E-A947-70E740481C1C}">
+                <a14:useLocalDpi xmlns:a14="http://schemas.microsoft.com/office/drawing/2010/main" val="0"/>
+              </a:ext>
+            </a:extLst>
+          </a:blip>
+          <a:srcRect/>
+          <a:stretch>
+            <a:fillRect/>
+          </a:stretch>
+        </p:blipFill>
+        <p:spPr bwMode="auto">
+          <a:xfrm>
+            <a:off x="8292662" y="2372422"/>
+            <a:ext cx="3327303" cy="3181733"/>
+          </a:xfrm>
+          <a:prstGeom prst="rect">
+            <a:avLst/>
+          </a:prstGeom>
+          <a:noFill/>
+          <a:extLst>
+            <a:ext uri="{909E8E84-426E-40DD-AFC4-6F175D3DCCD1}">
+              <a14:hiddenFill xmlns:a14="http://schemas.microsoft.com/office/drawing/2010/main">
+                <a:solidFill>
+                  <a:srgbClr val="FFFFFF"/>
+                </a:solidFill>
+              </a14:hiddenFill>
+            </a:ext>
+          </a:extLst>
+        </p:spPr>
+      </p:pic>
+    </p:spTree>
+    <p:extLst>
+      <p:ext uri="{BB962C8B-B14F-4D97-AF65-F5344CB8AC3E}">
+        <p14:creationId xmlns:p14="http://schemas.microsoft.com/office/powerpoint/2010/main" val="594491214"/>
+      </p:ext>
+    </p:extLst>
+  </p:cSld>
+  <p:clrMapOvr>
+    <a:masterClrMapping/>
+  </p:clrMapOvr>
+</p:sld>
+</file>
+
+<file path=ppt/slides/slide23.xml><?xml version="1.0" encoding="utf-8"?>
+<p:sld xmlns:a="http://schemas.openxmlformats.org/drawingml/2006/main" xmlns:r="http://schemas.openxmlformats.org/officeDocument/2006/relationships" xmlns:p="http://schemas.openxmlformats.org/presentationml/2006/main">
+  <p:cSld>
+    <p:spTree>
+      <p:nvGrpSpPr>
+        <p:cNvPr id="1" name=""/>
+        <p:cNvGrpSpPr/>
+        <p:nvPr/>
+      </p:nvGrpSpPr>
+      <p:grpSpPr>
+        <a:xfrm>
+          <a:off x="0" y="0"/>
+          <a:ext cx="0" cy="0"/>
+          <a:chOff x="0" y="0"/>
+          <a:chExt cx="0" cy="0"/>
+        </a:xfrm>
+      </p:grpSpPr>
+      <p:sp>
+        <p:nvSpPr>
+          <p:cNvPr id="2" name="Título 1">
+            <a:extLst>
+              <a:ext uri="{FF2B5EF4-FFF2-40B4-BE49-F238E27FC236}">
+                <a16:creationId xmlns:a16="http://schemas.microsoft.com/office/drawing/2014/main" id="{67980FB9-6B62-5940-8013-1C6E9668BC41}"/>
+              </a:ext>
+            </a:extLst>
+          </p:cNvPr>
+          <p:cNvSpPr>
+            <a:spLocks noGrp="1"/>
+          </p:cNvSpPr>
+          <p:nvPr>
+            <p:ph type="title"/>
+          </p:nvPr>
+        </p:nvSpPr>
+        <p:spPr>
+          <a:xfrm>
+            <a:off x="3950632" y="2974270"/>
+            <a:ext cx="6128789" cy="1689837"/>
+          </a:xfrm>
+        </p:spPr>
+        <p:txBody>
+          <a:bodyPr/>
+          <a:lstStyle/>
+          <a:p>
+            <a:r>
+              <a:rPr lang="es-ES" dirty="0"/>
+              <a:t>Demo </a:t>
+            </a:r>
+            <a:r>
+              <a:rPr lang="es-ES" dirty="0">
+                <a:solidFill>
+                  <a:schemeClr val="tx2"/>
+                </a:solidFill>
+              </a:rPr>
+              <a:t>primer proyecto Behave</a:t>
+            </a:r>
+          </a:p>
+        </p:txBody>
+      </p:sp>
+      <p:sp>
+        <p:nvSpPr>
+          <p:cNvPr id="4" name="Marcador de número de diapositiva 3">
+            <a:extLst>
+              <a:ext uri="{FF2B5EF4-FFF2-40B4-BE49-F238E27FC236}">
+                <a16:creationId xmlns:a16="http://schemas.microsoft.com/office/drawing/2014/main" id="{BEF2866A-5B48-CC44-B0D7-818F18B66F92}"/>
+              </a:ext>
+            </a:extLst>
+          </p:cNvPr>
+          <p:cNvSpPr>
+            <a:spLocks noGrp="1"/>
+          </p:cNvSpPr>
+          <p:nvPr>
+            <p:ph type="sldNum" sz="quarter" idx="11"/>
+          </p:nvPr>
+        </p:nvSpPr>
+        <p:spPr/>
+        <p:txBody>
+          <a:bodyPr/>
+          <a:lstStyle/>
+          <a:p>
+            <a:fld id="{2A81D39E-E002-FB44-933E-5C1B1F979D05}" type="slidenum">
+              <a:rPr lang="es-ES_tradnl" smtClean="0"/>
+              <a:pPr/>
+              <a:t>23</a:t>
+            </a:fld>
+            <a:endParaRPr lang="es-ES_tradnl"/>
+          </a:p>
+        </p:txBody>
+      </p:sp>
+    </p:spTree>
+    <p:extLst>
+      <p:ext uri="{BB962C8B-B14F-4D97-AF65-F5344CB8AC3E}">
+        <p14:creationId xmlns:p14="http://schemas.microsoft.com/office/powerpoint/2010/main" val="1708191423"/>
       </p:ext>
     </p:extLst>
   </p:cSld>
@@ -45949,35 +51779,7 @@
                   <a:cs typeface="Lato"/>
                   <a:sym typeface="Lato"/>
                 </a:rPr>
-                <a:t>Un </a:t>
-              </a:r>
-              <a:r>
-                <a:rPr lang="es-ES" sz="1400" dirty="0" err="1">
-                  <a:solidFill>
-                    <a:schemeClr val="tx1">
-                      <a:lumMod val="75000"/>
-                      <a:lumOff val="25000"/>
-                    </a:schemeClr>
-                  </a:solidFill>
-                  <a:ea typeface="Lato"/>
-                  <a:cs typeface="Lato"/>
-                  <a:sym typeface="Lato"/>
-                </a:rPr>
-                <a:t>framework</a:t>
-              </a:r>
-              <a:r>
-                <a:rPr lang="es-ES" sz="1400" dirty="0">
-                  <a:solidFill>
-                    <a:schemeClr val="tx1">
-                      <a:lumMod val="75000"/>
-                      <a:lumOff val="25000"/>
-                    </a:schemeClr>
-                  </a:solidFill>
-                  <a:ea typeface="Lato"/>
-                  <a:cs typeface="Lato"/>
-                  <a:sym typeface="Lato"/>
-                </a:rPr>
-                <a:t> de automatización móvil no debería reinventar la rueda cuando se trata de una API.</a:t>
+                <a:t>Un framework de automatización móvil no debería reinventar la rueda cuando se trata de una API.</a:t>
               </a:r>
               <a:endParaRPr lang="en-US" sz="1400" dirty="0">
                 <a:solidFill>
@@ -49140,6 +54942,15 @@
 </file>
 
 <file path=customXml/item1.xml><?xml version="1.0" encoding="utf-8"?>
+<?mso-contentType ?>
+<FormTemplates xmlns="http://schemas.microsoft.com/sharepoint/v3/contenttype/forms">
+  <Display>DocumentLibraryForm</Display>
+  <Edit>DocumentLibraryForm</Edit>
+  <New>DocumentLibraryForm</New>
+</FormTemplates>
+</file>
+
+<file path=customXml/item2.xml><?xml version="1.0" encoding="utf-8"?>
 <ct:contentTypeSchema xmlns:ct="http://schemas.microsoft.com/office/2006/metadata/contentType" xmlns:ma="http://schemas.microsoft.com/office/2006/metadata/properties/metaAttributes" ct:_="" ma:_="" ma:contentTypeName="Documento" ma:contentTypeID="0x010100C34F4B96BDD9B443A76C69EA9F84F3F1" ma:contentTypeVersion="9" ma:contentTypeDescription="Crear nuevo documento." ma:contentTypeScope="" ma:versionID="2eaa1812483ef2fe6f4278a9d2e6df79">
   <xsd:schema xmlns:xsd="http://www.w3.org/2001/XMLSchema" xmlns:xs="http://www.w3.org/2001/XMLSchema" xmlns:p="http://schemas.microsoft.com/office/2006/metadata/properties" xmlns:ns2="63dccab9-5cae-4ada-949e-98444eb9d445" xmlns:ns3="5d68a415-9163-49c8-a525-c85f27c1ed22" targetNamespace="http://schemas.microsoft.com/office/2006/metadata/properties" ma:root="true" ma:fieldsID="e592a035e2975b8313ee71bddd01833a" ns2:_="" ns3:_="">
     <xsd:import namespace="63dccab9-5cae-4ada-949e-98444eb9d445"/>
@@ -49336,15 +55147,6 @@
 </ct:contentTypeSchema>
 </file>
 
-<file path=customXml/item2.xml><?xml version="1.0" encoding="utf-8"?>
-<?mso-contentType ?>
-<FormTemplates xmlns="http://schemas.microsoft.com/sharepoint/v3/contenttype/forms">
-  <Display>DocumentLibraryForm</Display>
-  <Edit>DocumentLibraryForm</Edit>
-  <New>DocumentLibraryForm</New>
-</FormTemplates>
-</file>
-
 <file path=customXml/item3.xml><?xml version="1.0" encoding="utf-8"?>
 <p:properties xmlns:p="http://schemas.microsoft.com/office/2006/metadata/properties" xmlns:xsi="http://www.w3.org/2001/XMLSchema-instance" xmlns:pc="http://schemas.microsoft.com/office/infopath/2007/PartnerControls">
   <documentManagement>
@@ -49360,6 +55162,14 @@
 </file>
 
 <file path=customXml/itemProps1.xml><?xml version="1.0" encoding="utf-8"?>
+<ds:datastoreItem xmlns:ds="http://schemas.openxmlformats.org/officeDocument/2006/customXml" ds:itemID="{FFEC7120-272F-46A9-A1DA-36999E9F2A33}">
+  <ds:schemaRefs>
+    <ds:schemaRef ds:uri="http://schemas.microsoft.com/sharepoint/v3/contenttype/forms"/>
+  </ds:schemaRefs>
+</ds:datastoreItem>
+</file>
+
+<file path=customXml/itemProps2.xml><?xml version="1.0" encoding="utf-8"?>
 <ds:datastoreItem xmlns:ds="http://schemas.openxmlformats.org/officeDocument/2006/customXml" ds:itemID="{83103973-C009-4B65-9501-A20D3D140A2A}">
   <ds:schemaRefs>
     <ds:schemaRef ds:uri="5d68a415-9163-49c8-a525-c85f27c1ed22"/>
@@ -49374,14 +55184,6 @@
     <ds:schemaRef ds:uri="http://schemas.microsoft.com/office/infopath/2007/PartnerControls"/>
     <ds:schemaRef ds:uri="http://schemas.openxmlformats.org/package/2006/metadata/core-properties"/>
     <ds:schemaRef ds:uri="http://www.w3.org/2001/XMLSchema"/>
-  </ds:schemaRefs>
-</ds:datastoreItem>
-</file>
-
-<file path=customXml/itemProps2.xml><?xml version="1.0" encoding="utf-8"?>
-<ds:datastoreItem xmlns:ds="http://schemas.openxmlformats.org/officeDocument/2006/customXml" ds:itemID="{FFEC7120-272F-46A9-A1DA-36999E9F2A33}">
-  <ds:schemaRefs>
-    <ds:schemaRef ds:uri="http://schemas.microsoft.com/sharepoint/v3/contenttype/forms"/>
   </ds:schemaRefs>
 </ds:datastoreItem>
 </file>
